--- a/CAPSTONE_Retail_marketing_customers_Prediction/Documentation_Presentation/Presentation_Final.pptx
+++ b/CAPSTONE_Retail_marketing_customers_Prediction/Documentation_Presentation/Presentation_Final.pptx
@@ -27,9 +27,9 @@
     <p:sldId id="281" r:id="rId18"/>
     <p:sldId id="288" r:id="rId19"/>
     <p:sldId id="267" r:id="rId20"/>
-    <p:sldId id="297" r:id="rId21"/>
-    <p:sldId id="296" r:id="rId22"/>
-    <p:sldId id="295" r:id="rId23"/>
+    <p:sldId id="296" r:id="rId21"/>
+    <p:sldId id="297" r:id="rId22"/>
+    <p:sldId id="271" r:id="rId23"/>
   </p:sldIdLst>
   <p:sldSz cx="12192000" cy="6858000"/>
   <p:notesSz cx="6858000" cy="9144000"/>
@@ -218,7 +218,7 @@
           <a:p>
             <a:fld id="{8C25F68A-8681-374C-AFA8-EB46C3898FE4}" type="datetimeFigureOut">
               <a:rPr lang="en-US" smtClean="0"/>
-              <a:t>3/3/21</a:t>
+              <a:t>3/10/21</a:t>
             </a:fld>
             <a:endParaRPr lang="en-US"/>
           </a:p>
@@ -9561,7 +9561,7 @@
                             </p:stCondLst>
                             <p:childTnLst>
                               <p:par>
-                                <p:cTn id="5" presetID="9" presetClass="entr" presetSubtype="0" fill="hold" nodeType="clickEffect">
+                                <p:cTn id="5" presetID="1" presetClass="entr" presetSubtype="0" fill="hold" nodeType="clickEffect">
                                   <p:stCondLst>
                                     <p:cond delay="0"/>
                                   </p:stCondLst>
@@ -9584,14 +9584,6 @@
                                         <p:strVal val="visible"/>
                                       </p:to>
                                     </p:set>
-                                    <p:animEffect transition="in" filter="dissolve">
-                                      <p:cBhvr>
-                                        <p:cTn id="7" dur="500"/>
-                                        <p:tgtEl>
-                                          <p:spTgt spid="30"/>
-                                        </p:tgtEl>
-                                      </p:cBhvr>
-                                    </p:animEffect>
                                   </p:childTnLst>
                                 </p:cTn>
                               </p:par>
@@ -9991,10 +9983,10 @@
       </p:grpSpPr>
       <p:pic>
         <p:nvPicPr>
-          <p:cNvPr id="39" name="Picture 38" descr="Chart, bar chart&#10;&#10;Description automatically generated">
-            <a:extLst>
-              <a:ext uri="{FF2B5EF4-FFF2-40B4-BE49-F238E27FC236}">
-                <a16:creationId xmlns:a16="http://schemas.microsoft.com/office/drawing/2014/main" id="{475D4C90-A3A5-D546-922A-3753A6B17890}"/>
+          <p:cNvPr id="7" name="Picture 6" descr="Chart, funnel chart&#10;&#10;Description automatically generated">
+            <a:extLst>
+              <a:ext uri="{FF2B5EF4-FFF2-40B4-BE49-F238E27FC236}">
+                <a16:creationId xmlns:a16="http://schemas.microsoft.com/office/drawing/2014/main" id="{3C820502-EE99-7442-B07A-86C608828868}"/>
               </a:ext>
             </a:extLst>
           </p:cNvPr>
@@ -10011,8 +10003,8 @@
         </p:blipFill>
         <p:spPr>
           <a:xfrm>
-            <a:off x="4924647" y="820506"/>
-            <a:ext cx="6749477" cy="5216987"/>
+            <a:off x="5354919" y="871825"/>
+            <a:ext cx="5888934" cy="4420265"/>
           </a:xfrm>
           <a:prstGeom prst="rect">
             <a:avLst/>
@@ -10172,8 +10164,8 @@
         </p:nvSpPr>
         <p:spPr>
           <a:xfrm>
-            <a:off x="3794078" y="959093"/>
-            <a:ext cx="3972353" cy="4939814"/>
+            <a:off x="3663250" y="993719"/>
+            <a:ext cx="4131244" cy="3737946"/>
           </a:xfrm>
           <a:prstGeom prst="rect">
             <a:avLst/>
@@ -10194,7 +10186,7 @@
               </a:lnSpc>
             </a:pPr>
             <a:r>
-              <a:rPr lang="en-US" dirty="0"/>
+              <a:rPr lang="en-US" sz="2000" dirty="0"/>
               <a:t>Segment ‘Champions’</a:t>
             </a:r>
           </a:p>
@@ -10205,7 +10197,7 @@
               </a:lnSpc>
             </a:pPr>
             <a:r>
-              <a:rPr lang="en-US" dirty="0"/>
+              <a:rPr lang="en-US" sz="2000" dirty="0"/>
               <a:t>Homeowner</a:t>
             </a:r>
           </a:p>
@@ -10216,8 +10208,8 @@
               </a:lnSpc>
             </a:pPr>
             <a:r>
-              <a:rPr lang="en-US" dirty="0"/>
-              <a:t>Income 35k - 49k</a:t>
+              <a:rPr lang="en-US" sz="2000" dirty="0"/>
+              <a:t>Married </a:t>
             </a:r>
           </a:p>
           <a:p>
@@ -10227,8 +10219,8 @@
               </a:lnSpc>
             </a:pPr>
             <a:r>
-              <a:rPr lang="en-US" dirty="0"/>
-              <a:t>Age 25 - 34</a:t>
+              <a:rPr lang="en-US" sz="2000" dirty="0"/>
+              <a:t>Income 35k - 49k</a:t>
             </a:r>
           </a:p>
           <a:p>
@@ -10238,8 +10230,8 @@
               </a:lnSpc>
             </a:pPr>
             <a:r>
-              <a:rPr lang="en-US" dirty="0"/>
-              <a:t>Household component Single Female</a:t>
+              <a:rPr lang="en-US" sz="2000" dirty="0"/>
+              <a:t>Family of 2 adults with kids</a:t>
             </a:r>
           </a:p>
           <a:p>
@@ -10249,8 +10241,8 @@
               </a:lnSpc>
             </a:pPr>
             <a:r>
-              <a:rPr lang="en-US" dirty="0"/>
-              <a:t>Income 50k - 74k</a:t>
+              <a:rPr lang="en-US" sz="2000" dirty="0"/>
+              <a:t>Age 25 - 34</a:t>
             </a:r>
           </a:p>
           <a:p>
@@ -10260,8 +10252,8 @@
               </a:lnSpc>
             </a:pPr>
             <a:r>
-              <a:rPr lang="en-US" dirty="0"/>
-              <a:t>Age 35 - 44</a:t>
+              <a:rPr lang="en-US" sz="2000" dirty="0"/>
+              <a:t>Income 50k - 74k</a:t>
             </a:r>
           </a:p>
           <a:p>
@@ -10271,43 +10263,9 @@
               </a:lnSpc>
             </a:pPr>
             <a:r>
-              <a:rPr lang="en-US" dirty="0"/>
-              <a:t>Income 75k - 99k</a:t>
-            </a:r>
-          </a:p>
-          <a:p>
-            <a:pPr algn="r">
-              <a:lnSpc>
-                <a:spcPct val="150000"/>
-              </a:lnSpc>
-            </a:pPr>
-            <a:r>
-              <a:rPr lang="en-US" dirty="0"/>
-              <a:t>Married</a:t>
-            </a:r>
-          </a:p>
-          <a:p>
-            <a:pPr algn="r">
-              <a:lnSpc>
-                <a:spcPct val="150000"/>
-              </a:lnSpc>
-            </a:pPr>
-            <a:r>
-              <a:rPr lang="en-US" dirty="0"/>
-              <a:t>Age 55 - 64</a:t>
-            </a:r>
-          </a:p>
-          <a:p>
-            <a:pPr algn="r">
-              <a:lnSpc>
-                <a:spcPct val="150000"/>
-              </a:lnSpc>
-            </a:pPr>
-            <a:endParaRPr lang="en-US" dirty="0"/>
-          </a:p>
-          <a:p>
-            <a:pPr algn="r"/>
-            <a:endParaRPr lang="en-US" dirty="0"/>
+              <a:rPr lang="en-US" sz="2000" dirty="0"/>
+              <a:t>Age 45 - 54</a:t>
+            </a:r>
           </a:p>
         </p:txBody>
       </p:sp>
@@ -10436,7 +10394,7 @@
           <p:nvPr>
             <p:extLst>
               <p:ext uri="{D42A27DB-BD31-4B8C-83A1-F6EECF244321}">
-                <p14:modId xmlns:p14="http://schemas.microsoft.com/office/powerpoint/2010/main" val="2616940897"/>
+                <p14:modId xmlns:p14="http://schemas.microsoft.com/office/powerpoint/2010/main" val="1711758969"/>
               </p:ext>
             </p:extLst>
           </p:nvPr>
@@ -10619,7 +10577,7 @@
                           <a:effectLst/>
                           <a:latin typeface="Helvetica" pitchFamily="2" charset="0"/>
                         </a:rPr>
-                        <a:t>0.842</a:t>
+                        <a:t>0.84</a:t>
                       </a:r>
                     </a:p>
                   </a:txBody>
@@ -10640,7 +10598,7 @@
                       <a:pPr algn="ctr"/>
                       <a:r>
                         <a:rPr lang="en-US" sz="1600" b="0" dirty="0"/>
-                        <a:t>+/- 0.03</a:t>
+                        <a:t>+/- 0.04</a:t>
                       </a:r>
                     </a:p>
                   </a:txBody>
@@ -10667,7 +10625,7 @@
                           <a:effectLst/>
                           <a:latin typeface="Helvetica" pitchFamily="2" charset="0"/>
                         </a:rPr>
-                        <a:t>0.83</a:t>
+                        <a:t>0.84</a:t>
                       </a:r>
                     </a:p>
                   </a:txBody>
@@ -10714,7 +10672,7 @@
                           <a:effectLst/>
                           <a:latin typeface="Helvetica" pitchFamily="2" charset="0"/>
                         </a:rPr>
-                        <a:t>0.841</a:t>
+                        <a:t>0.82</a:t>
                       </a:r>
                     </a:p>
                   </a:txBody>
@@ -10752,7 +10710,7 @@
                           <a:effectLst/>
                           <a:latin typeface="Helvetica" pitchFamily="2" charset="0"/>
                         </a:rPr>
-                        <a:t>0.82</a:t>
+                        <a:t>0.78</a:t>
                       </a:r>
                     </a:p>
                   </a:txBody>
@@ -10809,7 +10767,7 @@
                           <a:effectLst/>
                           <a:latin typeface="Helvetica" pitchFamily="2" charset="0"/>
                         </a:rPr>
-                        <a:t>0.839</a:t>
+                        <a:t>0.83</a:t>
                       </a:r>
                     </a:p>
                   </a:txBody>
@@ -10847,7 +10805,7 @@
                           <a:effectLst/>
                           <a:latin typeface="Helvetica" pitchFamily="2" charset="0"/>
                         </a:rPr>
-                        <a:t>0.82</a:t>
+                        <a:t>0.80</a:t>
                       </a:r>
                     </a:p>
                   </a:txBody>
@@ -10904,7 +10862,7 @@
                           <a:effectLst/>
                           <a:latin typeface="Helvetica" pitchFamily="2" charset="0"/>
                         </a:rPr>
-                        <a:t>0.838</a:t>
+                        <a:t>0.82</a:t>
                       </a:r>
                     </a:p>
                   </a:txBody>
@@ -10942,7 +10900,7 @@
                           <a:effectLst/>
                           <a:latin typeface="Helvetica" pitchFamily="2" charset="0"/>
                         </a:rPr>
-                        <a:t>0.81</a:t>
+                        <a:t>0.82</a:t>
                       </a:r>
                     </a:p>
                   </a:txBody>
@@ -10982,7 +10940,7 @@
                           <a:effectLst/>
                           <a:latin typeface="Helvetica" pitchFamily="2" charset="0"/>
                         </a:rPr>
-                        <a:t>0.836</a:t>
+                        <a:t>0.83</a:t>
                       </a:r>
                     </a:p>
                   </a:txBody>
@@ -11020,7 +10978,7 @@
                           <a:effectLst/>
                           <a:latin typeface="Helvetica" pitchFamily="2" charset="0"/>
                         </a:rPr>
-                        <a:t>0.81</a:t>
+                        <a:t>0.82</a:t>
                       </a:r>
                     </a:p>
                   </a:txBody>
@@ -11064,7 +11022,7 @@
                           <a:effectLst/>
                           <a:latin typeface="Helvetica" pitchFamily="2" charset="0"/>
                         </a:rPr>
-                        <a:t>0.829</a:t>
+                        <a:t>0.81</a:t>
                       </a:r>
                     </a:p>
                   </a:txBody>
@@ -11102,7 +11060,7 @@
                           <a:effectLst/>
                           <a:latin typeface="Helvetica" pitchFamily="2" charset="0"/>
                         </a:rPr>
-                        <a:t>0.81</a:t>
+                        <a:t>0.80</a:t>
                       </a:r>
                     </a:p>
                   </a:txBody>
@@ -11877,10 +11835,10 @@
       </p:sp>
       <p:grpSp>
         <p:nvGrpSpPr>
-          <p:cNvPr id="57" name="Group 56">
-            <a:extLst>
-              <a:ext uri="{FF2B5EF4-FFF2-40B4-BE49-F238E27FC236}">
-                <a16:creationId xmlns:a16="http://schemas.microsoft.com/office/drawing/2014/main" id="{9FF2AD94-27BE-004D-811C-DEDEDA463889}"/>
+          <p:cNvPr id="10" name="Group 9">
+            <a:extLst>
+              <a:ext uri="{FF2B5EF4-FFF2-40B4-BE49-F238E27FC236}">
+                <a16:creationId xmlns:a16="http://schemas.microsoft.com/office/drawing/2014/main" id="{420FAD08-8379-4E4F-A708-E615ED9DF43D}"/>
               </a:ext>
             </a:extLst>
           </p:cNvPr>
@@ -11889,18 +11847,18 @@
         </p:nvGrpSpPr>
         <p:grpSpPr>
           <a:xfrm>
-            <a:off x="6843912" y="3332010"/>
-            <a:ext cx="4643310" cy="3291067"/>
-            <a:chOff x="6843912" y="3332010"/>
-            <a:chExt cx="4643310" cy="3291067"/>
+            <a:off x="6843912" y="3181724"/>
+            <a:ext cx="4876521" cy="3441353"/>
+            <a:chOff x="6843912" y="3181724"/>
+            <a:chExt cx="4876521" cy="3441353"/>
           </a:xfrm>
         </p:grpSpPr>
         <p:pic>
           <p:nvPicPr>
-            <p:cNvPr id="56" name="Picture 55" descr="Chart, treemap chart&#10;&#10;Description automatically generated">
+            <p:cNvPr id="9" name="Picture 8" descr="Chart, treemap chart&#10;&#10;Description automatically generated">
               <a:extLst>
                 <a:ext uri="{FF2B5EF4-FFF2-40B4-BE49-F238E27FC236}">
-                  <a16:creationId xmlns:a16="http://schemas.microsoft.com/office/drawing/2014/main" id="{BE7FA7FB-925D-3540-8517-BFFC95BCA649}"/>
+                  <a16:creationId xmlns:a16="http://schemas.microsoft.com/office/drawing/2014/main" id="{80C35A6D-2675-8B42-B0E1-E02DB988C8DC}"/>
                 </a:ext>
               </a:extLst>
             </p:cNvPr>
@@ -11917,8 +11875,8 @@
           </p:blipFill>
           <p:spPr>
             <a:xfrm>
-              <a:off x="7181985" y="3332010"/>
-              <a:ext cx="4305237" cy="3024340"/>
+              <a:off x="6869033" y="3181724"/>
+              <a:ext cx="4851400" cy="3378200"/>
             </a:xfrm>
             <a:prstGeom prst="rect">
               <a:avLst/>
@@ -12278,7 +12236,7 @@
                             </p:stCondLst>
                             <p:childTnLst>
                               <p:par>
-                                <p:cTn id="14" presetID="9" presetClass="entr" presetSubtype="0" fill="hold" nodeType="clickEffect">
+                                <p:cTn id="14" presetID="1" presetClass="entr" presetSubtype="0" fill="hold" nodeType="clickEffect">
                                   <p:stCondLst>
                                     <p:cond delay="0"/>
                                   </p:stCondLst>
@@ -12301,44 +12259,45 @@
                                         <p:strVal val="visible"/>
                                       </p:to>
                                     </p:set>
-                                    <p:animEffect transition="in" filter="dissolve">
-                                      <p:cBhvr>
-                                        <p:cTn id="16" dur="500"/>
-                                        <p:tgtEl>
-                                          <p:spTgt spid="22"/>
-                                        </p:tgtEl>
-                                      </p:cBhvr>
-                                    </p:animEffect>
                                   </p:childTnLst>
                                 </p:cTn>
                               </p:par>
-                            </p:childTnLst>
-                          </p:cTn>
-                        </p:par>
-                      </p:childTnLst>
-                    </p:cTn>
-                  </p:par>
-                  <p:par>
-                    <p:cTn id="17" fill="hold">
-                      <p:stCondLst>
-                        <p:cond delay="indefinite"/>
-                      </p:stCondLst>
-                      <p:childTnLst>
-                        <p:par>
-                          <p:cTn id="18" fill="hold">
-                            <p:stCondLst>
-                              <p:cond delay="0"/>
-                            </p:stCondLst>
-                            <p:childTnLst>
                               <p:par>
-                                <p:cTn id="19" presetID="9" presetClass="entr" presetSubtype="0" fill="hold" grpId="0" nodeType="clickEffect">
+                                <p:cTn id="16" presetID="1" presetClass="entr" presetSubtype="0" fill="hold" nodeType="withEffect">
                                   <p:stCondLst>
                                     <p:cond delay="0"/>
                                   </p:stCondLst>
                                   <p:childTnLst>
                                     <p:set>
                                       <p:cBhvr>
-                                        <p:cTn id="20" dur="1" fill="hold">
+                                        <p:cTn id="17" dur="1" fill="hold">
+                                          <p:stCondLst>
+                                            <p:cond delay="0"/>
+                                          </p:stCondLst>
+                                        </p:cTn>
+                                        <p:tgtEl>
+                                          <p:spTgt spid="10"/>
+                                        </p:tgtEl>
+                                        <p:attrNameLst>
+                                          <p:attrName>style.visibility</p:attrName>
+                                        </p:attrNameLst>
+                                      </p:cBhvr>
+                                      <p:to>
+                                        <p:strVal val="visible"/>
+                                      </p:to>
+                                    </p:set>
+                                  </p:childTnLst>
+                                </p:cTn>
+                              </p:par>
+                              <p:par>
+                                <p:cTn id="18" presetID="1" presetClass="entr" presetSubtype="0" fill="hold" grpId="0" nodeType="withEffect">
+                                  <p:stCondLst>
+                                    <p:cond delay="0"/>
+                                  </p:stCondLst>
+                                  <p:childTnLst>
+                                    <p:set>
+                                      <p:cBhvr>
+                                        <p:cTn id="19" dur="1" fill="hold">
                                           <p:stCondLst>
                                             <p:cond delay="0"/>
                                           </p:stCondLst>
@@ -12354,67 +12313,6 @@
                                         <p:strVal val="visible"/>
                                       </p:to>
                                     </p:set>
-                                    <p:animEffect transition="in" filter="dissolve">
-                                      <p:cBhvr>
-                                        <p:cTn id="21" dur="500"/>
-                                        <p:tgtEl>
-                                          <p:spTgt spid="41"/>
-                                        </p:tgtEl>
-                                      </p:cBhvr>
-                                    </p:animEffect>
-                                  </p:childTnLst>
-                                </p:cTn>
-                              </p:par>
-                            </p:childTnLst>
-                          </p:cTn>
-                        </p:par>
-                      </p:childTnLst>
-                    </p:cTn>
-                  </p:par>
-                  <p:par>
-                    <p:cTn id="22" fill="hold">
-                      <p:stCondLst>
-                        <p:cond delay="indefinite"/>
-                      </p:stCondLst>
-                      <p:childTnLst>
-                        <p:par>
-                          <p:cTn id="23" fill="hold">
-                            <p:stCondLst>
-                              <p:cond delay="0"/>
-                            </p:stCondLst>
-                            <p:childTnLst>
-                              <p:par>
-                                <p:cTn id="24" presetID="9" presetClass="entr" presetSubtype="0" fill="hold" nodeType="clickEffect">
-                                  <p:stCondLst>
-                                    <p:cond delay="0"/>
-                                  </p:stCondLst>
-                                  <p:childTnLst>
-                                    <p:set>
-                                      <p:cBhvr>
-                                        <p:cTn id="25" dur="1" fill="hold">
-                                          <p:stCondLst>
-                                            <p:cond delay="0"/>
-                                          </p:stCondLst>
-                                        </p:cTn>
-                                        <p:tgtEl>
-                                          <p:spTgt spid="57"/>
-                                        </p:tgtEl>
-                                        <p:attrNameLst>
-                                          <p:attrName>style.visibility</p:attrName>
-                                        </p:attrNameLst>
-                                      </p:cBhvr>
-                                      <p:to>
-                                        <p:strVal val="visible"/>
-                                      </p:to>
-                                    </p:set>
-                                    <p:animEffect transition="in" filter="dissolve">
-                                      <p:cBhvr>
-                                        <p:cTn id="26" dur="500"/>
-                                        <p:tgtEl>
-                                          <p:spTgt spid="57"/>
-                                        </p:tgtEl>
-                                      </p:cBhvr>
-                                    </p:animEffect>
                                   </p:childTnLst>
                                 </p:cTn>
                               </p:par>
@@ -14544,8 +14442,8 @@
           </a:p>
         </p:txBody>
       </p:sp>
-      <mc:AlternateContent xmlns:mc="http://schemas.openxmlformats.org/markup-compatibility/2006">
-        <mc:Choice xmlns:a14="http://schemas.microsoft.com/office/drawing/2010/main" Requires="a14">
+      <mc:AlternateContent xmlns:mc="http://schemas.openxmlformats.org/markup-compatibility/2006" xmlns:a14="http://schemas.microsoft.com/office/drawing/2010/main">
+        <mc:Choice Requires="a14">
           <p:sp>
             <p:nvSpPr>
               <p:cNvPr id="4" name="TextBox 3">
@@ -14574,6 +14472,7 @@
               </a:bodyPr>
               <a:lstStyle/>
               <a:p>
+                <a:pPr/>
                 <a14:m>
                   <m:oMathPara xmlns:m="http://schemas.openxmlformats.org/officeDocument/2006/math">
                     <m:oMathParaPr>
@@ -14661,7 +14560,7 @@
             </p:txBody>
           </p:sp>
         </mc:Choice>
-        <mc:Fallback>
+        <mc:Fallback xmlns="">
           <p:sp>
             <p:nvSpPr>
               <p:cNvPr id="4" name="TextBox 3">
@@ -14752,216 +14651,6 @@
   <p:clrMapOvr>
     <a:masterClrMapping/>
   </p:clrMapOvr>
-  <p:timing>
-    <p:tnLst>
-      <p:par>
-        <p:cTn id="1" dur="indefinite" restart="never" nodeType="tmRoot">
-          <p:childTnLst>
-            <p:seq concurrent="1" nextAc="seek">
-              <p:cTn id="2" dur="indefinite" nodeType="mainSeq">
-                <p:childTnLst>
-                  <p:par>
-                    <p:cTn id="3" fill="hold">
-                      <p:stCondLst>
-                        <p:cond delay="indefinite"/>
-                      </p:stCondLst>
-                      <p:childTnLst>
-                        <p:par>
-                          <p:cTn id="4" fill="hold">
-                            <p:stCondLst>
-                              <p:cond delay="0"/>
-                            </p:stCondLst>
-                            <p:childTnLst>
-                              <p:par>
-                                <p:cTn id="5" presetID="9" presetClass="entr" presetSubtype="0" fill="hold" nodeType="clickEffect">
-                                  <p:stCondLst>
-                                    <p:cond delay="0"/>
-                                  </p:stCondLst>
-                                  <p:childTnLst>
-                                    <p:set>
-                                      <p:cBhvr>
-                                        <p:cTn id="6" dur="1" fill="hold">
-                                          <p:stCondLst>
-                                            <p:cond delay="0"/>
-                                          </p:stCondLst>
-                                        </p:cTn>
-                                        <p:tgtEl>
-                                          <p:spTgt spid="8"/>
-                                        </p:tgtEl>
-                                        <p:attrNameLst>
-                                          <p:attrName>style.visibility</p:attrName>
-                                        </p:attrNameLst>
-                                      </p:cBhvr>
-                                      <p:to>
-                                        <p:strVal val="visible"/>
-                                      </p:to>
-                                    </p:set>
-                                    <p:animEffect transition="in" filter="dissolve">
-                                      <p:cBhvr>
-                                        <p:cTn id="7" dur="500"/>
-                                        <p:tgtEl>
-                                          <p:spTgt spid="8"/>
-                                        </p:tgtEl>
-                                      </p:cBhvr>
-                                    </p:animEffect>
-                                  </p:childTnLst>
-                                </p:cTn>
-                              </p:par>
-                            </p:childTnLst>
-                          </p:cTn>
-                        </p:par>
-                      </p:childTnLst>
-                    </p:cTn>
-                  </p:par>
-                  <p:par>
-                    <p:cTn id="8" fill="hold">
-                      <p:stCondLst>
-                        <p:cond delay="indefinite"/>
-                      </p:stCondLst>
-                      <p:childTnLst>
-                        <p:par>
-                          <p:cTn id="9" fill="hold">
-                            <p:stCondLst>
-                              <p:cond delay="0"/>
-                            </p:stCondLst>
-                            <p:childTnLst>
-                              <p:par>
-                                <p:cTn id="10" presetID="9" presetClass="entr" presetSubtype="0" fill="hold" nodeType="clickEffect">
-                                  <p:stCondLst>
-                                    <p:cond delay="0"/>
-                                  </p:stCondLst>
-                                  <p:childTnLst>
-                                    <p:set>
-                                      <p:cBhvr>
-                                        <p:cTn id="11" dur="1" fill="hold">
-                                          <p:stCondLst>
-                                            <p:cond delay="0"/>
-                                          </p:stCondLst>
-                                        </p:cTn>
-                                        <p:tgtEl>
-                                          <p:spTgt spid="5"/>
-                                        </p:tgtEl>
-                                        <p:attrNameLst>
-                                          <p:attrName>style.visibility</p:attrName>
-                                        </p:attrNameLst>
-                                      </p:cBhvr>
-                                      <p:to>
-                                        <p:strVal val="visible"/>
-                                      </p:to>
-                                    </p:set>
-                                    <p:animEffect transition="in" filter="dissolve">
-                                      <p:cBhvr>
-                                        <p:cTn id="12" dur="500"/>
-                                        <p:tgtEl>
-                                          <p:spTgt spid="5"/>
-                                        </p:tgtEl>
-                                      </p:cBhvr>
-                                    </p:animEffect>
-                                  </p:childTnLst>
-                                </p:cTn>
-                              </p:par>
-                              <p:par>
-                                <p:cTn id="13" presetID="9" presetClass="entr" presetSubtype="0" fill="hold" grpId="0" nodeType="withEffect">
-                                  <p:stCondLst>
-                                    <p:cond delay="0"/>
-                                  </p:stCondLst>
-                                  <p:childTnLst>
-                                    <p:set>
-                                      <p:cBhvr>
-                                        <p:cTn id="14" dur="1" fill="hold">
-                                          <p:stCondLst>
-                                            <p:cond delay="0"/>
-                                          </p:stCondLst>
-                                        </p:cTn>
-                                        <p:tgtEl>
-                                          <p:spTgt spid="11"/>
-                                        </p:tgtEl>
-                                        <p:attrNameLst>
-                                          <p:attrName>style.visibility</p:attrName>
-                                        </p:attrNameLst>
-                                      </p:cBhvr>
-                                      <p:to>
-                                        <p:strVal val="visible"/>
-                                      </p:to>
-                                    </p:set>
-                                    <p:animEffect transition="in" filter="dissolve">
-                                      <p:cBhvr>
-                                        <p:cTn id="15" dur="500"/>
-                                        <p:tgtEl>
-                                          <p:spTgt spid="11"/>
-                                        </p:tgtEl>
-                                      </p:cBhvr>
-                                    </p:animEffect>
-                                  </p:childTnLst>
-                                </p:cTn>
-                              </p:par>
-                              <p:par>
-                                <p:cTn id="16" presetID="9" presetClass="entr" presetSubtype="0" fill="hold" grpId="0" nodeType="withEffect">
-                                  <p:stCondLst>
-                                    <p:cond delay="0"/>
-                                  </p:stCondLst>
-                                  <p:childTnLst>
-                                    <p:set>
-                                      <p:cBhvr>
-                                        <p:cTn id="17" dur="1" fill="hold">
-                                          <p:stCondLst>
-                                            <p:cond delay="0"/>
-                                          </p:stCondLst>
-                                        </p:cTn>
-                                        <p:tgtEl>
-                                          <p:spTgt spid="4"/>
-                                        </p:tgtEl>
-                                        <p:attrNameLst>
-                                          <p:attrName>style.visibility</p:attrName>
-                                        </p:attrNameLst>
-                                      </p:cBhvr>
-                                      <p:to>
-                                        <p:strVal val="visible"/>
-                                      </p:to>
-                                    </p:set>
-                                    <p:animEffect transition="in" filter="dissolve">
-                                      <p:cBhvr>
-                                        <p:cTn id="18" dur="500"/>
-                                        <p:tgtEl>
-                                          <p:spTgt spid="4"/>
-                                        </p:tgtEl>
-                                      </p:cBhvr>
-                                    </p:animEffect>
-                                  </p:childTnLst>
-                                </p:cTn>
-                              </p:par>
-                            </p:childTnLst>
-                          </p:cTn>
-                        </p:par>
-                      </p:childTnLst>
-                    </p:cTn>
-                  </p:par>
-                </p:childTnLst>
-              </p:cTn>
-              <p:prevCondLst>
-                <p:cond evt="onPrev" delay="0">
-                  <p:tgtEl>
-                    <p:sldTgt/>
-                  </p:tgtEl>
-                </p:cond>
-              </p:prevCondLst>
-              <p:nextCondLst>
-                <p:cond evt="onNext" delay="0">
-                  <p:tgtEl>
-                    <p:sldTgt/>
-                  </p:tgtEl>
-                </p:cond>
-              </p:nextCondLst>
-            </p:seq>
-          </p:childTnLst>
-        </p:cTn>
-      </p:par>
-    </p:tnLst>
-    <p:bldLst>
-      <p:bldP spid="4" grpId="0"/>
-      <p:bldP spid="11" grpId="0"/>
-    </p:bldLst>
-  </p:timing>
 </p:sld>
 </file>
 
@@ -16600,248 +16289,6 @@
   <p:clrMapOvr>
     <a:masterClrMapping/>
   </p:clrMapOvr>
-  <p:timing>
-    <p:tnLst>
-      <p:par>
-        <p:cTn id="1" dur="indefinite" restart="never" nodeType="tmRoot">
-          <p:childTnLst>
-            <p:seq concurrent="1" nextAc="seek">
-              <p:cTn id="2" dur="indefinite" nodeType="mainSeq">
-                <p:childTnLst>
-                  <p:par>
-                    <p:cTn id="3" fill="hold">
-                      <p:stCondLst>
-                        <p:cond delay="indefinite"/>
-                      </p:stCondLst>
-                      <p:childTnLst>
-                        <p:par>
-                          <p:cTn id="4" fill="hold">
-                            <p:stCondLst>
-                              <p:cond delay="0"/>
-                            </p:stCondLst>
-                            <p:childTnLst>
-                              <p:par>
-                                <p:cTn id="5" presetID="9" presetClass="entr" presetSubtype="0" fill="hold" nodeType="clickEffect">
-                                  <p:stCondLst>
-                                    <p:cond delay="0"/>
-                                  </p:stCondLst>
-                                  <p:childTnLst>
-                                    <p:set>
-                                      <p:cBhvr>
-                                        <p:cTn id="6" dur="1" fill="hold">
-                                          <p:stCondLst>
-                                            <p:cond delay="0"/>
-                                          </p:stCondLst>
-                                        </p:cTn>
-                                        <p:tgtEl>
-                                          <p:spTgt spid="2"/>
-                                        </p:tgtEl>
-                                        <p:attrNameLst>
-                                          <p:attrName>style.visibility</p:attrName>
-                                        </p:attrNameLst>
-                                      </p:cBhvr>
-                                      <p:to>
-                                        <p:strVal val="visible"/>
-                                      </p:to>
-                                    </p:set>
-                                    <p:animEffect transition="in" filter="dissolve">
-                                      <p:cBhvr>
-                                        <p:cTn id="7" dur="500"/>
-                                        <p:tgtEl>
-                                          <p:spTgt spid="2"/>
-                                        </p:tgtEl>
-                                      </p:cBhvr>
-                                    </p:animEffect>
-                                  </p:childTnLst>
-                                </p:cTn>
-                              </p:par>
-                            </p:childTnLst>
-                          </p:cTn>
-                        </p:par>
-                      </p:childTnLst>
-                    </p:cTn>
-                  </p:par>
-                  <p:par>
-                    <p:cTn id="8" fill="hold">
-                      <p:stCondLst>
-                        <p:cond delay="indefinite"/>
-                      </p:stCondLst>
-                      <p:childTnLst>
-                        <p:par>
-                          <p:cTn id="9" fill="hold">
-                            <p:stCondLst>
-                              <p:cond delay="0"/>
-                            </p:stCondLst>
-                            <p:childTnLst>
-                              <p:par>
-                                <p:cTn id="10" presetID="9" presetClass="entr" presetSubtype="0" fill="hold" nodeType="clickEffect">
-                                  <p:stCondLst>
-                                    <p:cond delay="0"/>
-                                  </p:stCondLst>
-                                  <p:childTnLst>
-                                    <p:set>
-                                      <p:cBhvr>
-                                        <p:cTn id="11" dur="1" fill="hold">
-                                          <p:stCondLst>
-                                            <p:cond delay="0"/>
-                                          </p:stCondLst>
-                                        </p:cTn>
-                                        <p:tgtEl>
-                                          <p:spTgt spid="3"/>
-                                        </p:tgtEl>
-                                        <p:attrNameLst>
-                                          <p:attrName>style.visibility</p:attrName>
-                                        </p:attrNameLst>
-                                      </p:cBhvr>
-                                      <p:to>
-                                        <p:strVal val="visible"/>
-                                      </p:to>
-                                    </p:set>
-                                    <p:animEffect transition="in" filter="dissolve">
-                                      <p:cBhvr>
-                                        <p:cTn id="12" dur="500"/>
-                                        <p:tgtEl>
-                                          <p:spTgt spid="3"/>
-                                        </p:tgtEl>
-                                      </p:cBhvr>
-                                    </p:animEffect>
-                                  </p:childTnLst>
-                                </p:cTn>
-                              </p:par>
-                            </p:childTnLst>
-                          </p:cTn>
-                        </p:par>
-                      </p:childTnLst>
-                    </p:cTn>
-                  </p:par>
-                  <p:par>
-                    <p:cTn id="13" fill="hold">
-                      <p:stCondLst>
-                        <p:cond delay="indefinite"/>
-                      </p:stCondLst>
-                      <p:childTnLst>
-                        <p:par>
-                          <p:cTn id="14" fill="hold">
-                            <p:stCondLst>
-                              <p:cond delay="0"/>
-                            </p:stCondLst>
-                            <p:childTnLst>
-                              <p:par>
-                                <p:cTn id="15" presetID="9" presetClass="entr" presetSubtype="0" fill="hold" nodeType="clickEffect">
-                                  <p:stCondLst>
-                                    <p:cond delay="0"/>
-                                  </p:stCondLst>
-                                  <p:childTnLst>
-                                    <p:set>
-                                      <p:cBhvr>
-                                        <p:cTn id="16" dur="1" fill="hold">
-                                          <p:stCondLst>
-                                            <p:cond delay="0"/>
-                                          </p:stCondLst>
-                                        </p:cTn>
-                                        <p:tgtEl>
-                                          <p:spTgt spid="12"/>
-                                        </p:tgtEl>
-                                        <p:attrNameLst>
-                                          <p:attrName>style.visibility</p:attrName>
-                                        </p:attrNameLst>
-                                      </p:cBhvr>
-                                      <p:to>
-                                        <p:strVal val="visible"/>
-                                      </p:to>
-                                    </p:set>
-                                    <p:animEffect transition="in" filter="dissolve">
-                                      <p:cBhvr>
-                                        <p:cTn id="17" dur="500"/>
-                                        <p:tgtEl>
-                                          <p:spTgt spid="12"/>
-                                        </p:tgtEl>
-                                      </p:cBhvr>
-                                    </p:animEffect>
-                                  </p:childTnLst>
-                                </p:cTn>
-                              </p:par>
-                            </p:childTnLst>
-                          </p:cTn>
-                        </p:par>
-                      </p:childTnLst>
-                    </p:cTn>
-                  </p:par>
-                  <p:par>
-                    <p:cTn id="18" fill="hold">
-                      <p:stCondLst>
-                        <p:cond delay="indefinite"/>
-                      </p:stCondLst>
-                      <p:childTnLst>
-                        <p:par>
-                          <p:cTn id="19" fill="hold">
-                            <p:stCondLst>
-                              <p:cond delay="0"/>
-                            </p:stCondLst>
-                            <p:childTnLst>
-                              <p:par>
-                                <p:cTn id="20" presetID="9" presetClass="entr" presetSubtype="0" fill="hold" nodeType="clickEffect">
-                                  <p:stCondLst>
-                                    <p:cond delay="0"/>
-                                  </p:stCondLst>
-                                  <p:childTnLst>
-                                    <p:set>
-                                      <p:cBhvr>
-                                        <p:cTn id="21" dur="1" fill="hold">
-                                          <p:stCondLst>
-                                            <p:cond delay="0"/>
-                                          </p:stCondLst>
-                                        </p:cTn>
-                                        <p:tgtEl>
-                                          <p:spTgt spid="13"/>
-                                        </p:tgtEl>
-                                        <p:attrNameLst>
-                                          <p:attrName>style.visibility</p:attrName>
-                                        </p:attrNameLst>
-                                      </p:cBhvr>
-                                      <p:to>
-                                        <p:strVal val="visible"/>
-                                      </p:to>
-                                    </p:set>
-                                    <p:animEffect transition="in" filter="dissolve">
-                                      <p:cBhvr>
-                                        <p:cTn id="22" dur="500"/>
-                                        <p:tgtEl>
-                                          <p:spTgt spid="13"/>
-                                        </p:tgtEl>
-                                      </p:cBhvr>
-                                    </p:animEffect>
-                                  </p:childTnLst>
-                                </p:cTn>
-                              </p:par>
-                            </p:childTnLst>
-                          </p:cTn>
-                        </p:par>
-                      </p:childTnLst>
-                    </p:cTn>
-                  </p:par>
-                </p:childTnLst>
-              </p:cTn>
-              <p:prevCondLst>
-                <p:cond evt="onPrev" delay="0">
-                  <p:tgtEl>
-                    <p:sldTgt/>
-                  </p:tgtEl>
-                </p:cond>
-              </p:prevCondLst>
-              <p:nextCondLst>
-                <p:cond evt="onNext" delay="0">
-                  <p:tgtEl>
-                    <p:sldTgt/>
-                  </p:tgtEl>
-                </p:cond>
-              </p:nextCondLst>
-            </p:seq>
-          </p:childTnLst>
-        </p:cTn>
-      </p:par>
-    </p:tnLst>
-  </p:timing>
 </p:sld>
 </file>
 
@@ -18671,7 +18118,7 @@
           <p:cNvPr id="4" name="Slide Number Placeholder 3">
             <a:extLst>
               <a:ext uri="{FF2B5EF4-FFF2-40B4-BE49-F238E27FC236}">
-                <a16:creationId xmlns:a16="http://schemas.microsoft.com/office/drawing/2014/main" id="{AC2A82DB-848B-9549-A57D-27C2B3F3268E}"/>
+                <a16:creationId xmlns:a16="http://schemas.microsoft.com/office/drawing/2014/main" id="{14C0D839-5D4B-BB43-BA4C-4670F9A7F749}"/>
               </a:ext>
             </a:extLst>
           </p:cNvPr>
@@ -18695,75 +18142,12 @@
           </a:p>
         </p:txBody>
       </p:sp>
-      <p:sp>
-        <p:nvSpPr>
-          <p:cNvPr id="5" name="Title 1">
-            <a:extLst>
-              <a:ext uri="{FF2B5EF4-FFF2-40B4-BE49-F238E27FC236}">
-                <a16:creationId xmlns:a16="http://schemas.microsoft.com/office/drawing/2014/main" id="{FAF519D6-B75E-2D46-971D-E9AF4C4D241C}"/>
-              </a:ext>
-            </a:extLst>
-          </p:cNvPr>
-          <p:cNvSpPr txBox="1">
-            <a:spLocks/>
-          </p:cNvSpPr>
-          <p:nvPr/>
-        </p:nvSpPr>
-        <p:spPr>
-          <a:xfrm>
-            <a:off x="554726" y="399074"/>
-            <a:ext cx="5040856" cy="706395"/>
-          </a:xfrm>
-          <a:prstGeom prst="rect">
-            <a:avLst/>
-          </a:prstGeom>
-          <a:solidFill>
-            <a:schemeClr val="accent1">
-              <a:lumMod val="75000"/>
-            </a:schemeClr>
-          </a:solidFill>
-        </p:spPr>
-        <p:txBody>
-          <a:bodyPr vert="horz" lIns="91440" tIns="45720" rIns="91440" bIns="45720" rtlCol="0" anchor="b">
-            <a:normAutofit/>
-          </a:bodyPr>
-          <a:lstStyle>
-            <a:lvl1pPr algn="ctr" defTabSz="914400" rtl="0" eaLnBrk="1" latinLnBrk="0" hangingPunct="1">
-              <a:lnSpc>
-                <a:spcPct val="90000"/>
-              </a:lnSpc>
-              <a:spcBef>
-                <a:spcPct val="0"/>
-              </a:spcBef>
-              <a:buNone/>
-              <a:defRPr sz="6000" kern="1200">
-                <a:solidFill>
-                  <a:schemeClr val="tx1"/>
-                </a:solidFill>
-                <a:latin typeface="+mj-lt"/>
-                <a:ea typeface="+mj-ea"/>
-                <a:cs typeface="+mj-cs"/>
-              </a:defRPr>
-            </a:lvl1pPr>
-          </a:lstStyle>
-          <a:p>
-            <a:r>
-              <a:rPr lang="en-US" sz="4000" dirty="0">
-                <a:solidFill>
-                  <a:schemeClr val="bg1"/>
-                </a:solidFill>
-              </a:rPr>
-              <a:t>Deep Learning method</a:t>
-            </a:r>
-          </a:p>
-        </p:txBody>
-      </p:sp>
       <p:pic>
         <p:nvPicPr>
-          <p:cNvPr id="13" name="Picture 12" descr="Chart, line chart&#10;&#10;Description automatically generated">
-            <a:extLst>
-              <a:ext uri="{FF2B5EF4-FFF2-40B4-BE49-F238E27FC236}">
-                <a16:creationId xmlns:a16="http://schemas.microsoft.com/office/drawing/2014/main" id="{ED830E7E-3EFF-4149-A79E-7213023DFB0D}"/>
+          <p:cNvPr id="6" name="Picture 5" descr="Chart, scatter chart&#10;&#10;Description automatically generated">
+            <a:extLst>
+              <a:ext uri="{FF2B5EF4-FFF2-40B4-BE49-F238E27FC236}">
+                <a16:creationId xmlns:a16="http://schemas.microsoft.com/office/drawing/2014/main" id="{9F231389-4E05-AB4C-93D2-AB8F4E937449}"/>
               </a:ext>
             </a:extLst>
           </p:cNvPr>
@@ -18780,20 +18164,490 @@
         </p:blipFill>
         <p:spPr>
           <a:xfrm>
-            <a:off x="599078" y="2787600"/>
-            <a:ext cx="5295900" cy="3619500"/>
+            <a:off x="430468" y="2375781"/>
+            <a:ext cx="5420783" cy="3183232"/>
           </a:xfrm>
           <a:prstGeom prst="rect">
             <a:avLst/>
           </a:prstGeom>
         </p:spPr>
       </p:pic>
+      <p:sp>
+        <p:nvSpPr>
+          <p:cNvPr id="7" name="Title 1">
+            <a:extLst>
+              <a:ext uri="{FF2B5EF4-FFF2-40B4-BE49-F238E27FC236}">
+                <a16:creationId xmlns:a16="http://schemas.microsoft.com/office/drawing/2014/main" id="{6FD43CCB-D0CB-AE4A-86E7-14E279D5C5CE}"/>
+              </a:ext>
+            </a:extLst>
+          </p:cNvPr>
+          <p:cNvSpPr txBox="1">
+            <a:spLocks/>
+          </p:cNvSpPr>
+          <p:nvPr/>
+        </p:nvSpPr>
+        <p:spPr>
+          <a:xfrm>
+            <a:off x="1250771" y="1733044"/>
+            <a:ext cx="3850652" cy="642737"/>
+          </a:xfrm>
+          <a:prstGeom prst="rect">
+            <a:avLst/>
+          </a:prstGeom>
+          <a:solidFill>
+            <a:schemeClr val="bg1"/>
+          </a:solidFill>
+        </p:spPr>
+        <p:txBody>
+          <a:bodyPr vert="horz" lIns="91440" tIns="45720" rIns="91440" bIns="45720" rtlCol="0" anchor="ctr">
+            <a:noAutofit/>
+          </a:bodyPr>
+          <a:lstStyle>
+            <a:lvl1pPr algn="l" defTabSz="914400" rtl="0" eaLnBrk="1" latinLnBrk="0" hangingPunct="1">
+              <a:lnSpc>
+                <a:spcPct val="90000"/>
+              </a:lnSpc>
+              <a:spcBef>
+                <a:spcPct val="0"/>
+              </a:spcBef>
+              <a:buNone/>
+              <a:defRPr sz="4400" kern="1200">
+                <a:solidFill>
+                  <a:schemeClr val="tx1"/>
+                </a:solidFill>
+                <a:latin typeface="+mj-lt"/>
+                <a:ea typeface="+mj-ea"/>
+                <a:cs typeface="+mj-cs"/>
+              </a:defRPr>
+            </a:lvl1pPr>
+          </a:lstStyle>
+          <a:p>
+            <a:pPr algn="ctr"/>
+            <a:r>
+              <a:rPr lang="en-US" sz="2400" dirty="0"/>
+              <a:t>REVENUE BY SHOPPING TIME</a:t>
+            </a:r>
+          </a:p>
+        </p:txBody>
+      </p:sp>
+      <p:sp>
+        <p:nvSpPr>
+          <p:cNvPr id="8" name="Title 1">
+            <a:extLst>
+              <a:ext uri="{FF2B5EF4-FFF2-40B4-BE49-F238E27FC236}">
+                <a16:creationId xmlns:a16="http://schemas.microsoft.com/office/drawing/2014/main" id="{0D842A18-F561-3542-AC9C-C75110A41923}"/>
+              </a:ext>
+            </a:extLst>
+          </p:cNvPr>
+          <p:cNvSpPr txBox="1">
+            <a:spLocks/>
+          </p:cNvSpPr>
+          <p:nvPr/>
+        </p:nvSpPr>
+        <p:spPr>
+          <a:xfrm>
+            <a:off x="0" y="3137003"/>
+            <a:ext cx="860934" cy="1395234"/>
+          </a:xfrm>
+          <a:prstGeom prst="rect">
+            <a:avLst/>
+          </a:prstGeom>
+          <a:solidFill>
+            <a:schemeClr val="bg1"/>
+          </a:solidFill>
+        </p:spPr>
+        <p:txBody>
+          <a:bodyPr vert="vert270" lIns="91440" tIns="45720" rIns="91440" bIns="45720" rtlCol="0" anchor="ctr">
+            <a:noAutofit/>
+          </a:bodyPr>
+          <a:lstStyle>
+            <a:lvl1pPr algn="l" defTabSz="914400" rtl="0" eaLnBrk="1" latinLnBrk="0" hangingPunct="1">
+              <a:lnSpc>
+                <a:spcPct val="90000"/>
+              </a:lnSpc>
+              <a:spcBef>
+                <a:spcPct val="0"/>
+              </a:spcBef>
+              <a:buNone/>
+              <a:defRPr sz="4400" kern="1200">
+                <a:solidFill>
+                  <a:schemeClr val="tx1"/>
+                </a:solidFill>
+                <a:latin typeface="+mj-lt"/>
+                <a:ea typeface="+mj-ea"/>
+                <a:cs typeface="+mj-cs"/>
+              </a:defRPr>
+            </a:lvl1pPr>
+          </a:lstStyle>
+          <a:p>
+            <a:pPr algn="ctr"/>
+            <a:r>
+              <a:rPr lang="en-US" sz="2400" dirty="0"/>
+              <a:t>Revenue $</a:t>
+            </a:r>
+          </a:p>
+        </p:txBody>
+      </p:sp>
+      <p:sp>
+        <p:nvSpPr>
+          <p:cNvPr id="9" name="Title 1">
+            <a:extLst>
+              <a:ext uri="{FF2B5EF4-FFF2-40B4-BE49-F238E27FC236}">
+                <a16:creationId xmlns:a16="http://schemas.microsoft.com/office/drawing/2014/main" id="{2726BA07-727E-8446-9C68-7575566E5DBC}"/>
+              </a:ext>
+            </a:extLst>
+          </p:cNvPr>
+          <p:cNvSpPr txBox="1">
+            <a:spLocks/>
+          </p:cNvSpPr>
+          <p:nvPr/>
+        </p:nvSpPr>
+        <p:spPr>
+          <a:xfrm>
+            <a:off x="1171688" y="5323274"/>
+            <a:ext cx="869272" cy="245202"/>
+          </a:xfrm>
+          <a:prstGeom prst="rect">
+            <a:avLst/>
+          </a:prstGeom>
+          <a:solidFill>
+            <a:schemeClr val="bg1"/>
+          </a:solidFill>
+        </p:spPr>
+        <p:txBody>
+          <a:bodyPr vert="horz" lIns="91440" tIns="45720" rIns="91440" bIns="45720" rtlCol="0" anchor="t">
+            <a:noAutofit/>
+          </a:bodyPr>
+          <a:lstStyle>
+            <a:lvl1pPr algn="l" defTabSz="914400" rtl="0" eaLnBrk="1" latinLnBrk="0" hangingPunct="1">
+              <a:lnSpc>
+                <a:spcPct val="90000"/>
+              </a:lnSpc>
+              <a:spcBef>
+                <a:spcPct val="0"/>
+              </a:spcBef>
+              <a:buNone/>
+              <a:defRPr sz="4400" kern="1200">
+                <a:solidFill>
+                  <a:schemeClr val="tx1"/>
+                </a:solidFill>
+                <a:latin typeface="+mj-lt"/>
+                <a:ea typeface="+mj-ea"/>
+                <a:cs typeface="+mj-cs"/>
+              </a:defRPr>
+            </a:lvl1pPr>
+          </a:lstStyle>
+          <a:p>
+            <a:pPr algn="ctr"/>
+            <a:r>
+              <a:rPr lang="en-US" sz="1600" dirty="0"/>
+              <a:t>12AM</a:t>
+            </a:r>
+          </a:p>
+        </p:txBody>
+      </p:sp>
+      <p:sp>
+        <p:nvSpPr>
+          <p:cNvPr id="10" name="Title 1">
+            <a:extLst>
+              <a:ext uri="{FF2B5EF4-FFF2-40B4-BE49-F238E27FC236}">
+                <a16:creationId xmlns:a16="http://schemas.microsoft.com/office/drawing/2014/main" id="{ABC9F17E-1630-6F44-ACBA-6C3AA8DA5EEB}"/>
+              </a:ext>
+            </a:extLst>
+          </p:cNvPr>
+          <p:cNvSpPr txBox="1">
+            <a:spLocks/>
+          </p:cNvSpPr>
+          <p:nvPr/>
+        </p:nvSpPr>
+        <p:spPr>
+          <a:xfrm>
+            <a:off x="2040960" y="5323274"/>
+            <a:ext cx="704242" cy="251124"/>
+          </a:xfrm>
+          <a:prstGeom prst="rect">
+            <a:avLst/>
+          </a:prstGeom>
+          <a:solidFill>
+            <a:schemeClr val="bg1"/>
+          </a:solidFill>
+        </p:spPr>
+        <p:txBody>
+          <a:bodyPr vert="horz" lIns="91440" tIns="45720" rIns="91440" bIns="45720" rtlCol="0" anchor="t">
+            <a:noAutofit/>
+          </a:bodyPr>
+          <a:lstStyle>
+            <a:lvl1pPr algn="l" defTabSz="914400" rtl="0" eaLnBrk="1" latinLnBrk="0" hangingPunct="1">
+              <a:lnSpc>
+                <a:spcPct val="90000"/>
+              </a:lnSpc>
+              <a:spcBef>
+                <a:spcPct val="0"/>
+              </a:spcBef>
+              <a:buNone/>
+              <a:defRPr sz="4400" kern="1200">
+                <a:solidFill>
+                  <a:schemeClr val="tx1"/>
+                </a:solidFill>
+                <a:latin typeface="+mj-lt"/>
+                <a:ea typeface="+mj-ea"/>
+                <a:cs typeface="+mj-cs"/>
+              </a:defRPr>
+            </a:lvl1pPr>
+          </a:lstStyle>
+          <a:p>
+            <a:pPr algn="ctr"/>
+            <a:r>
+              <a:rPr lang="en-US" sz="1600" dirty="0"/>
+              <a:t>5AM</a:t>
+            </a:r>
+          </a:p>
+        </p:txBody>
+      </p:sp>
+      <p:sp>
+        <p:nvSpPr>
+          <p:cNvPr id="11" name="Title 1">
+            <a:extLst>
+              <a:ext uri="{FF2B5EF4-FFF2-40B4-BE49-F238E27FC236}">
+                <a16:creationId xmlns:a16="http://schemas.microsoft.com/office/drawing/2014/main" id="{7E4D6170-C1CE-BE43-9443-96362D43FB2A}"/>
+              </a:ext>
+            </a:extLst>
+          </p:cNvPr>
+          <p:cNvSpPr txBox="1">
+            <a:spLocks/>
+          </p:cNvSpPr>
+          <p:nvPr/>
+        </p:nvSpPr>
+        <p:spPr>
+          <a:xfrm>
+            <a:off x="2904288" y="5317352"/>
+            <a:ext cx="704242" cy="251124"/>
+          </a:xfrm>
+          <a:prstGeom prst="rect">
+            <a:avLst/>
+          </a:prstGeom>
+          <a:solidFill>
+            <a:schemeClr val="bg1"/>
+          </a:solidFill>
+        </p:spPr>
+        <p:txBody>
+          <a:bodyPr vert="horz" lIns="91440" tIns="45720" rIns="91440" bIns="45720" rtlCol="0" anchor="t">
+            <a:noAutofit/>
+          </a:bodyPr>
+          <a:lstStyle>
+            <a:lvl1pPr algn="l" defTabSz="914400" rtl="0" eaLnBrk="1" latinLnBrk="0" hangingPunct="1">
+              <a:lnSpc>
+                <a:spcPct val="90000"/>
+              </a:lnSpc>
+              <a:spcBef>
+                <a:spcPct val="0"/>
+              </a:spcBef>
+              <a:buNone/>
+              <a:defRPr sz="4400" kern="1200">
+                <a:solidFill>
+                  <a:schemeClr val="tx1"/>
+                </a:solidFill>
+                <a:latin typeface="+mj-lt"/>
+                <a:ea typeface="+mj-ea"/>
+                <a:cs typeface="+mj-cs"/>
+              </a:defRPr>
+            </a:lvl1pPr>
+          </a:lstStyle>
+          <a:p>
+            <a:pPr algn="ctr"/>
+            <a:r>
+              <a:rPr lang="en-US" sz="1600" dirty="0"/>
+              <a:t>10AM</a:t>
+            </a:r>
+          </a:p>
+        </p:txBody>
+      </p:sp>
+      <p:sp>
+        <p:nvSpPr>
+          <p:cNvPr id="12" name="Title 1">
+            <a:extLst>
+              <a:ext uri="{FF2B5EF4-FFF2-40B4-BE49-F238E27FC236}">
+                <a16:creationId xmlns:a16="http://schemas.microsoft.com/office/drawing/2014/main" id="{F884569C-DF04-924C-ADC2-3E8C48564E4B}"/>
+              </a:ext>
+            </a:extLst>
+          </p:cNvPr>
+          <p:cNvSpPr txBox="1">
+            <a:spLocks/>
+          </p:cNvSpPr>
+          <p:nvPr/>
+        </p:nvSpPr>
+        <p:spPr>
+          <a:xfrm>
+            <a:off x="3741315" y="5317352"/>
+            <a:ext cx="704242" cy="251124"/>
+          </a:xfrm>
+          <a:prstGeom prst="rect">
+            <a:avLst/>
+          </a:prstGeom>
+          <a:solidFill>
+            <a:schemeClr val="bg1"/>
+          </a:solidFill>
+        </p:spPr>
+        <p:txBody>
+          <a:bodyPr vert="horz" lIns="91440" tIns="45720" rIns="91440" bIns="45720" rtlCol="0" anchor="t">
+            <a:noAutofit/>
+          </a:bodyPr>
+          <a:lstStyle>
+            <a:lvl1pPr algn="l" defTabSz="914400" rtl="0" eaLnBrk="1" latinLnBrk="0" hangingPunct="1">
+              <a:lnSpc>
+                <a:spcPct val="90000"/>
+              </a:lnSpc>
+              <a:spcBef>
+                <a:spcPct val="0"/>
+              </a:spcBef>
+              <a:buNone/>
+              <a:defRPr sz="4400" kern="1200">
+                <a:solidFill>
+                  <a:schemeClr val="tx1"/>
+                </a:solidFill>
+                <a:latin typeface="+mj-lt"/>
+                <a:ea typeface="+mj-ea"/>
+                <a:cs typeface="+mj-cs"/>
+              </a:defRPr>
+            </a:lvl1pPr>
+          </a:lstStyle>
+          <a:p>
+            <a:pPr algn="ctr"/>
+            <a:r>
+              <a:rPr lang="en-US" sz="1600" dirty="0"/>
+              <a:t>3PM</a:t>
+            </a:r>
+          </a:p>
+        </p:txBody>
+      </p:sp>
+      <p:sp>
+        <p:nvSpPr>
+          <p:cNvPr id="13" name="Title 1">
+            <a:extLst>
+              <a:ext uri="{FF2B5EF4-FFF2-40B4-BE49-F238E27FC236}">
+                <a16:creationId xmlns:a16="http://schemas.microsoft.com/office/drawing/2014/main" id="{49C3A7D7-EA87-594A-9043-B6D7459D59EF}"/>
+              </a:ext>
+            </a:extLst>
+          </p:cNvPr>
+          <p:cNvSpPr txBox="1">
+            <a:spLocks/>
+          </p:cNvSpPr>
+          <p:nvPr/>
+        </p:nvSpPr>
+        <p:spPr>
+          <a:xfrm>
+            <a:off x="4578342" y="5323274"/>
+            <a:ext cx="704242" cy="251124"/>
+          </a:xfrm>
+          <a:prstGeom prst="rect">
+            <a:avLst/>
+          </a:prstGeom>
+          <a:solidFill>
+            <a:schemeClr val="bg1"/>
+          </a:solidFill>
+        </p:spPr>
+        <p:txBody>
+          <a:bodyPr vert="horz" lIns="91440" tIns="45720" rIns="91440" bIns="45720" rtlCol="0" anchor="t">
+            <a:noAutofit/>
+          </a:bodyPr>
+          <a:lstStyle>
+            <a:lvl1pPr algn="l" defTabSz="914400" rtl="0" eaLnBrk="1" latinLnBrk="0" hangingPunct="1">
+              <a:lnSpc>
+                <a:spcPct val="90000"/>
+              </a:lnSpc>
+              <a:spcBef>
+                <a:spcPct val="0"/>
+              </a:spcBef>
+              <a:buNone/>
+              <a:defRPr sz="4400" kern="1200">
+                <a:solidFill>
+                  <a:schemeClr val="tx1"/>
+                </a:solidFill>
+                <a:latin typeface="+mj-lt"/>
+                <a:ea typeface="+mj-ea"/>
+                <a:cs typeface="+mj-cs"/>
+              </a:defRPr>
+            </a:lvl1pPr>
+          </a:lstStyle>
+          <a:p>
+            <a:pPr algn="ctr"/>
+            <a:r>
+              <a:rPr lang="en-US" sz="1600" dirty="0"/>
+              <a:t>8PM</a:t>
+            </a:r>
+          </a:p>
+        </p:txBody>
+      </p:sp>
+      <p:sp>
+        <p:nvSpPr>
+          <p:cNvPr id="14" name="Title 1">
+            <a:extLst>
+              <a:ext uri="{FF2B5EF4-FFF2-40B4-BE49-F238E27FC236}">
+                <a16:creationId xmlns:a16="http://schemas.microsoft.com/office/drawing/2014/main" id="{1C379EC9-E827-7C43-B454-E245CCD1A2E1}"/>
+              </a:ext>
+            </a:extLst>
+          </p:cNvPr>
+          <p:cNvSpPr txBox="1">
+            <a:spLocks/>
+          </p:cNvSpPr>
+          <p:nvPr/>
+        </p:nvSpPr>
+        <p:spPr>
+          <a:xfrm>
+            <a:off x="370255" y="359779"/>
+            <a:ext cx="2000985" cy="725102"/>
+          </a:xfrm>
+          <a:prstGeom prst="rect">
+            <a:avLst/>
+          </a:prstGeom>
+          <a:solidFill>
+            <a:schemeClr val="accent1">
+              <a:lumMod val="75000"/>
+            </a:schemeClr>
+          </a:solidFill>
+        </p:spPr>
+        <p:txBody>
+          <a:bodyPr vert="horz" lIns="91440" tIns="45720" rIns="91440" bIns="45720" rtlCol="0" anchor="ctr">
+            <a:noAutofit/>
+          </a:bodyPr>
+          <a:lstStyle>
+            <a:lvl1pPr algn="l" defTabSz="914400" rtl="0" eaLnBrk="1" latinLnBrk="0" hangingPunct="1">
+              <a:lnSpc>
+                <a:spcPct val="90000"/>
+              </a:lnSpc>
+              <a:spcBef>
+                <a:spcPct val="0"/>
+              </a:spcBef>
+              <a:buNone/>
+              <a:defRPr sz="4400" kern="1200">
+                <a:solidFill>
+                  <a:schemeClr val="tx1"/>
+                </a:solidFill>
+                <a:latin typeface="+mj-lt"/>
+                <a:ea typeface="+mj-ea"/>
+                <a:cs typeface="+mj-cs"/>
+              </a:defRPr>
+            </a:lvl1pPr>
+          </a:lstStyle>
+          <a:p>
+            <a:pPr algn="ctr"/>
+            <a:r>
+              <a:rPr lang="en-US" sz="3200" dirty="0">
+                <a:solidFill>
+                  <a:schemeClr val="bg1"/>
+                </a:solidFill>
+              </a:rPr>
+              <a:t>INDEX</a:t>
+            </a:r>
+          </a:p>
+        </p:txBody>
+      </p:sp>
       <p:pic>
         <p:nvPicPr>
-          <p:cNvPr id="15" name="Picture 14" descr="Chart, line chart&#10;&#10;Description automatically generated">
-            <a:extLst>
-              <a:ext uri="{FF2B5EF4-FFF2-40B4-BE49-F238E27FC236}">
-                <a16:creationId xmlns:a16="http://schemas.microsoft.com/office/drawing/2014/main" id="{B4049D5E-DCA4-0244-9A62-D536D547DCF2}"/>
+          <p:cNvPr id="15" name="Content Placeholder 8" descr="Chart&#10;&#10;Description automatically generated">
+            <a:extLst>
+              <a:ext uri="{FF2B5EF4-FFF2-40B4-BE49-F238E27FC236}">
+                <a16:creationId xmlns:a16="http://schemas.microsoft.com/office/drawing/2014/main" id="{CC8A916D-FB0E-6645-A247-EE168071990F}"/>
               </a:ext>
             </a:extLst>
           </p:cNvPr>
@@ -18810,8 +18664,8 @@
         </p:blipFill>
         <p:spPr>
           <a:xfrm>
-            <a:off x="6297024" y="2787600"/>
-            <a:ext cx="5308600" cy="3581400"/>
+            <a:off x="6053379" y="2359106"/>
+            <a:ext cx="5627808" cy="3432093"/>
           </a:xfrm>
           <a:prstGeom prst="rect">
             <a:avLst/>
@@ -18820,41 +18674,58 @@
       </p:pic>
       <p:sp>
         <p:nvSpPr>
-          <p:cNvPr id="16" name="TextBox 15">
-            <a:extLst>
-              <a:ext uri="{FF2B5EF4-FFF2-40B4-BE49-F238E27FC236}">
-                <a16:creationId xmlns:a16="http://schemas.microsoft.com/office/drawing/2014/main" id="{AA041437-C201-7E44-82BB-0C212AA16400}"/>
-              </a:ext>
-            </a:extLst>
-          </p:cNvPr>
-          <p:cNvSpPr txBox="1"/>
+          <p:cNvPr id="16" name="Title 1">
+            <a:extLst>
+              <a:ext uri="{FF2B5EF4-FFF2-40B4-BE49-F238E27FC236}">
+                <a16:creationId xmlns:a16="http://schemas.microsoft.com/office/drawing/2014/main" id="{05D1BF5C-EB2A-2F48-9316-FBD93ADE6CC1}"/>
+              </a:ext>
+            </a:extLst>
+          </p:cNvPr>
+          <p:cNvSpPr txBox="1">
+            <a:spLocks/>
+          </p:cNvSpPr>
           <p:nvPr/>
         </p:nvSpPr>
         <p:spPr>
           <a:xfrm>
-            <a:off x="2633225" y="1715702"/>
-            <a:ext cx="6925550" cy="461665"/>
+            <a:off x="6531988" y="1553355"/>
+            <a:ext cx="5040686" cy="917264"/>
           </a:xfrm>
           <a:prstGeom prst="rect">
             <a:avLst/>
           </a:prstGeom>
-          <a:noFill/>
+          <a:solidFill>
+            <a:schemeClr val="bg1"/>
+          </a:solidFill>
         </p:spPr>
         <p:txBody>
-          <a:bodyPr wrap="none" rtlCol="0">
-            <a:spAutoFit/>
+          <a:bodyPr vert="horz" lIns="91440" tIns="45720" rIns="91440" bIns="45720" rtlCol="0" anchor="ctr">
+            <a:noAutofit/>
           </a:bodyPr>
-          <a:lstStyle/>
-          <a:p>
-            <a:r>
-              <a:rPr lang="en-US" sz="2400" b="1" dirty="0">
+          <a:lstStyle>
+            <a:lvl1pPr algn="l" defTabSz="914400" rtl="0" eaLnBrk="1" latinLnBrk="0" hangingPunct="1">
+              <a:lnSpc>
+                <a:spcPct val="90000"/>
+              </a:lnSpc>
+              <a:spcBef>
+                <a:spcPct val="0"/>
+              </a:spcBef>
+              <a:buNone/>
+              <a:defRPr sz="4400" kern="1200">
                 <a:solidFill>
-                  <a:schemeClr val="accent1">
-                    <a:lumMod val="50000"/>
-                  </a:schemeClr>
+                  <a:schemeClr val="tx1"/>
                 </a:solidFill>
-              </a:rPr>
-              <a:t>Convolutional Neural Network (CNN) – Accuracy 82%</a:t>
+                <a:latin typeface="+mj-lt"/>
+                <a:ea typeface="+mj-ea"/>
+                <a:cs typeface="+mj-cs"/>
+              </a:defRPr>
+            </a:lvl1pPr>
+          </a:lstStyle>
+          <a:p>
+            <a:pPr algn="ctr"/>
+            <a:r>
+              <a:rPr lang="en-US" sz="2400" dirty="0"/>
+              <a:t>TOP 6 CATEGORIES MOST PURCHASED</a:t>
             </a:r>
           </a:p>
         </p:txBody>
@@ -18862,7 +18733,7 @@
     </p:spTree>
     <p:extLst>
       <p:ext uri="{BB962C8B-B14F-4D97-AF65-F5344CB8AC3E}">
-        <p14:creationId xmlns:p14="http://schemas.microsoft.com/office/powerpoint/2010/main" val="2734277942"/>
+        <p14:creationId xmlns:p14="http://schemas.microsoft.com/office/powerpoint/2010/main" val="4069969122"/>
       </p:ext>
     </p:extLst>
   </p:cSld>
@@ -19558,7 +19429,7 @@
           <p:cNvPr id="4" name="Slide Number Placeholder 3">
             <a:extLst>
               <a:ext uri="{FF2B5EF4-FFF2-40B4-BE49-F238E27FC236}">
-                <a16:creationId xmlns:a16="http://schemas.microsoft.com/office/drawing/2014/main" id="{14C0D839-5D4B-BB43-BA4C-4670F9A7F749}"/>
+                <a16:creationId xmlns:a16="http://schemas.microsoft.com/office/drawing/2014/main" id="{AC2A82DB-848B-9549-A57D-27C2B3F3268E}"/>
               </a:ext>
             </a:extLst>
           </p:cNvPr>
@@ -19582,12 +19453,75 @@
           </a:p>
         </p:txBody>
       </p:sp>
+      <p:sp>
+        <p:nvSpPr>
+          <p:cNvPr id="5" name="Title 1">
+            <a:extLst>
+              <a:ext uri="{FF2B5EF4-FFF2-40B4-BE49-F238E27FC236}">
+                <a16:creationId xmlns:a16="http://schemas.microsoft.com/office/drawing/2014/main" id="{FAF519D6-B75E-2D46-971D-E9AF4C4D241C}"/>
+              </a:ext>
+            </a:extLst>
+          </p:cNvPr>
+          <p:cNvSpPr txBox="1">
+            <a:spLocks/>
+          </p:cNvSpPr>
+          <p:nvPr/>
+        </p:nvSpPr>
+        <p:spPr>
+          <a:xfrm>
+            <a:off x="554726" y="399074"/>
+            <a:ext cx="5040856" cy="706395"/>
+          </a:xfrm>
+          <a:prstGeom prst="rect">
+            <a:avLst/>
+          </a:prstGeom>
+          <a:solidFill>
+            <a:schemeClr val="accent1">
+              <a:lumMod val="75000"/>
+            </a:schemeClr>
+          </a:solidFill>
+        </p:spPr>
+        <p:txBody>
+          <a:bodyPr vert="horz" lIns="91440" tIns="45720" rIns="91440" bIns="45720" rtlCol="0" anchor="b">
+            <a:normAutofit/>
+          </a:bodyPr>
+          <a:lstStyle>
+            <a:lvl1pPr algn="ctr" defTabSz="914400" rtl="0" eaLnBrk="1" latinLnBrk="0" hangingPunct="1">
+              <a:lnSpc>
+                <a:spcPct val="90000"/>
+              </a:lnSpc>
+              <a:spcBef>
+                <a:spcPct val="0"/>
+              </a:spcBef>
+              <a:buNone/>
+              <a:defRPr sz="6000" kern="1200">
+                <a:solidFill>
+                  <a:schemeClr val="tx1"/>
+                </a:solidFill>
+                <a:latin typeface="+mj-lt"/>
+                <a:ea typeface="+mj-ea"/>
+                <a:cs typeface="+mj-cs"/>
+              </a:defRPr>
+            </a:lvl1pPr>
+          </a:lstStyle>
+          <a:p>
+            <a:r>
+              <a:rPr lang="en-US" sz="4000" dirty="0">
+                <a:solidFill>
+                  <a:schemeClr val="bg1"/>
+                </a:solidFill>
+              </a:rPr>
+              <a:t>Deep Learning method</a:t>
+            </a:r>
+          </a:p>
+        </p:txBody>
+      </p:sp>
       <p:pic>
         <p:nvPicPr>
-          <p:cNvPr id="6" name="Picture 5" descr="Chart, scatter chart&#10;&#10;Description automatically generated">
-            <a:extLst>
-              <a:ext uri="{FF2B5EF4-FFF2-40B4-BE49-F238E27FC236}">
-                <a16:creationId xmlns:a16="http://schemas.microsoft.com/office/drawing/2014/main" id="{9F231389-4E05-AB4C-93D2-AB8F4E937449}"/>
+          <p:cNvPr id="13" name="Picture 12" descr="Chart, line chart&#10;&#10;Description automatically generated">
+            <a:extLst>
+              <a:ext uri="{FF2B5EF4-FFF2-40B4-BE49-F238E27FC236}">
+                <a16:creationId xmlns:a16="http://schemas.microsoft.com/office/drawing/2014/main" id="{ED830E7E-3EFF-4149-A79E-7213023DFB0D}"/>
               </a:ext>
             </a:extLst>
           </p:cNvPr>
@@ -19604,8 +19538,38 @@
         </p:blipFill>
         <p:spPr>
           <a:xfrm>
-            <a:off x="2093991" y="1486546"/>
-            <a:ext cx="7386611" cy="4542856"/>
+            <a:off x="599078" y="2787600"/>
+            <a:ext cx="5295900" cy="3619500"/>
+          </a:xfrm>
+          <a:prstGeom prst="rect">
+            <a:avLst/>
+          </a:prstGeom>
+        </p:spPr>
+      </p:pic>
+      <p:pic>
+        <p:nvPicPr>
+          <p:cNvPr id="15" name="Picture 14" descr="Chart, line chart&#10;&#10;Description automatically generated">
+            <a:extLst>
+              <a:ext uri="{FF2B5EF4-FFF2-40B4-BE49-F238E27FC236}">
+                <a16:creationId xmlns:a16="http://schemas.microsoft.com/office/drawing/2014/main" id="{B4049D5E-DCA4-0244-9A62-D536D547DCF2}"/>
+              </a:ext>
+            </a:extLst>
+          </p:cNvPr>
+          <p:cNvPicPr>
+            <a:picLocks noChangeAspect="1"/>
+          </p:cNvPicPr>
+          <p:nvPr/>
+        </p:nvPicPr>
+        <p:blipFill>
+          <a:blip r:embed="rId3"/>
+          <a:stretch>
+            <a:fillRect/>
+          </a:stretch>
+        </p:blipFill>
+        <p:spPr>
+          <a:xfrm>
+            <a:off x="6297024" y="2787600"/>
+            <a:ext cx="5308600" cy="3581400"/>
           </a:xfrm>
           <a:prstGeom prst="rect">
             <a:avLst/>
@@ -19614,470 +19578,41 @@
       </p:pic>
       <p:sp>
         <p:nvSpPr>
-          <p:cNvPr id="7" name="Title 1">
-            <a:extLst>
-              <a:ext uri="{FF2B5EF4-FFF2-40B4-BE49-F238E27FC236}">
-                <a16:creationId xmlns:a16="http://schemas.microsoft.com/office/drawing/2014/main" id="{6FD43CCB-D0CB-AE4A-86E7-14E279D5C5CE}"/>
-              </a:ext>
-            </a:extLst>
-          </p:cNvPr>
-          <p:cNvSpPr txBox="1">
-            <a:spLocks/>
-          </p:cNvSpPr>
+          <p:cNvPr id="16" name="TextBox 15">
+            <a:extLst>
+              <a:ext uri="{FF2B5EF4-FFF2-40B4-BE49-F238E27FC236}">
+                <a16:creationId xmlns:a16="http://schemas.microsoft.com/office/drawing/2014/main" id="{AA041437-C201-7E44-82BB-0C212AA16400}"/>
+              </a:ext>
+            </a:extLst>
+          </p:cNvPr>
+          <p:cNvSpPr txBox="1"/>
           <p:nvPr/>
         </p:nvSpPr>
         <p:spPr>
           <a:xfrm>
-            <a:off x="3984718" y="569282"/>
-            <a:ext cx="5247077" cy="917264"/>
+            <a:off x="2633225" y="1715702"/>
+            <a:ext cx="6925550" cy="461665"/>
           </a:xfrm>
           <a:prstGeom prst="rect">
             <a:avLst/>
           </a:prstGeom>
-          <a:solidFill>
-            <a:schemeClr val="bg1"/>
-          </a:solidFill>
+          <a:noFill/>
         </p:spPr>
         <p:txBody>
-          <a:bodyPr vert="horz" lIns="91440" tIns="45720" rIns="91440" bIns="45720" rtlCol="0" anchor="ctr">
-            <a:noAutofit/>
+          <a:bodyPr wrap="none" rtlCol="0">
+            <a:spAutoFit/>
           </a:bodyPr>
-          <a:lstStyle>
-            <a:lvl1pPr algn="l" defTabSz="914400" rtl="0" eaLnBrk="1" latinLnBrk="0" hangingPunct="1">
-              <a:lnSpc>
-                <a:spcPct val="90000"/>
-              </a:lnSpc>
-              <a:spcBef>
-                <a:spcPct val="0"/>
-              </a:spcBef>
-              <a:buNone/>
-              <a:defRPr sz="4400" kern="1200">
+          <a:lstStyle/>
+          <a:p>
+            <a:r>
+              <a:rPr lang="en-US" sz="2400" b="1" dirty="0">
                 <a:solidFill>
-                  <a:schemeClr val="tx1"/>
-                </a:solidFill>
-                <a:latin typeface="+mj-lt"/>
-                <a:ea typeface="+mj-ea"/>
-                <a:cs typeface="+mj-cs"/>
-              </a:defRPr>
-            </a:lvl1pPr>
-          </a:lstStyle>
-          <a:p>
-            <a:pPr algn="ctr"/>
-            <a:r>
-              <a:rPr lang="en-US" sz="2400" dirty="0"/>
-              <a:t>REVENUE BY SHOPPING TIME</a:t>
-            </a:r>
-          </a:p>
-        </p:txBody>
-      </p:sp>
-      <p:sp>
-        <p:nvSpPr>
-          <p:cNvPr id="8" name="Title 1">
-            <a:extLst>
-              <a:ext uri="{FF2B5EF4-FFF2-40B4-BE49-F238E27FC236}">
-                <a16:creationId xmlns:a16="http://schemas.microsoft.com/office/drawing/2014/main" id="{0D842A18-F561-3542-AC9C-C75110A41923}"/>
-              </a:ext>
-            </a:extLst>
-          </p:cNvPr>
-          <p:cNvSpPr txBox="1">
-            <a:spLocks/>
-          </p:cNvSpPr>
-          <p:nvPr/>
-        </p:nvSpPr>
-        <p:spPr>
-          <a:xfrm>
-            <a:off x="1507416" y="2572901"/>
-            <a:ext cx="1173149" cy="1991167"/>
-          </a:xfrm>
-          <a:prstGeom prst="rect">
-            <a:avLst/>
-          </a:prstGeom>
-          <a:solidFill>
-            <a:schemeClr val="bg1"/>
-          </a:solidFill>
-        </p:spPr>
-        <p:txBody>
-          <a:bodyPr vert="vert270" lIns="91440" tIns="45720" rIns="91440" bIns="45720" rtlCol="0" anchor="ctr">
-            <a:noAutofit/>
-          </a:bodyPr>
-          <a:lstStyle>
-            <a:lvl1pPr algn="l" defTabSz="914400" rtl="0" eaLnBrk="1" latinLnBrk="0" hangingPunct="1">
-              <a:lnSpc>
-                <a:spcPct val="90000"/>
-              </a:lnSpc>
-              <a:spcBef>
-                <a:spcPct val="0"/>
-              </a:spcBef>
-              <a:buNone/>
-              <a:defRPr sz="4400" kern="1200">
-                <a:solidFill>
-                  <a:schemeClr val="tx1"/>
-                </a:solidFill>
-                <a:latin typeface="+mj-lt"/>
-                <a:ea typeface="+mj-ea"/>
-                <a:cs typeface="+mj-cs"/>
-              </a:defRPr>
-            </a:lvl1pPr>
-          </a:lstStyle>
-          <a:p>
-            <a:pPr algn="ctr"/>
-            <a:r>
-              <a:rPr lang="en-US" sz="2400" dirty="0"/>
-              <a:t>Revenue $</a:t>
-            </a:r>
-          </a:p>
-        </p:txBody>
-      </p:sp>
-      <p:sp>
-        <p:nvSpPr>
-          <p:cNvPr id="9" name="Title 1">
-            <a:extLst>
-              <a:ext uri="{FF2B5EF4-FFF2-40B4-BE49-F238E27FC236}">
-                <a16:creationId xmlns:a16="http://schemas.microsoft.com/office/drawing/2014/main" id="{2726BA07-727E-8446-9C68-7575566E5DBC}"/>
-              </a:ext>
-            </a:extLst>
-          </p:cNvPr>
-          <p:cNvSpPr txBox="1">
-            <a:spLocks/>
-          </p:cNvSpPr>
-          <p:nvPr/>
-        </p:nvSpPr>
-        <p:spPr>
-          <a:xfrm>
-            <a:off x="3104012" y="5692974"/>
-            <a:ext cx="1184511" cy="349933"/>
-          </a:xfrm>
-          <a:prstGeom prst="rect">
-            <a:avLst/>
-          </a:prstGeom>
-          <a:solidFill>
-            <a:schemeClr val="bg1"/>
-          </a:solidFill>
-        </p:spPr>
-        <p:txBody>
-          <a:bodyPr vert="horz" lIns="91440" tIns="45720" rIns="91440" bIns="45720" rtlCol="0" anchor="t">
-            <a:noAutofit/>
-          </a:bodyPr>
-          <a:lstStyle>
-            <a:lvl1pPr algn="l" defTabSz="914400" rtl="0" eaLnBrk="1" latinLnBrk="0" hangingPunct="1">
-              <a:lnSpc>
-                <a:spcPct val="90000"/>
-              </a:lnSpc>
-              <a:spcBef>
-                <a:spcPct val="0"/>
-              </a:spcBef>
-              <a:buNone/>
-              <a:defRPr sz="4400" kern="1200">
-                <a:solidFill>
-                  <a:schemeClr val="tx1"/>
-                </a:solidFill>
-                <a:latin typeface="+mj-lt"/>
-                <a:ea typeface="+mj-ea"/>
-                <a:cs typeface="+mj-cs"/>
-              </a:defRPr>
-            </a:lvl1pPr>
-          </a:lstStyle>
-          <a:p>
-            <a:pPr algn="ctr"/>
-            <a:r>
-              <a:rPr lang="en-US" sz="1600" dirty="0"/>
-              <a:t>12AM</a:t>
-            </a:r>
-          </a:p>
-        </p:txBody>
-      </p:sp>
-      <p:sp>
-        <p:nvSpPr>
-          <p:cNvPr id="10" name="Title 1">
-            <a:extLst>
-              <a:ext uri="{FF2B5EF4-FFF2-40B4-BE49-F238E27FC236}">
-                <a16:creationId xmlns:a16="http://schemas.microsoft.com/office/drawing/2014/main" id="{ABC9F17E-1630-6F44-ACBA-6C3AA8DA5EEB}"/>
-              </a:ext>
-            </a:extLst>
-          </p:cNvPr>
-          <p:cNvSpPr txBox="1">
-            <a:spLocks/>
-          </p:cNvSpPr>
-          <p:nvPr/>
-        </p:nvSpPr>
-        <p:spPr>
-          <a:xfrm>
-            <a:off x="4288523" y="5692974"/>
-            <a:ext cx="959633" cy="358384"/>
-          </a:xfrm>
-          <a:prstGeom prst="rect">
-            <a:avLst/>
-          </a:prstGeom>
-          <a:solidFill>
-            <a:schemeClr val="bg1"/>
-          </a:solidFill>
-        </p:spPr>
-        <p:txBody>
-          <a:bodyPr vert="horz" lIns="91440" tIns="45720" rIns="91440" bIns="45720" rtlCol="0" anchor="t">
-            <a:noAutofit/>
-          </a:bodyPr>
-          <a:lstStyle>
-            <a:lvl1pPr algn="l" defTabSz="914400" rtl="0" eaLnBrk="1" latinLnBrk="0" hangingPunct="1">
-              <a:lnSpc>
-                <a:spcPct val="90000"/>
-              </a:lnSpc>
-              <a:spcBef>
-                <a:spcPct val="0"/>
-              </a:spcBef>
-              <a:buNone/>
-              <a:defRPr sz="4400" kern="1200">
-                <a:solidFill>
-                  <a:schemeClr val="tx1"/>
-                </a:solidFill>
-                <a:latin typeface="+mj-lt"/>
-                <a:ea typeface="+mj-ea"/>
-                <a:cs typeface="+mj-cs"/>
-              </a:defRPr>
-            </a:lvl1pPr>
-          </a:lstStyle>
-          <a:p>
-            <a:pPr algn="ctr"/>
-            <a:r>
-              <a:rPr lang="en-US" sz="1600" dirty="0"/>
-              <a:t>5AM</a:t>
-            </a:r>
-          </a:p>
-        </p:txBody>
-      </p:sp>
-      <p:sp>
-        <p:nvSpPr>
-          <p:cNvPr id="11" name="Title 1">
-            <a:extLst>
-              <a:ext uri="{FF2B5EF4-FFF2-40B4-BE49-F238E27FC236}">
-                <a16:creationId xmlns:a16="http://schemas.microsoft.com/office/drawing/2014/main" id="{7E4D6170-C1CE-BE43-9443-96362D43FB2A}"/>
-              </a:ext>
-            </a:extLst>
-          </p:cNvPr>
-          <p:cNvSpPr txBox="1">
-            <a:spLocks/>
-          </p:cNvSpPr>
-          <p:nvPr/>
-        </p:nvSpPr>
-        <p:spPr>
-          <a:xfrm>
-            <a:off x="5464933" y="5684523"/>
-            <a:ext cx="959633" cy="358384"/>
-          </a:xfrm>
-          <a:prstGeom prst="rect">
-            <a:avLst/>
-          </a:prstGeom>
-          <a:solidFill>
-            <a:schemeClr val="bg1"/>
-          </a:solidFill>
-        </p:spPr>
-        <p:txBody>
-          <a:bodyPr vert="horz" lIns="91440" tIns="45720" rIns="91440" bIns="45720" rtlCol="0" anchor="t">
-            <a:noAutofit/>
-          </a:bodyPr>
-          <a:lstStyle>
-            <a:lvl1pPr algn="l" defTabSz="914400" rtl="0" eaLnBrk="1" latinLnBrk="0" hangingPunct="1">
-              <a:lnSpc>
-                <a:spcPct val="90000"/>
-              </a:lnSpc>
-              <a:spcBef>
-                <a:spcPct val="0"/>
-              </a:spcBef>
-              <a:buNone/>
-              <a:defRPr sz="4400" kern="1200">
-                <a:solidFill>
-                  <a:schemeClr val="tx1"/>
-                </a:solidFill>
-                <a:latin typeface="+mj-lt"/>
-                <a:ea typeface="+mj-ea"/>
-                <a:cs typeface="+mj-cs"/>
-              </a:defRPr>
-            </a:lvl1pPr>
-          </a:lstStyle>
-          <a:p>
-            <a:pPr algn="ctr"/>
-            <a:r>
-              <a:rPr lang="en-US" sz="1600" dirty="0"/>
-              <a:t>10AM</a:t>
-            </a:r>
-          </a:p>
-        </p:txBody>
-      </p:sp>
-      <p:sp>
-        <p:nvSpPr>
-          <p:cNvPr id="12" name="Title 1">
-            <a:extLst>
-              <a:ext uri="{FF2B5EF4-FFF2-40B4-BE49-F238E27FC236}">
-                <a16:creationId xmlns:a16="http://schemas.microsoft.com/office/drawing/2014/main" id="{F884569C-DF04-924C-ADC2-3E8C48564E4B}"/>
-              </a:ext>
-            </a:extLst>
-          </p:cNvPr>
-          <p:cNvSpPr txBox="1">
-            <a:spLocks/>
-          </p:cNvSpPr>
-          <p:nvPr/>
-        </p:nvSpPr>
-        <p:spPr>
-          <a:xfrm>
-            <a:off x="6605505" y="5684523"/>
-            <a:ext cx="959633" cy="358384"/>
-          </a:xfrm>
-          <a:prstGeom prst="rect">
-            <a:avLst/>
-          </a:prstGeom>
-          <a:solidFill>
-            <a:schemeClr val="bg1"/>
-          </a:solidFill>
-        </p:spPr>
-        <p:txBody>
-          <a:bodyPr vert="horz" lIns="91440" tIns="45720" rIns="91440" bIns="45720" rtlCol="0" anchor="t">
-            <a:noAutofit/>
-          </a:bodyPr>
-          <a:lstStyle>
-            <a:lvl1pPr algn="l" defTabSz="914400" rtl="0" eaLnBrk="1" latinLnBrk="0" hangingPunct="1">
-              <a:lnSpc>
-                <a:spcPct val="90000"/>
-              </a:lnSpc>
-              <a:spcBef>
-                <a:spcPct val="0"/>
-              </a:spcBef>
-              <a:buNone/>
-              <a:defRPr sz="4400" kern="1200">
-                <a:solidFill>
-                  <a:schemeClr val="tx1"/>
-                </a:solidFill>
-                <a:latin typeface="+mj-lt"/>
-                <a:ea typeface="+mj-ea"/>
-                <a:cs typeface="+mj-cs"/>
-              </a:defRPr>
-            </a:lvl1pPr>
-          </a:lstStyle>
-          <a:p>
-            <a:pPr algn="ctr"/>
-            <a:r>
-              <a:rPr lang="en-US" sz="1600" dirty="0"/>
-              <a:t>3PM</a:t>
-            </a:r>
-          </a:p>
-        </p:txBody>
-      </p:sp>
-      <p:sp>
-        <p:nvSpPr>
-          <p:cNvPr id="13" name="Title 1">
-            <a:extLst>
-              <a:ext uri="{FF2B5EF4-FFF2-40B4-BE49-F238E27FC236}">
-                <a16:creationId xmlns:a16="http://schemas.microsoft.com/office/drawing/2014/main" id="{49C3A7D7-EA87-594A-9043-B6D7459D59EF}"/>
-              </a:ext>
-            </a:extLst>
-          </p:cNvPr>
-          <p:cNvSpPr txBox="1">
-            <a:spLocks/>
-          </p:cNvSpPr>
-          <p:nvPr/>
-        </p:nvSpPr>
-        <p:spPr>
-          <a:xfrm>
-            <a:off x="7746077" y="5692974"/>
-            <a:ext cx="959633" cy="358384"/>
-          </a:xfrm>
-          <a:prstGeom prst="rect">
-            <a:avLst/>
-          </a:prstGeom>
-          <a:solidFill>
-            <a:schemeClr val="bg1"/>
-          </a:solidFill>
-        </p:spPr>
-        <p:txBody>
-          <a:bodyPr vert="horz" lIns="91440" tIns="45720" rIns="91440" bIns="45720" rtlCol="0" anchor="t">
-            <a:noAutofit/>
-          </a:bodyPr>
-          <a:lstStyle>
-            <a:lvl1pPr algn="l" defTabSz="914400" rtl="0" eaLnBrk="1" latinLnBrk="0" hangingPunct="1">
-              <a:lnSpc>
-                <a:spcPct val="90000"/>
-              </a:lnSpc>
-              <a:spcBef>
-                <a:spcPct val="0"/>
-              </a:spcBef>
-              <a:buNone/>
-              <a:defRPr sz="4400" kern="1200">
-                <a:solidFill>
-                  <a:schemeClr val="tx1"/>
-                </a:solidFill>
-                <a:latin typeface="+mj-lt"/>
-                <a:ea typeface="+mj-ea"/>
-                <a:cs typeface="+mj-cs"/>
-              </a:defRPr>
-            </a:lvl1pPr>
-          </a:lstStyle>
-          <a:p>
-            <a:pPr algn="ctr"/>
-            <a:r>
-              <a:rPr lang="en-US" sz="1600" dirty="0"/>
-              <a:t>8PM</a:t>
-            </a:r>
-          </a:p>
-        </p:txBody>
-      </p:sp>
-      <p:sp>
-        <p:nvSpPr>
-          <p:cNvPr id="14" name="Title 1">
-            <a:extLst>
-              <a:ext uri="{FF2B5EF4-FFF2-40B4-BE49-F238E27FC236}">
-                <a16:creationId xmlns:a16="http://schemas.microsoft.com/office/drawing/2014/main" id="{1C379EC9-E827-7C43-B454-E245CCD1A2E1}"/>
-              </a:ext>
-            </a:extLst>
-          </p:cNvPr>
-          <p:cNvSpPr txBox="1">
-            <a:spLocks/>
-          </p:cNvSpPr>
-          <p:nvPr/>
-        </p:nvSpPr>
-        <p:spPr>
-          <a:xfrm>
-            <a:off x="370255" y="359779"/>
-            <a:ext cx="2000985" cy="725102"/>
-          </a:xfrm>
-          <a:prstGeom prst="rect">
-            <a:avLst/>
-          </a:prstGeom>
-          <a:solidFill>
-            <a:schemeClr val="accent1">
-              <a:lumMod val="75000"/>
-            </a:schemeClr>
-          </a:solidFill>
-        </p:spPr>
-        <p:txBody>
-          <a:bodyPr vert="horz" lIns="91440" tIns="45720" rIns="91440" bIns="45720" rtlCol="0" anchor="ctr">
-            <a:noAutofit/>
-          </a:bodyPr>
-          <a:lstStyle>
-            <a:lvl1pPr algn="l" defTabSz="914400" rtl="0" eaLnBrk="1" latinLnBrk="0" hangingPunct="1">
-              <a:lnSpc>
-                <a:spcPct val="90000"/>
-              </a:lnSpc>
-              <a:spcBef>
-                <a:spcPct val="0"/>
-              </a:spcBef>
-              <a:buNone/>
-              <a:defRPr sz="4400" kern="1200">
-                <a:solidFill>
-                  <a:schemeClr val="tx1"/>
-                </a:solidFill>
-                <a:latin typeface="+mj-lt"/>
-                <a:ea typeface="+mj-ea"/>
-                <a:cs typeface="+mj-cs"/>
-              </a:defRPr>
-            </a:lvl1pPr>
-          </a:lstStyle>
-          <a:p>
-            <a:pPr algn="ctr"/>
-            <a:r>
-              <a:rPr lang="en-US" sz="3200" dirty="0">
-                <a:solidFill>
-                  <a:schemeClr val="bg1"/>
+                  <a:schemeClr val="accent1">
+                    <a:lumMod val="50000"/>
+                  </a:schemeClr>
                 </a:solidFill>
               </a:rPr>
-              <a:t>INDEX</a:t>
+              <a:t>Convolutional Neural Network (CNN) – Accuracy 82%</a:t>
             </a:r>
           </a:p>
         </p:txBody>
@@ -20085,7 +19620,7 @@
     </p:spTree>
     <p:extLst>
       <p:ext uri="{BB962C8B-B14F-4D97-AF65-F5344CB8AC3E}">
-        <p14:creationId xmlns:p14="http://schemas.microsoft.com/office/powerpoint/2010/main" val="4069969122"/>
+        <p14:creationId xmlns:p14="http://schemas.microsoft.com/office/powerpoint/2010/main" val="2734277942"/>
       </p:ext>
     </p:extLst>
   </p:cSld>
@@ -20112,21 +19647,61 @@
           <a:chExt cx="0" cy="0"/>
         </a:xfrm>
       </p:grpSpPr>
+      <p:sp>
+        <p:nvSpPr>
+          <p:cNvPr id="2" name="Title 1">
+            <a:extLst>
+              <a:ext uri="{FF2B5EF4-FFF2-40B4-BE49-F238E27FC236}">
+                <a16:creationId xmlns:a16="http://schemas.microsoft.com/office/drawing/2014/main" id="{16D28016-1A8E-0D4A-8E96-DBC62B354BF8}"/>
+              </a:ext>
+            </a:extLst>
+          </p:cNvPr>
+          <p:cNvSpPr>
+            <a:spLocks noGrp="1"/>
+          </p:cNvSpPr>
+          <p:nvPr>
+            <p:ph type="title"/>
+          </p:nvPr>
+        </p:nvSpPr>
+        <p:spPr>
+          <a:xfrm>
+            <a:off x="291791" y="390454"/>
+            <a:ext cx="2929054" cy="1117987"/>
+          </a:xfrm>
+        </p:spPr>
+        <p:txBody>
+          <a:bodyPr>
+            <a:noAutofit/>
+          </a:bodyPr>
+          <a:lstStyle/>
+          <a:p>
+            <a:r>
+              <a:rPr lang="en-US" sz="3200" dirty="0"/>
+              <a:t>POTENTIAL</a:t>
+            </a:r>
+            <a:br>
+              <a:rPr lang="en-US" sz="3200" dirty="0"/>
+            </a:br>
+            <a:r>
+              <a:rPr lang="en-US" sz="3200" dirty="0"/>
+              <a:t>OPPORTUNITIES</a:t>
+            </a:r>
+          </a:p>
+        </p:txBody>
+      </p:sp>
       <p:pic>
         <p:nvPicPr>
-          <p:cNvPr id="9" name="Content Placeholder 8" descr="Chart&#10;&#10;Description automatically generated">
-            <a:extLst>
-              <a:ext uri="{FF2B5EF4-FFF2-40B4-BE49-F238E27FC236}">
-                <a16:creationId xmlns:a16="http://schemas.microsoft.com/office/drawing/2014/main" id="{4AF47BA8-FC37-3D4D-BF20-0FAE7CB73E74}"/>
+          <p:cNvPr id="4" name="Content Placeholder 4" descr="Diagram&#10;&#10;Description automatically generated">
+            <a:extLst>
+              <a:ext uri="{FF2B5EF4-FFF2-40B4-BE49-F238E27FC236}">
+                <a16:creationId xmlns:a16="http://schemas.microsoft.com/office/drawing/2014/main" id="{AC058000-3750-594F-9755-416F14C03061}"/>
               </a:ext>
             </a:extLst>
           </p:cNvPr>
           <p:cNvPicPr>
-            <a:picLocks noGrp="1" noChangeAspect="1"/>
+            <a:picLocks noChangeAspect="1"/>
           </p:cNvPicPr>
-          <p:nvPr>
-            <p:ph idx="1"/>
-          </p:nvPr>
+          <p:nvPr/>
         </p:nvPicPr>
         <p:blipFill>
           <a:blip r:embed="rId2"/>
@@ -20136,35 +19711,8 @@
         </p:blipFill>
         <p:spPr>
           <a:xfrm>
-            <a:off x="38599" y="2357115"/>
-            <a:ext cx="5247077" cy="3199906"/>
-          </a:xfrm>
-        </p:spPr>
-      </p:pic>
-      <p:pic>
-        <p:nvPicPr>
-          <p:cNvPr id="11" name="Picture 10" descr="Chart, bar chart&#10;&#10;Description automatically generated">
-            <a:extLst>
-              <a:ext uri="{FF2B5EF4-FFF2-40B4-BE49-F238E27FC236}">
-                <a16:creationId xmlns:a16="http://schemas.microsoft.com/office/drawing/2014/main" id="{49AE4862-5B8F-704A-A91C-69E49E90B6EA}"/>
-              </a:ext>
-            </a:extLst>
-          </p:cNvPr>
-          <p:cNvPicPr>
-            <a:picLocks noChangeAspect="1"/>
-          </p:cNvPicPr>
-          <p:nvPr/>
-        </p:nvPicPr>
-        <p:blipFill>
-          <a:blip r:embed="rId3"/>
-          <a:stretch>
-            <a:fillRect/>
-          </a:stretch>
-        </p:blipFill>
-        <p:spPr>
-          <a:xfrm>
-            <a:off x="5556901" y="2468627"/>
-            <a:ext cx="6635099" cy="3253601"/>
+            <a:off x="3220846" y="245327"/>
+            <a:ext cx="8823672" cy="6877275"/>
           </a:xfrm>
           <a:prstGeom prst="rect">
             <a:avLst/>
@@ -20173,10 +19721,10 @@
       </p:pic>
       <p:sp>
         <p:nvSpPr>
-          <p:cNvPr id="12" name="Title 1">
-            <a:extLst>
-              <a:ext uri="{FF2B5EF4-FFF2-40B4-BE49-F238E27FC236}">
-                <a16:creationId xmlns:a16="http://schemas.microsoft.com/office/drawing/2014/main" id="{C02C34B3-D149-6C4E-A637-FE58AC9749A6}"/>
+          <p:cNvPr id="5" name="Title 1">
+            <a:extLst>
+              <a:ext uri="{FF2B5EF4-FFF2-40B4-BE49-F238E27FC236}">
+                <a16:creationId xmlns:a16="http://schemas.microsoft.com/office/drawing/2014/main" id="{D24DCD01-F14F-5D46-A899-190A6B8231CF}"/>
               </a:ext>
             </a:extLst>
           </p:cNvPr>
@@ -20187,8 +19735,8 @@
         </p:nvSpPr>
         <p:spPr>
           <a:xfrm>
-            <a:off x="136478" y="1551363"/>
-            <a:ext cx="5040686" cy="917264"/>
+            <a:off x="3445733" y="827393"/>
+            <a:ext cx="2520170" cy="2970055"/>
           </a:xfrm>
           <a:prstGeom prst="rect">
             <a:avLst/>
@@ -20198,8 +19746,8 @@
           </a:solidFill>
         </p:spPr>
         <p:txBody>
-          <a:bodyPr vert="horz" lIns="91440" tIns="45720" rIns="91440" bIns="45720" rtlCol="0" anchor="ctr">
-            <a:noAutofit/>
+          <a:bodyPr vert="horz" lIns="91440" tIns="45720" rIns="91440" bIns="45720" rtlCol="0" anchor="b">
+            <a:normAutofit fontScale="97500"/>
           </a:bodyPr>
           <a:lstStyle>
             <a:lvl1pPr algn="l" defTabSz="914400" rtl="0" eaLnBrk="1" latinLnBrk="0" hangingPunct="1">
@@ -20221,78 +19769,67 @@
             </a:lvl1pPr>
           </a:lstStyle>
           <a:p>
-            <a:pPr algn="ctr"/>
-            <a:r>
-              <a:rPr lang="en-US" sz="2400" dirty="0"/>
-              <a:t>TOP 6 CATEGORIES MOST PURCHASED</a:t>
-            </a:r>
+            <a:r>
+              <a:rPr lang="en-US" sz="1800" dirty="0"/>
+              <a:t>Capable to </a:t>
+            </a:r>
+            <a:r>
+              <a:rPr lang="en-US" sz="1800" b="1" dirty="0"/>
+              <a:t>capture</a:t>
+            </a:r>
+            <a:r>
+              <a:rPr lang="en-US" sz="1800" dirty="0"/>
+              <a:t> </a:t>
+            </a:r>
+            <a:r>
+              <a:rPr lang="en-US" sz="1800" b="1" dirty="0"/>
+              <a:t>97% of transactions</a:t>
+            </a:r>
+            <a:r>
+              <a:rPr lang="en-US" sz="1800" dirty="0"/>
+              <a:t> on customer loyalty card.</a:t>
+            </a:r>
+          </a:p>
+          <a:p>
+            <a:endParaRPr lang="en-US" sz="1800" dirty="0"/>
           </a:p>
         </p:txBody>
       </p:sp>
-      <p:sp>
-        <p:nvSpPr>
-          <p:cNvPr id="13" name="Title 1">
-            <a:extLst>
-              <a:ext uri="{FF2B5EF4-FFF2-40B4-BE49-F238E27FC236}">
-                <a16:creationId xmlns:a16="http://schemas.microsoft.com/office/drawing/2014/main" id="{C292B930-2DD6-AF40-A720-D7EF10621BE5}"/>
-              </a:ext>
-            </a:extLst>
-          </p:cNvPr>
-          <p:cNvSpPr txBox="1">
-            <a:spLocks/>
-          </p:cNvSpPr>
+      <p:pic>
+        <p:nvPicPr>
+          <p:cNvPr id="7" name="Picture 6" descr="Logo&#10;&#10;Description automatically generated">
+            <a:extLst>
+              <a:ext uri="{FF2B5EF4-FFF2-40B4-BE49-F238E27FC236}">
+                <a16:creationId xmlns:a16="http://schemas.microsoft.com/office/drawing/2014/main" id="{106E3FD2-6F5C-4A4C-9ECC-358B19757D71}"/>
+              </a:ext>
+            </a:extLst>
+          </p:cNvPr>
+          <p:cNvPicPr>
+            <a:picLocks noChangeAspect="1"/>
+          </p:cNvPicPr>
           <p:nvPr/>
-        </p:nvSpPr>
+        </p:nvPicPr>
+        <p:blipFill rotWithShape="1">
+          <a:blip r:embed="rId3"/>
+          <a:srcRect r="2439"/>
+          <a:stretch/>
+        </p:blipFill>
         <p:spPr>
           <a:xfrm>
-            <a:off x="6361935" y="1551363"/>
-            <a:ext cx="5247077" cy="917264"/>
+            <a:off x="3445732" y="827393"/>
+            <a:ext cx="2056780" cy="1752600"/>
           </a:xfrm>
           <a:prstGeom prst="rect">
             <a:avLst/>
           </a:prstGeom>
-          <a:solidFill>
-            <a:schemeClr val="bg1"/>
-          </a:solidFill>
         </p:spPr>
-        <p:txBody>
-          <a:bodyPr vert="horz" lIns="91440" tIns="45720" rIns="91440" bIns="45720" rtlCol="0" anchor="ctr">
-            <a:noAutofit/>
-          </a:bodyPr>
-          <a:lstStyle>
-            <a:lvl1pPr algn="l" defTabSz="914400" rtl="0" eaLnBrk="1" latinLnBrk="0" hangingPunct="1">
-              <a:lnSpc>
-                <a:spcPct val="90000"/>
-              </a:lnSpc>
-              <a:spcBef>
-                <a:spcPct val="0"/>
-              </a:spcBef>
-              <a:buNone/>
-              <a:defRPr sz="4400" kern="1200">
-                <a:solidFill>
-                  <a:schemeClr val="tx1"/>
-                </a:solidFill>
-                <a:latin typeface="+mj-lt"/>
-                <a:ea typeface="+mj-ea"/>
-                <a:cs typeface="+mj-cs"/>
-              </a:defRPr>
-            </a:lvl1pPr>
-          </a:lstStyle>
-          <a:p>
-            <a:pPr algn="ctr"/>
-            <a:r>
-              <a:rPr lang="en-US" sz="2400" dirty="0"/>
-              <a:t>TOP 10 PRODUCTS MOST PURCHASED</a:t>
-            </a:r>
-          </a:p>
-        </p:txBody>
-      </p:sp>
+      </p:pic>
       <p:sp>
         <p:nvSpPr>
-          <p:cNvPr id="14" name="Slide Number Placeholder 13">
-            <a:extLst>
-              <a:ext uri="{FF2B5EF4-FFF2-40B4-BE49-F238E27FC236}">
-                <a16:creationId xmlns:a16="http://schemas.microsoft.com/office/drawing/2014/main" id="{5145B064-7184-3F4D-8E7F-F1602D784CC6}"/>
+          <p:cNvPr id="8" name="Slide Number Placeholder 7">
+            <a:extLst>
+              <a:ext uri="{FF2B5EF4-FFF2-40B4-BE49-F238E27FC236}">
+                <a16:creationId xmlns:a16="http://schemas.microsoft.com/office/drawing/2014/main" id="{81EF7D1F-5F68-1840-8DAB-2C39739258BF}"/>
               </a:ext>
             </a:extLst>
           </p:cNvPr>
@@ -20421,74 +19958,10 @@
           </a:p>
         </p:txBody>
       </p:sp>
-      <p:sp>
-        <p:nvSpPr>
-          <p:cNvPr id="8" name="Title 1">
-            <a:extLst>
-              <a:ext uri="{FF2B5EF4-FFF2-40B4-BE49-F238E27FC236}">
-                <a16:creationId xmlns:a16="http://schemas.microsoft.com/office/drawing/2014/main" id="{F8FA9353-7FD2-6545-BA79-4D24295E22AB}"/>
-              </a:ext>
-            </a:extLst>
-          </p:cNvPr>
-          <p:cNvSpPr txBox="1">
-            <a:spLocks/>
-          </p:cNvSpPr>
-          <p:nvPr/>
-        </p:nvSpPr>
-        <p:spPr>
-          <a:xfrm>
-            <a:off x="370255" y="359779"/>
-            <a:ext cx="2000985" cy="725102"/>
-          </a:xfrm>
-          <a:prstGeom prst="rect">
-            <a:avLst/>
-          </a:prstGeom>
-          <a:solidFill>
-            <a:schemeClr val="accent1">
-              <a:lumMod val="75000"/>
-            </a:schemeClr>
-          </a:solidFill>
-        </p:spPr>
-        <p:txBody>
-          <a:bodyPr vert="horz" lIns="91440" tIns="45720" rIns="91440" bIns="45720" rtlCol="0" anchor="ctr">
-            <a:noAutofit/>
-          </a:bodyPr>
-          <a:lstStyle>
-            <a:lvl1pPr algn="l" defTabSz="914400" rtl="0" eaLnBrk="1" latinLnBrk="0" hangingPunct="1">
-              <a:lnSpc>
-                <a:spcPct val="90000"/>
-              </a:lnSpc>
-              <a:spcBef>
-                <a:spcPct val="0"/>
-              </a:spcBef>
-              <a:buNone/>
-              <a:defRPr sz="4400" kern="1200">
-                <a:solidFill>
-                  <a:schemeClr val="tx1"/>
-                </a:solidFill>
-                <a:latin typeface="+mj-lt"/>
-                <a:ea typeface="+mj-ea"/>
-                <a:cs typeface="+mj-cs"/>
-              </a:defRPr>
-            </a:lvl1pPr>
-          </a:lstStyle>
-          <a:p>
-            <a:pPr algn="ctr"/>
-            <a:r>
-              <a:rPr lang="en-US" sz="3200" dirty="0">
-                <a:solidFill>
-                  <a:schemeClr val="bg1"/>
-                </a:solidFill>
-              </a:rPr>
-              <a:t>INDEX</a:t>
-            </a:r>
-          </a:p>
-        </p:txBody>
-      </p:sp>
     </p:spTree>
     <p:extLst>
       <p:ext uri="{BB962C8B-B14F-4D97-AF65-F5344CB8AC3E}">
-        <p14:creationId xmlns:p14="http://schemas.microsoft.com/office/powerpoint/2010/main" val="2735178362"/>
+        <p14:creationId xmlns:p14="http://schemas.microsoft.com/office/powerpoint/2010/main" val="2230303469"/>
       </p:ext>
     </p:extLst>
   </p:cSld>
@@ -20515,50 +19988,6 @@
           <a:chExt cx="0" cy="0"/>
         </a:xfrm>
       </p:grpSpPr>
-      <p:sp>
-        <p:nvSpPr>
-          <p:cNvPr id="30" name="TextBox 29">
-            <a:extLst>
-              <a:ext uri="{FF2B5EF4-FFF2-40B4-BE49-F238E27FC236}">
-                <a16:creationId xmlns:a16="http://schemas.microsoft.com/office/drawing/2014/main" id="{83DBA5D6-FA74-9340-8133-19DB66DD0E07}"/>
-              </a:ext>
-            </a:extLst>
-          </p:cNvPr>
-          <p:cNvSpPr txBox="1"/>
-          <p:nvPr/>
-        </p:nvSpPr>
-        <p:spPr>
-          <a:xfrm>
-            <a:off x="3650159" y="3649341"/>
-            <a:ext cx="713297" cy="276999"/>
-          </a:xfrm>
-          <a:prstGeom prst="rect">
-            <a:avLst/>
-          </a:prstGeom>
-          <a:solidFill>
-            <a:schemeClr val="bg1"/>
-          </a:solidFill>
-        </p:spPr>
-        <p:txBody>
-          <a:bodyPr wrap="square" rtlCol="0">
-            <a:spAutoFit/>
-          </a:bodyPr>
-          <a:lstStyle/>
-          <a:p>
-            <a:pPr algn="ctr"/>
-            <a:r>
-              <a:rPr lang="en-US" sz="1200" b="1" dirty="0">
-                <a:solidFill>
-                  <a:schemeClr val="accent1">
-                    <a:lumMod val="75000"/>
-                  </a:schemeClr>
-                </a:solidFill>
-              </a:rPr>
-              <a:t>START</a:t>
-            </a:r>
-          </a:p>
-        </p:txBody>
-      </p:sp>
       <p:sp>
         <p:nvSpPr>
           <p:cNvPr id="4" name="TextBox 3">
@@ -20858,370 +20287,6 @@
           </a:p>
         </p:txBody>
       </p:sp>
-      <p:pic>
-        <p:nvPicPr>
-          <p:cNvPr id="34" name="Picture 33">
-            <a:extLst>
-              <a:ext uri="{FF2B5EF4-FFF2-40B4-BE49-F238E27FC236}">
-                <a16:creationId xmlns:a16="http://schemas.microsoft.com/office/drawing/2014/main" id="{7C309C9B-AFC3-8849-82E0-E2229A31C825}"/>
-              </a:ext>
-            </a:extLst>
-          </p:cNvPr>
-          <p:cNvPicPr>
-            <a:picLocks noChangeAspect="1"/>
-          </p:cNvPicPr>
-          <p:nvPr/>
-        </p:nvPicPr>
-        <p:blipFill>
-          <a:blip r:embed="rId3"/>
-          <a:stretch>
-            <a:fillRect/>
-          </a:stretch>
-        </p:blipFill>
-        <p:spPr>
-          <a:xfrm>
-            <a:off x="9930555" y="2670746"/>
-            <a:ext cx="1955841" cy="1824456"/>
-          </a:xfrm>
-          <a:prstGeom prst="rect">
-            <a:avLst/>
-          </a:prstGeom>
-        </p:spPr>
-      </p:pic>
-      <p:sp>
-        <p:nvSpPr>
-          <p:cNvPr id="35" name="TextBox 34">
-            <a:extLst>
-              <a:ext uri="{FF2B5EF4-FFF2-40B4-BE49-F238E27FC236}">
-                <a16:creationId xmlns:a16="http://schemas.microsoft.com/office/drawing/2014/main" id="{EBB8A1B6-2BC0-1948-B27E-65DE8A71EE9F}"/>
-              </a:ext>
-            </a:extLst>
-          </p:cNvPr>
-          <p:cNvSpPr txBox="1"/>
-          <p:nvPr/>
-        </p:nvSpPr>
-        <p:spPr>
-          <a:xfrm>
-            <a:off x="4938396" y="4560667"/>
-            <a:ext cx="1631624" cy="646331"/>
-          </a:xfrm>
-          <a:prstGeom prst="rect">
-            <a:avLst/>
-          </a:prstGeom>
-          <a:solidFill>
-            <a:schemeClr val="bg1"/>
-          </a:solidFill>
-        </p:spPr>
-        <p:txBody>
-          <a:bodyPr wrap="square" rtlCol="0">
-            <a:spAutoFit/>
-          </a:bodyPr>
-          <a:lstStyle/>
-          <a:p>
-            <a:pPr algn="ctr"/>
-            <a:r>
-              <a:rPr lang="en-US" sz="1200" b="1" dirty="0">
-                <a:solidFill>
-                  <a:schemeClr val="accent1">
-                    <a:lumMod val="75000"/>
-                  </a:schemeClr>
-                </a:solidFill>
-              </a:rPr>
-              <a:t>COLLECT CUSTOMER DATA FROM</a:t>
-            </a:r>
-          </a:p>
-          <a:p>
-            <a:pPr algn="ctr"/>
-            <a:r>
-              <a:rPr lang="en-US" sz="1200" b="1" dirty="0">
-                <a:solidFill>
-                  <a:schemeClr val="accent1">
-                    <a:lumMod val="75000"/>
-                  </a:schemeClr>
-                </a:solidFill>
-              </a:rPr>
-              <a:t>LOYALTY CARDS</a:t>
-            </a:r>
-          </a:p>
-        </p:txBody>
-      </p:sp>
-      <p:sp>
-        <p:nvSpPr>
-          <p:cNvPr id="36" name="TextBox 35">
-            <a:extLst>
-              <a:ext uri="{FF2B5EF4-FFF2-40B4-BE49-F238E27FC236}">
-                <a16:creationId xmlns:a16="http://schemas.microsoft.com/office/drawing/2014/main" id="{D3C037DA-A9F7-C441-B3EB-76E91F555394}"/>
-              </a:ext>
-            </a:extLst>
-          </p:cNvPr>
-          <p:cNvSpPr txBox="1"/>
-          <p:nvPr/>
-        </p:nvSpPr>
-        <p:spPr>
-          <a:xfrm>
-            <a:off x="6982546" y="4573808"/>
-            <a:ext cx="2877256" cy="1046440"/>
-          </a:xfrm>
-          <a:prstGeom prst="rect">
-            <a:avLst/>
-          </a:prstGeom>
-          <a:solidFill>
-            <a:schemeClr val="bg1"/>
-          </a:solidFill>
-        </p:spPr>
-        <p:txBody>
-          <a:bodyPr wrap="square" rtlCol="0">
-            <a:spAutoFit/>
-          </a:bodyPr>
-          <a:lstStyle/>
-          <a:p>
-            <a:pPr algn="ctr"/>
-            <a:r>
-              <a:rPr lang="en-US" sz="1200" b="1" dirty="0">
-                <a:solidFill>
-                  <a:schemeClr val="accent1">
-                    <a:lumMod val="75000"/>
-                  </a:schemeClr>
-                </a:solidFill>
-              </a:rPr>
-              <a:t>SEND CUSTOMERS </a:t>
-            </a:r>
-          </a:p>
-          <a:p>
-            <a:pPr algn="ctr"/>
-            <a:r>
-              <a:rPr lang="en-US" sz="1200" b="1" dirty="0">
-                <a:solidFill>
-                  <a:schemeClr val="accent1">
-                    <a:lumMod val="75000"/>
-                  </a:schemeClr>
-                </a:solidFill>
-              </a:rPr>
-              <a:t>DISCOUNT COUPONS</a:t>
-            </a:r>
-          </a:p>
-          <a:p>
-            <a:pPr algn="ctr"/>
-            <a:endParaRPr lang="en-US" sz="1200" b="1" dirty="0">
-              <a:solidFill>
-                <a:schemeClr val="accent1">
-                  <a:lumMod val="75000"/>
-                </a:schemeClr>
-              </a:solidFill>
-            </a:endParaRPr>
-          </a:p>
-          <a:p>
-            <a:pPr algn="ctr"/>
-            <a:r>
-              <a:rPr lang="en-AU" sz="1400" b="1" dirty="0">
-                <a:solidFill>
-                  <a:schemeClr val="accent1">
-                    <a:lumMod val="75000"/>
-                  </a:schemeClr>
-                </a:solidFill>
-                <a:latin typeface="Arial" panose="020B0604020202020204" pitchFamily="34" charset="0"/>
-                <a:ea typeface="Arial" panose="020B0604020202020204" pitchFamily="34" charset="0"/>
-              </a:rPr>
-              <a:t>(1.6 million coupons in 2019)</a:t>
-            </a:r>
-          </a:p>
-          <a:p>
-            <a:pPr algn="ctr"/>
-            <a:endParaRPr lang="en-US" sz="1200" b="1" dirty="0">
-              <a:solidFill>
-                <a:schemeClr val="accent1">
-                  <a:lumMod val="75000"/>
-                </a:schemeClr>
-              </a:solidFill>
-            </a:endParaRPr>
-          </a:p>
-        </p:txBody>
-      </p:sp>
-      <p:sp>
-        <p:nvSpPr>
-          <p:cNvPr id="37" name="TextBox 36">
-            <a:extLst>
-              <a:ext uri="{FF2B5EF4-FFF2-40B4-BE49-F238E27FC236}">
-                <a16:creationId xmlns:a16="http://schemas.microsoft.com/office/drawing/2014/main" id="{909D9E31-A9D3-724F-8418-6F16775ECD01}"/>
-              </a:ext>
-            </a:extLst>
-          </p:cNvPr>
-          <p:cNvSpPr txBox="1"/>
-          <p:nvPr/>
-        </p:nvSpPr>
-        <p:spPr>
-          <a:xfrm>
-            <a:off x="9930555" y="4553481"/>
-            <a:ext cx="1888755" cy="646331"/>
-          </a:xfrm>
-          <a:prstGeom prst="rect">
-            <a:avLst/>
-          </a:prstGeom>
-          <a:solidFill>
-            <a:schemeClr val="bg1"/>
-          </a:solidFill>
-        </p:spPr>
-        <p:txBody>
-          <a:bodyPr wrap="square" rtlCol="0">
-            <a:spAutoFit/>
-          </a:bodyPr>
-          <a:lstStyle/>
-          <a:p>
-            <a:pPr algn="ctr"/>
-            <a:r>
-              <a:rPr lang="en-US" sz="1200" b="1" dirty="0">
-                <a:solidFill>
-                  <a:schemeClr val="accent1">
-                    <a:lumMod val="75000"/>
-                  </a:schemeClr>
-                </a:solidFill>
-              </a:rPr>
-              <a:t>CUSTOMERS GO SHOPPING REDEEMING COUPONS</a:t>
-            </a:r>
-          </a:p>
-        </p:txBody>
-      </p:sp>
-      <p:cxnSp>
-        <p:nvCxnSpPr>
-          <p:cNvPr id="38" name="Straight Arrow Connector 37">
-            <a:extLst>
-              <a:ext uri="{FF2B5EF4-FFF2-40B4-BE49-F238E27FC236}">
-                <a16:creationId xmlns:a16="http://schemas.microsoft.com/office/drawing/2014/main" id="{E5D419BD-D45B-B849-B238-8E5F8202D6B8}"/>
-              </a:ext>
-            </a:extLst>
-          </p:cNvPr>
-          <p:cNvCxnSpPr>
-            <a:cxnSpLocks/>
-          </p:cNvCxnSpPr>
-          <p:nvPr/>
-        </p:nvCxnSpPr>
-        <p:spPr>
-          <a:xfrm flipV="1">
-            <a:off x="5760533" y="5206998"/>
-            <a:ext cx="0" cy="546013"/>
-          </a:xfrm>
-          <a:prstGeom prst="straightConnector1">
-            <a:avLst/>
-          </a:prstGeom>
-          <a:ln w="38100" cap="flat" cmpd="sng" algn="ctr">
-            <a:solidFill>
-              <a:schemeClr val="accent5">
-                <a:lumMod val="75000"/>
-              </a:schemeClr>
-            </a:solidFill>
-            <a:prstDash val="sysDash"/>
-            <a:round/>
-            <a:headEnd type="none" w="med" len="med"/>
-            <a:tailEnd type="arrow" w="med" len="med"/>
-          </a:ln>
-        </p:spPr>
-        <p:style>
-          <a:lnRef idx="0">
-            <a:scrgbClr r="0" g="0" b="0"/>
-          </a:lnRef>
-          <a:fillRef idx="0">
-            <a:scrgbClr r="0" g="0" b="0"/>
-          </a:fillRef>
-          <a:effectRef idx="0">
-            <a:scrgbClr r="0" g="0" b="0"/>
-          </a:effectRef>
-          <a:fontRef idx="minor">
-            <a:schemeClr val="tx1"/>
-          </a:fontRef>
-        </p:style>
-      </p:cxnSp>
-      <p:cxnSp>
-        <p:nvCxnSpPr>
-          <p:cNvPr id="39" name="Straight Connector 38">
-            <a:extLst>
-              <a:ext uri="{FF2B5EF4-FFF2-40B4-BE49-F238E27FC236}">
-                <a16:creationId xmlns:a16="http://schemas.microsoft.com/office/drawing/2014/main" id="{42A99E92-C3AB-0146-ADE4-32D50FECC7FF}"/>
-              </a:ext>
-            </a:extLst>
-          </p:cNvPr>
-          <p:cNvCxnSpPr>
-            <a:cxnSpLocks/>
-          </p:cNvCxnSpPr>
-          <p:nvPr/>
-        </p:nvCxnSpPr>
-        <p:spPr>
-          <a:xfrm>
-            <a:off x="5754208" y="5811290"/>
-            <a:ext cx="5295613" cy="0"/>
-          </a:xfrm>
-          <a:prstGeom prst="line">
-            <a:avLst/>
-          </a:prstGeom>
-          <a:ln w="38100">
-            <a:solidFill>
-              <a:schemeClr val="accent5">
-                <a:lumMod val="75000"/>
-              </a:schemeClr>
-            </a:solidFill>
-            <a:prstDash val="sysDash"/>
-          </a:ln>
-        </p:spPr>
-        <p:style>
-          <a:lnRef idx="1">
-            <a:schemeClr val="accent1"/>
-          </a:lnRef>
-          <a:fillRef idx="0">
-            <a:schemeClr val="accent1"/>
-          </a:fillRef>
-          <a:effectRef idx="0">
-            <a:schemeClr val="accent1"/>
-          </a:effectRef>
-          <a:fontRef idx="minor">
-            <a:schemeClr val="tx1"/>
-          </a:fontRef>
-        </p:style>
-      </p:cxnSp>
-      <p:cxnSp>
-        <p:nvCxnSpPr>
-          <p:cNvPr id="40" name="Straight Connector 39">
-            <a:extLst>
-              <a:ext uri="{FF2B5EF4-FFF2-40B4-BE49-F238E27FC236}">
-                <a16:creationId xmlns:a16="http://schemas.microsoft.com/office/drawing/2014/main" id="{C3134428-46A7-5E43-9C88-2A68565B0D49}"/>
-              </a:ext>
-            </a:extLst>
-          </p:cNvPr>
-          <p:cNvCxnSpPr>
-            <a:cxnSpLocks/>
-          </p:cNvCxnSpPr>
-          <p:nvPr/>
-        </p:nvCxnSpPr>
-        <p:spPr>
-          <a:xfrm>
-            <a:off x="11049821" y="5260775"/>
-            <a:ext cx="0" cy="550515"/>
-          </a:xfrm>
-          <a:prstGeom prst="line">
-            <a:avLst/>
-          </a:prstGeom>
-          <a:ln w="38100" cmpd="sng">
-            <a:solidFill>
-              <a:schemeClr val="accent5">
-                <a:lumMod val="75000"/>
-              </a:schemeClr>
-            </a:solidFill>
-            <a:prstDash val="sysDash"/>
-          </a:ln>
-        </p:spPr>
-        <p:style>
-          <a:lnRef idx="1">
-            <a:schemeClr val="accent1"/>
-          </a:lnRef>
-          <a:fillRef idx="0">
-            <a:schemeClr val="accent1"/>
-          </a:fillRef>
-          <a:effectRef idx="0">
-            <a:schemeClr val="accent1"/>
-          </a:effectRef>
-          <a:fontRef idx="minor">
-            <a:schemeClr val="tx1"/>
-          </a:fontRef>
-        </p:style>
-      </p:cxnSp>
       <p:sp>
         <p:nvSpPr>
           <p:cNvPr id="18" name="Title 1">
@@ -21292,55 +20357,6 @@
           </a:p>
         </p:txBody>
       </p:sp>
-      <p:sp>
-        <p:nvSpPr>
-          <p:cNvPr id="19" name="Rectangle 18">
-            <a:extLst>
-              <a:ext uri="{FF2B5EF4-FFF2-40B4-BE49-F238E27FC236}">
-                <a16:creationId xmlns:a16="http://schemas.microsoft.com/office/drawing/2014/main" id="{DAA2C83D-0D61-554E-B9A5-B626DB297F24}"/>
-              </a:ext>
-            </a:extLst>
-          </p:cNvPr>
-          <p:cNvSpPr/>
-          <p:nvPr/>
-        </p:nvSpPr>
-        <p:spPr>
-          <a:xfrm>
-            <a:off x="5433345" y="1960460"/>
-            <a:ext cx="5295613" cy="520079"/>
-          </a:xfrm>
-          <a:prstGeom prst="rect">
-            <a:avLst/>
-          </a:prstGeom>
-        </p:spPr>
-        <p:txBody>
-          <a:bodyPr wrap="square">
-            <a:spAutoFit/>
-          </a:bodyPr>
-          <a:lstStyle/>
-          <a:p>
-            <a:pPr algn="ctr" fontAlgn="base">
-              <a:lnSpc>
-                <a:spcPct val="160000"/>
-              </a:lnSpc>
-              <a:spcAft>
-                <a:spcPts val="600"/>
-              </a:spcAft>
-            </a:pPr>
-            <a:r>
-              <a:rPr lang="en-GB" sz="2000" b="1" dirty="0">
-                <a:solidFill>
-                  <a:schemeClr val="accent1">
-                    <a:lumMod val="75000"/>
-                  </a:schemeClr>
-                </a:solidFill>
-                <a:latin typeface="Arial" panose="020B0604020202020204" pitchFamily="34" charset="0"/>
-              </a:rPr>
-              <a:t>DIRECT MARKETING PROCESS</a:t>
-            </a:r>
-          </a:p>
-        </p:txBody>
-      </p:sp>
       <p:pic>
         <p:nvPicPr>
           <p:cNvPr id="7" name="Graphic 6" descr="Warning with solid fill">
@@ -21356,7 +20372,7 @@
           <p:nvPr/>
         </p:nvPicPr>
         <p:blipFill>
-          <a:blip r:embed="rId4">
+          <a:blip r:embed="rId3">
             <a:duotone>
               <a:schemeClr val="accent2">
                 <a:shade val="45000"/>
@@ -21366,7 +20382,7 @@
             </a:duotone>
             <a:extLst>
               <a:ext uri="{96DAC541-7B7A-43D3-8B79-37D633B846F1}">
-                <asvg:svgBlip xmlns:asvg="http://schemas.microsoft.com/office/drawing/2016/SVG/main" r:embed="rId5"/>
+                <asvg:svgBlip xmlns:asvg="http://schemas.microsoft.com/office/drawing/2016/SVG/main" r:embed="rId4"/>
               </a:ext>
             </a:extLst>
           </a:blip>
@@ -21384,252 +20400,730 @@
           </a:prstGeom>
         </p:spPr>
       </p:pic>
-      <p:sp>
-        <p:nvSpPr>
-          <p:cNvPr id="3" name="Right Arrow 2">
-            <a:extLst>
-              <a:ext uri="{FF2B5EF4-FFF2-40B4-BE49-F238E27FC236}">
-                <a16:creationId xmlns:a16="http://schemas.microsoft.com/office/drawing/2014/main" id="{381C9B92-3F87-EC4C-85B7-34138BEB48DC}"/>
-              </a:ext>
-            </a:extLst>
-          </p:cNvPr>
-          <p:cNvSpPr/>
+      <p:grpSp>
+        <p:nvGrpSpPr>
+          <p:cNvPr id="6" name="Group 5">
+            <a:extLst>
+              <a:ext uri="{FF2B5EF4-FFF2-40B4-BE49-F238E27FC236}">
+                <a16:creationId xmlns:a16="http://schemas.microsoft.com/office/drawing/2014/main" id="{2D7AFE1B-595D-0640-A89B-07F4BC889D69}"/>
+              </a:ext>
+            </a:extLst>
+          </p:cNvPr>
+          <p:cNvGrpSpPr/>
           <p:nvPr/>
-        </p:nvSpPr>
-        <p:spPr>
+        </p:nvGrpSpPr>
+        <p:grpSpPr>
           <a:xfrm>
-            <a:off x="4253041" y="3632333"/>
-            <a:ext cx="466135" cy="331121"/>
+            <a:off x="3650159" y="1960460"/>
+            <a:ext cx="8236237" cy="3850830"/>
+            <a:chOff x="3650159" y="1960460"/>
+            <a:chExt cx="8236237" cy="3850830"/>
           </a:xfrm>
-          <a:prstGeom prst="rightArrow">
-            <a:avLst/>
-          </a:prstGeom>
-          <a:solidFill>
-            <a:schemeClr val="accent5">
-              <a:lumMod val="75000"/>
-            </a:schemeClr>
-          </a:solidFill>
-          <a:ln>
+        </p:grpSpPr>
+        <p:sp>
+          <p:nvSpPr>
+            <p:cNvPr id="30" name="TextBox 29">
+              <a:extLst>
+                <a:ext uri="{FF2B5EF4-FFF2-40B4-BE49-F238E27FC236}">
+                  <a16:creationId xmlns:a16="http://schemas.microsoft.com/office/drawing/2014/main" id="{83DBA5D6-FA74-9340-8133-19DB66DD0E07}"/>
+                </a:ext>
+              </a:extLst>
+            </p:cNvPr>
+            <p:cNvSpPr txBox="1"/>
+            <p:nvPr/>
+          </p:nvSpPr>
+          <p:spPr>
+            <a:xfrm>
+              <a:off x="3650159" y="3649341"/>
+              <a:ext cx="713297" cy="276999"/>
+            </a:xfrm>
+            <a:prstGeom prst="rect">
+              <a:avLst/>
+            </a:prstGeom>
+            <a:solidFill>
+              <a:schemeClr val="bg1"/>
+            </a:solidFill>
+          </p:spPr>
+          <p:txBody>
+            <a:bodyPr wrap="square" rtlCol="0">
+              <a:spAutoFit/>
+            </a:bodyPr>
+            <a:lstStyle/>
+            <a:p>
+              <a:pPr algn="ctr"/>
+              <a:r>
+                <a:rPr lang="en-US" sz="1200" b="1" dirty="0">
+                  <a:solidFill>
+                    <a:schemeClr val="accent1">
+                      <a:lumMod val="75000"/>
+                    </a:schemeClr>
+                  </a:solidFill>
+                </a:rPr>
+                <a:t>START</a:t>
+              </a:r>
+            </a:p>
+          </p:txBody>
+        </p:sp>
+        <p:pic>
+          <p:nvPicPr>
+            <p:cNvPr id="34" name="Picture 33">
+              <a:extLst>
+                <a:ext uri="{FF2B5EF4-FFF2-40B4-BE49-F238E27FC236}">
+                  <a16:creationId xmlns:a16="http://schemas.microsoft.com/office/drawing/2014/main" id="{7C309C9B-AFC3-8849-82E0-E2229A31C825}"/>
+                </a:ext>
+              </a:extLst>
+            </p:cNvPr>
+            <p:cNvPicPr>
+              <a:picLocks noChangeAspect="1"/>
+            </p:cNvPicPr>
+            <p:nvPr/>
+          </p:nvPicPr>
+          <p:blipFill>
+            <a:blip r:embed="rId5"/>
+            <a:stretch>
+              <a:fillRect/>
+            </a:stretch>
+          </p:blipFill>
+          <p:spPr>
+            <a:xfrm>
+              <a:off x="9930555" y="2670746"/>
+              <a:ext cx="1955841" cy="1824456"/>
+            </a:xfrm>
+            <a:prstGeom prst="rect">
+              <a:avLst/>
+            </a:prstGeom>
+          </p:spPr>
+        </p:pic>
+        <p:sp>
+          <p:nvSpPr>
+            <p:cNvPr id="35" name="TextBox 34">
+              <a:extLst>
+                <a:ext uri="{FF2B5EF4-FFF2-40B4-BE49-F238E27FC236}">
+                  <a16:creationId xmlns:a16="http://schemas.microsoft.com/office/drawing/2014/main" id="{EBB8A1B6-2BC0-1948-B27E-65DE8A71EE9F}"/>
+                </a:ext>
+              </a:extLst>
+            </p:cNvPr>
+            <p:cNvSpPr txBox="1"/>
+            <p:nvPr/>
+          </p:nvSpPr>
+          <p:spPr>
+            <a:xfrm>
+              <a:off x="4938396" y="4560667"/>
+              <a:ext cx="1631624" cy="646331"/>
+            </a:xfrm>
+            <a:prstGeom prst="rect">
+              <a:avLst/>
+            </a:prstGeom>
+            <a:solidFill>
+              <a:schemeClr val="bg1"/>
+            </a:solidFill>
+          </p:spPr>
+          <p:txBody>
+            <a:bodyPr wrap="square" rtlCol="0">
+              <a:spAutoFit/>
+            </a:bodyPr>
+            <a:lstStyle/>
+            <a:p>
+              <a:pPr algn="ctr"/>
+              <a:r>
+                <a:rPr lang="en-US" sz="1200" b="1" dirty="0">
+                  <a:solidFill>
+                    <a:schemeClr val="accent1">
+                      <a:lumMod val="75000"/>
+                    </a:schemeClr>
+                  </a:solidFill>
+                </a:rPr>
+                <a:t>COLLECT CUSTOMER DATA FROM</a:t>
+              </a:r>
+            </a:p>
+            <a:p>
+              <a:pPr algn="ctr"/>
+              <a:r>
+                <a:rPr lang="en-US" sz="1200" b="1" dirty="0">
+                  <a:solidFill>
+                    <a:schemeClr val="accent1">
+                      <a:lumMod val="75000"/>
+                    </a:schemeClr>
+                  </a:solidFill>
+                </a:rPr>
+                <a:t>LOYALTY CARDS</a:t>
+              </a:r>
+            </a:p>
+          </p:txBody>
+        </p:sp>
+        <p:sp>
+          <p:nvSpPr>
+            <p:cNvPr id="36" name="TextBox 35">
+              <a:extLst>
+                <a:ext uri="{FF2B5EF4-FFF2-40B4-BE49-F238E27FC236}">
+                  <a16:creationId xmlns:a16="http://schemas.microsoft.com/office/drawing/2014/main" id="{D3C037DA-A9F7-C441-B3EB-76E91F555394}"/>
+                </a:ext>
+              </a:extLst>
+            </p:cNvPr>
+            <p:cNvSpPr txBox="1"/>
+            <p:nvPr/>
+          </p:nvSpPr>
+          <p:spPr>
+            <a:xfrm>
+              <a:off x="6982546" y="4573808"/>
+              <a:ext cx="2877256" cy="1046440"/>
+            </a:xfrm>
+            <a:prstGeom prst="rect">
+              <a:avLst/>
+            </a:prstGeom>
+            <a:solidFill>
+              <a:schemeClr val="bg1"/>
+            </a:solidFill>
+          </p:spPr>
+          <p:txBody>
+            <a:bodyPr wrap="square" rtlCol="0">
+              <a:spAutoFit/>
+            </a:bodyPr>
+            <a:lstStyle/>
+            <a:p>
+              <a:pPr algn="ctr"/>
+              <a:r>
+                <a:rPr lang="en-US" sz="1200" b="1" dirty="0">
+                  <a:solidFill>
+                    <a:schemeClr val="accent1">
+                      <a:lumMod val="75000"/>
+                    </a:schemeClr>
+                  </a:solidFill>
+                </a:rPr>
+                <a:t>SEND CUSTOMERS </a:t>
+              </a:r>
+            </a:p>
+            <a:p>
+              <a:pPr algn="ctr"/>
+              <a:r>
+                <a:rPr lang="en-US" sz="1200" b="1" dirty="0">
+                  <a:solidFill>
+                    <a:schemeClr val="accent1">
+                      <a:lumMod val="75000"/>
+                    </a:schemeClr>
+                  </a:solidFill>
+                </a:rPr>
+                <a:t>DISCOUNT COUPONS</a:t>
+              </a:r>
+            </a:p>
+            <a:p>
+              <a:pPr algn="ctr"/>
+              <a:endParaRPr lang="en-US" sz="1200" b="1" dirty="0">
+                <a:solidFill>
+                  <a:schemeClr val="accent1">
+                    <a:lumMod val="75000"/>
+                  </a:schemeClr>
+                </a:solidFill>
+              </a:endParaRPr>
+            </a:p>
+            <a:p>
+              <a:pPr algn="ctr"/>
+              <a:r>
+                <a:rPr lang="en-AU" sz="1400" b="1" dirty="0">
+                  <a:solidFill>
+                    <a:schemeClr val="accent1">
+                      <a:lumMod val="75000"/>
+                    </a:schemeClr>
+                  </a:solidFill>
+                  <a:latin typeface="Arial" panose="020B0604020202020204" pitchFamily="34" charset="0"/>
+                  <a:ea typeface="Arial" panose="020B0604020202020204" pitchFamily="34" charset="0"/>
+                </a:rPr>
+                <a:t>(1.6 million coupons in 2019)</a:t>
+              </a:r>
+            </a:p>
+            <a:p>
+              <a:pPr algn="ctr"/>
+              <a:endParaRPr lang="en-US" sz="1200" b="1" dirty="0">
+                <a:solidFill>
+                  <a:schemeClr val="accent1">
+                    <a:lumMod val="75000"/>
+                  </a:schemeClr>
+                </a:solidFill>
+              </a:endParaRPr>
+            </a:p>
+          </p:txBody>
+        </p:sp>
+        <p:sp>
+          <p:nvSpPr>
+            <p:cNvPr id="37" name="TextBox 36">
+              <a:extLst>
+                <a:ext uri="{FF2B5EF4-FFF2-40B4-BE49-F238E27FC236}">
+                  <a16:creationId xmlns:a16="http://schemas.microsoft.com/office/drawing/2014/main" id="{909D9E31-A9D3-724F-8418-6F16775ECD01}"/>
+                </a:ext>
+              </a:extLst>
+            </p:cNvPr>
+            <p:cNvSpPr txBox="1"/>
+            <p:nvPr/>
+          </p:nvSpPr>
+          <p:spPr>
+            <a:xfrm>
+              <a:off x="9930555" y="4553481"/>
+              <a:ext cx="1888755" cy="646331"/>
+            </a:xfrm>
+            <a:prstGeom prst="rect">
+              <a:avLst/>
+            </a:prstGeom>
+            <a:solidFill>
+              <a:schemeClr val="bg1"/>
+            </a:solidFill>
+          </p:spPr>
+          <p:txBody>
+            <a:bodyPr wrap="square" rtlCol="0">
+              <a:spAutoFit/>
+            </a:bodyPr>
+            <a:lstStyle/>
+            <a:p>
+              <a:pPr algn="ctr"/>
+              <a:r>
+                <a:rPr lang="en-US" sz="1200" b="1" dirty="0">
+                  <a:solidFill>
+                    <a:schemeClr val="accent1">
+                      <a:lumMod val="75000"/>
+                    </a:schemeClr>
+                  </a:solidFill>
+                </a:rPr>
+                <a:t>CUSTOMERS GO SHOPPING REDEEMING COUPONS</a:t>
+              </a:r>
+            </a:p>
+          </p:txBody>
+        </p:sp>
+        <p:cxnSp>
+          <p:nvCxnSpPr>
+            <p:cNvPr id="38" name="Straight Arrow Connector 37">
+              <a:extLst>
+                <a:ext uri="{FF2B5EF4-FFF2-40B4-BE49-F238E27FC236}">
+                  <a16:creationId xmlns:a16="http://schemas.microsoft.com/office/drawing/2014/main" id="{E5D419BD-D45B-B849-B238-8E5F8202D6B8}"/>
+                </a:ext>
+              </a:extLst>
+            </p:cNvPr>
+            <p:cNvCxnSpPr>
+              <a:cxnSpLocks/>
+            </p:cNvCxnSpPr>
+            <p:nvPr/>
+          </p:nvCxnSpPr>
+          <p:spPr>
+            <a:xfrm flipV="1">
+              <a:off x="5760533" y="5206998"/>
+              <a:ext cx="0" cy="546013"/>
+            </a:xfrm>
+            <a:prstGeom prst="straightConnector1">
+              <a:avLst/>
+            </a:prstGeom>
+            <a:ln w="38100" cap="flat" cmpd="sng" algn="ctr">
+              <a:solidFill>
+                <a:schemeClr val="accent5">
+                  <a:lumMod val="75000"/>
+                </a:schemeClr>
+              </a:solidFill>
+              <a:prstDash val="sysDash"/>
+              <a:round/>
+              <a:headEnd type="none" w="med" len="med"/>
+              <a:tailEnd type="arrow" w="med" len="med"/>
+            </a:ln>
+          </p:spPr>
+          <p:style>
+            <a:lnRef idx="0">
+              <a:scrgbClr r="0" g="0" b="0"/>
+            </a:lnRef>
+            <a:fillRef idx="0">
+              <a:scrgbClr r="0" g="0" b="0"/>
+            </a:fillRef>
+            <a:effectRef idx="0">
+              <a:scrgbClr r="0" g="0" b="0"/>
+            </a:effectRef>
+            <a:fontRef idx="minor">
+              <a:schemeClr val="tx1"/>
+            </a:fontRef>
+          </p:style>
+        </p:cxnSp>
+        <p:cxnSp>
+          <p:nvCxnSpPr>
+            <p:cNvPr id="39" name="Straight Connector 38">
+              <a:extLst>
+                <a:ext uri="{FF2B5EF4-FFF2-40B4-BE49-F238E27FC236}">
+                  <a16:creationId xmlns:a16="http://schemas.microsoft.com/office/drawing/2014/main" id="{42A99E92-C3AB-0146-ADE4-32D50FECC7FF}"/>
+                </a:ext>
+              </a:extLst>
+            </p:cNvPr>
+            <p:cNvCxnSpPr>
+              <a:cxnSpLocks/>
+            </p:cNvCxnSpPr>
+            <p:nvPr/>
+          </p:nvCxnSpPr>
+          <p:spPr>
+            <a:xfrm>
+              <a:off x="5754208" y="5811290"/>
+              <a:ext cx="5295613" cy="0"/>
+            </a:xfrm>
+            <a:prstGeom prst="line">
+              <a:avLst/>
+            </a:prstGeom>
+            <a:ln w="38100">
+              <a:solidFill>
+                <a:schemeClr val="accent5">
+                  <a:lumMod val="75000"/>
+                </a:schemeClr>
+              </a:solidFill>
+              <a:prstDash val="sysDash"/>
+            </a:ln>
+          </p:spPr>
+          <p:style>
+            <a:lnRef idx="1">
+              <a:schemeClr val="accent1"/>
+            </a:lnRef>
+            <a:fillRef idx="0">
+              <a:schemeClr val="accent1"/>
+            </a:fillRef>
+            <a:effectRef idx="0">
+              <a:schemeClr val="accent1"/>
+            </a:effectRef>
+            <a:fontRef idx="minor">
+              <a:schemeClr val="tx1"/>
+            </a:fontRef>
+          </p:style>
+        </p:cxnSp>
+        <p:cxnSp>
+          <p:nvCxnSpPr>
+            <p:cNvPr id="40" name="Straight Connector 39">
+              <a:extLst>
+                <a:ext uri="{FF2B5EF4-FFF2-40B4-BE49-F238E27FC236}">
+                  <a16:creationId xmlns:a16="http://schemas.microsoft.com/office/drawing/2014/main" id="{C3134428-46A7-5E43-9C88-2A68565B0D49}"/>
+                </a:ext>
+              </a:extLst>
+            </p:cNvPr>
+            <p:cNvCxnSpPr>
+              <a:cxnSpLocks/>
+            </p:cNvCxnSpPr>
+            <p:nvPr/>
+          </p:nvCxnSpPr>
+          <p:spPr>
+            <a:xfrm>
+              <a:off x="11049821" y="5260775"/>
+              <a:ext cx="0" cy="550515"/>
+            </a:xfrm>
+            <a:prstGeom prst="line">
+              <a:avLst/>
+            </a:prstGeom>
+            <a:ln w="38100" cmpd="sng">
+              <a:solidFill>
+                <a:schemeClr val="accent5">
+                  <a:lumMod val="75000"/>
+                </a:schemeClr>
+              </a:solidFill>
+              <a:prstDash val="sysDash"/>
+            </a:ln>
+          </p:spPr>
+          <p:style>
+            <a:lnRef idx="1">
+              <a:schemeClr val="accent1"/>
+            </a:lnRef>
+            <a:fillRef idx="0">
+              <a:schemeClr val="accent1"/>
+            </a:fillRef>
+            <a:effectRef idx="0">
+              <a:schemeClr val="accent1"/>
+            </a:effectRef>
+            <a:fontRef idx="minor">
+              <a:schemeClr val="tx1"/>
+            </a:fontRef>
+          </p:style>
+        </p:cxnSp>
+        <p:sp>
+          <p:nvSpPr>
+            <p:cNvPr id="19" name="Rectangle 18">
+              <a:extLst>
+                <a:ext uri="{FF2B5EF4-FFF2-40B4-BE49-F238E27FC236}">
+                  <a16:creationId xmlns:a16="http://schemas.microsoft.com/office/drawing/2014/main" id="{DAA2C83D-0D61-554E-B9A5-B626DB297F24}"/>
+                </a:ext>
+              </a:extLst>
+            </p:cNvPr>
+            <p:cNvSpPr/>
+            <p:nvPr/>
+          </p:nvSpPr>
+          <p:spPr>
+            <a:xfrm>
+              <a:off x="5433345" y="1960460"/>
+              <a:ext cx="5295613" cy="520079"/>
+            </a:xfrm>
+            <a:prstGeom prst="rect">
+              <a:avLst/>
+            </a:prstGeom>
+          </p:spPr>
+          <p:txBody>
+            <a:bodyPr wrap="square">
+              <a:spAutoFit/>
+            </a:bodyPr>
+            <a:lstStyle/>
+            <a:p>
+              <a:pPr algn="ctr" fontAlgn="base">
+                <a:lnSpc>
+                  <a:spcPct val="160000"/>
+                </a:lnSpc>
+                <a:spcAft>
+                  <a:spcPts val="600"/>
+                </a:spcAft>
+              </a:pPr>
+              <a:r>
+                <a:rPr lang="en-GB" sz="2000" b="1" dirty="0">
+                  <a:solidFill>
+                    <a:schemeClr val="accent1">
+                      <a:lumMod val="75000"/>
+                    </a:schemeClr>
+                  </a:solidFill>
+                  <a:latin typeface="Arial" panose="020B0604020202020204" pitchFamily="34" charset="0"/>
+                </a:rPr>
+                <a:t>DIRECT MARKETING PROCESS</a:t>
+              </a:r>
+            </a:p>
+          </p:txBody>
+        </p:sp>
+        <p:sp>
+          <p:nvSpPr>
+            <p:cNvPr id="3" name="Right Arrow 2">
+              <a:extLst>
+                <a:ext uri="{FF2B5EF4-FFF2-40B4-BE49-F238E27FC236}">
+                  <a16:creationId xmlns:a16="http://schemas.microsoft.com/office/drawing/2014/main" id="{381C9B92-3F87-EC4C-85B7-34138BEB48DC}"/>
+                </a:ext>
+              </a:extLst>
+            </p:cNvPr>
+            <p:cNvSpPr/>
+            <p:nvPr/>
+          </p:nvSpPr>
+          <p:spPr>
+            <a:xfrm>
+              <a:off x="4253041" y="3632333"/>
+              <a:ext cx="466135" cy="331121"/>
+            </a:xfrm>
+            <a:prstGeom prst="rightArrow">
+              <a:avLst/>
+            </a:prstGeom>
             <a:solidFill>
               <a:schemeClr val="accent5">
                 <a:lumMod val="75000"/>
               </a:schemeClr>
             </a:solidFill>
-          </a:ln>
-        </p:spPr>
-        <p:style>
-          <a:lnRef idx="2">
-            <a:schemeClr val="accent1">
-              <a:shade val="50000"/>
-            </a:schemeClr>
-          </a:lnRef>
-          <a:fillRef idx="1">
-            <a:schemeClr val="accent1"/>
-          </a:fillRef>
-          <a:effectRef idx="0">
-            <a:schemeClr val="accent1"/>
-          </a:effectRef>
-          <a:fontRef idx="minor">
-            <a:schemeClr val="lt1"/>
-          </a:fontRef>
-        </p:style>
-        <p:txBody>
-          <a:bodyPr rtlCol="0" anchor="ctr"/>
-          <a:lstStyle/>
-          <a:p>
-            <a:pPr algn="ctr"/>
-            <a:endParaRPr lang="en-US" dirty="0">
+            <a:ln>
               <a:solidFill>
-                <a:sysClr val="windowText" lastClr="000000"/>
+                <a:schemeClr val="accent5">
+                  <a:lumMod val="75000"/>
+                </a:schemeClr>
               </a:solidFill>
-            </a:endParaRPr>
-          </a:p>
-        </p:txBody>
-      </p:sp>
-      <p:pic>
-        <p:nvPicPr>
-          <p:cNvPr id="5" name="Picture 4" descr="A person holding a book&#10;&#10;Description automatically generated with low confidence">
-            <a:extLst>
-              <a:ext uri="{FF2B5EF4-FFF2-40B4-BE49-F238E27FC236}">
-                <a16:creationId xmlns:a16="http://schemas.microsoft.com/office/drawing/2014/main" id="{53EF6E86-912B-3B4B-A15C-876C0E27D725}"/>
-              </a:ext>
-            </a:extLst>
-          </p:cNvPr>
-          <p:cNvPicPr>
-            <a:picLocks noChangeAspect="1"/>
-          </p:cNvPicPr>
-          <p:nvPr/>
-        </p:nvPicPr>
-        <p:blipFill>
-          <a:blip r:embed="rId6"/>
-          <a:stretch>
-            <a:fillRect/>
-          </a:stretch>
-        </p:blipFill>
-        <p:spPr>
-          <a:xfrm>
-            <a:off x="7371833" y="2698915"/>
-            <a:ext cx="1955840" cy="1884284"/>
-          </a:xfrm>
-          <a:prstGeom prst="rect">
-            <a:avLst/>
-          </a:prstGeom>
-        </p:spPr>
-      </p:pic>
-      <p:pic>
-        <p:nvPicPr>
-          <p:cNvPr id="8" name="Picture 7" descr="A picture containing person, indoor&#10;&#10;Description automatically generated">
-            <a:extLst>
-              <a:ext uri="{FF2B5EF4-FFF2-40B4-BE49-F238E27FC236}">
-                <a16:creationId xmlns:a16="http://schemas.microsoft.com/office/drawing/2014/main" id="{90A2C788-B369-6E45-8353-7DD5EE715AFF}"/>
-              </a:ext>
-            </a:extLst>
-          </p:cNvPr>
-          <p:cNvPicPr>
-            <a:picLocks noChangeAspect="1"/>
-          </p:cNvPicPr>
-          <p:nvPr/>
-        </p:nvPicPr>
-        <p:blipFill>
-          <a:blip r:embed="rId7"/>
-          <a:stretch>
-            <a:fillRect/>
-          </a:stretch>
-        </p:blipFill>
-        <p:spPr>
-          <a:xfrm>
-            <a:off x="4849748" y="2766513"/>
-            <a:ext cx="1808920" cy="1794153"/>
-          </a:xfrm>
-          <a:prstGeom prst="rect">
-            <a:avLst/>
-          </a:prstGeom>
-        </p:spPr>
-      </p:pic>
-      <p:sp>
-        <p:nvSpPr>
-          <p:cNvPr id="23" name="Right Arrow 22">
-            <a:extLst>
-              <a:ext uri="{FF2B5EF4-FFF2-40B4-BE49-F238E27FC236}">
-                <a16:creationId xmlns:a16="http://schemas.microsoft.com/office/drawing/2014/main" id="{E4E8F354-1B8C-104A-AFC3-98DA2D01C2CE}"/>
-              </a:ext>
-            </a:extLst>
-          </p:cNvPr>
-          <p:cNvSpPr/>
-          <p:nvPr/>
-        </p:nvSpPr>
-        <p:spPr>
-          <a:xfrm>
-            <a:off x="9393667" y="3475497"/>
-            <a:ext cx="466135" cy="331121"/>
-          </a:xfrm>
-          <a:prstGeom prst="rightArrow">
-            <a:avLst/>
-          </a:prstGeom>
-          <a:solidFill>
-            <a:schemeClr val="accent5">
-              <a:lumMod val="75000"/>
-            </a:schemeClr>
-          </a:solidFill>
-          <a:ln>
+            </a:ln>
+          </p:spPr>
+          <p:style>
+            <a:lnRef idx="2">
+              <a:schemeClr val="accent1">
+                <a:shade val="50000"/>
+              </a:schemeClr>
+            </a:lnRef>
+            <a:fillRef idx="1">
+              <a:schemeClr val="accent1"/>
+            </a:fillRef>
+            <a:effectRef idx="0">
+              <a:schemeClr val="accent1"/>
+            </a:effectRef>
+            <a:fontRef idx="minor">
+              <a:schemeClr val="lt1"/>
+            </a:fontRef>
+          </p:style>
+          <p:txBody>
+            <a:bodyPr rtlCol="0" anchor="ctr"/>
+            <a:lstStyle/>
+            <a:p>
+              <a:pPr algn="ctr"/>
+              <a:endParaRPr lang="en-US" dirty="0">
+                <a:solidFill>
+                  <a:sysClr val="windowText" lastClr="000000"/>
+                </a:solidFill>
+              </a:endParaRPr>
+            </a:p>
+          </p:txBody>
+        </p:sp>
+        <p:pic>
+          <p:nvPicPr>
+            <p:cNvPr id="5" name="Picture 4" descr="A person holding a book&#10;&#10;Description automatically generated with low confidence">
+              <a:extLst>
+                <a:ext uri="{FF2B5EF4-FFF2-40B4-BE49-F238E27FC236}">
+                  <a16:creationId xmlns:a16="http://schemas.microsoft.com/office/drawing/2014/main" id="{53EF6E86-912B-3B4B-A15C-876C0E27D725}"/>
+                </a:ext>
+              </a:extLst>
+            </p:cNvPr>
+            <p:cNvPicPr>
+              <a:picLocks noChangeAspect="1"/>
+            </p:cNvPicPr>
+            <p:nvPr/>
+          </p:nvPicPr>
+          <p:blipFill>
+            <a:blip r:embed="rId6"/>
+            <a:stretch>
+              <a:fillRect/>
+            </a:stretch>
+          </p:blipFill>
+          <p:spPr>
+            <a:xfrm>
+              <a:off x="7371833" y="2698915"/>
+              <a:ext cx="1955840" cy="1884284"/>
+            </a:xfrm>
+            <a:prstGeom prst="rect">
+              <a:avLst/>
+            </a:prstGeom>
+          </p:spPr>
+        </p:pic>
+        <p:pic>
+          <p:nvPicPr>
+            <p:cNvPr id="8" name="Picture 7" descr="A picture containing person, indoor&#10;&#10;Description automatically generated">
+              <a:extLst>
+                <a:ext uri="{FF2B5EF4-FFF2-40B4-BE49-F238E27FC236}">
+                  <a16:creationId xmlns:a16="http://schemas.microsoft.com/office/drawing/2014/main" id="{90A2C788-B369-6E45-8353-7DD5EE715AFF}"/>
+                </a:ext>
+              </a:extLst>
+            </p:cNvPr>
+            <p:cNvPicPr>
+              <a:picLocks noChangeAspect="1"/>
+            </p:cNvPicPr>
+            <p:nvPr/>
+          </p:nvPicPr>
+          <p:blipFill>
+            <a:blip r:embed="rId7"/>
+            <a:stretch>
+              <a:fillRect/>
+            </a:stretch>
+          </p:blipFill>
+          <p:spPr>
+            <a:xfrm>
+              <a:off x="4849748" y="2766513"/>
+              <a:ext cx="1808920" cy="1794153"/>
+            </a:xfrm>
+            <a:prstGeom prst="rect">
+              <a:avLst/>
+            </a:prstGeom>
+          </p:spPr>
+        </p:pic>
+        <p:sp>
+          <p:nvSpPr>
+            <p:cNvPr id="23" name="Right Arrow 22">
+              <a:extLst>
+                <a:ext uri="{FF2B5EF4-FFF2-40B4-BE49-F238E27FC236}">
+                  <a16:creationId xmlns:a16="http://schemas.microsoft.com/office/drawing/2014/main" id="{E4E8F354-1B8C-104A-AFC3-98DA2D01C2CE}"/>
+                </a:ext>
+              </a:extLst>
+            </p:cNvPr>
+            <p:cNvSpPr/>
+            <p:nvPr/>
+          </p:nvSpPr>
+          <p:spPr>
+            <a:xfrm>
+              <a:off x="9393667" y="3475497"/>
+              <a:ext cx="466135" cy="331121"/>
+            </a:xfrm>
+            <a:prstGeom prst="rightArrow">
+              <a:avLst/>
+            </a:prstGeom>
             <a:solidFill>
               <a:schemeClr val="accent5">
                 <a:lumMod val="75000"/>
               </a:schemeClr>
             </a:solidFill>
-          </a:ln>
-        </p:spPr>
-        <p:style>
-          <a:lnRef idx="2">
-            <a:schemeClr val="accent1">
-              <a:shade val="50000"/>
-            </a:schemeClr>
-          </a:lnRef>
-          <a:fillRef idx="1">
-            <a:schemeClr val="accent1"/>
-          </a:fillRef>
-          <a:effectRef idx="0">
-            <a:schemeClr val="accent1"/>
-          </a:effectRef>
-          <a:fontRef idx="minor">
-            <a:schemeClr val="lt1"/>
-          </a:fontRef>
-        </p:style>
-        <p:txBody>
-          <a:bodyPr rtlCol="0" anchor="ctr"/>
-          <a:lstStyle/>
-          <a:p>
-            <a:pPr algn="ctr"/>
-            <a:endParaRPr lang="en-US" dirty="0">
+            <a:ln>
               <a:solidFill>
-                <a:sysClr val="windowText" lastClr="000000"/>
+                <a:schemeClr val="accent5">
+                  <a:lumMod val="75000"/>
+                </a:schemeClr>
               </a:solidFill>
-            </a:endParaRPr>
-          </a:p>
-        </p:txBody>
-      </p:sp>
-      <p:sp>
-        <p:nvSpPr>
-          <p:cNvPr id="24" name="Right Arrow 23">
-            <a:extLst>
-              <a:ext uri="{FF2B5EF4-FFF2-40B4-BE49-F238E27FC236}">
-                <a16:creationId xmlns:a16="http://schemas.microsoft.com/office/drawing/2014/main" id="{A9D811E6-4493-FE47-ABB1-BBB4018E240E}"/>
-              </a:ext>
-            </a:extLst>
-          </p:cNvPr>
-          <p:cNvSpPr/>
-          <p:nvPr/>
-        </p:nvSpPr>
-        <p:spPr>
-          <a:xfrm>
-            <a:off x="6869907" y="3537816"/>
-            <a:ext cx="466135" cy="331121"/>
-          </a:xfrm>
-          <a:prstGeom prst="rightArrow">
-            <a:avLst/>
-          </a:prstGeom>
-          <a:solidFill>
-            <a:schemeClr val="accent5">
-              <a:lumMod val="75000"/>
-            </a:schemeClr>
-          </a:solidFill>
-          <a:ln>
+            </a:ln>
+          </p:spPr>
+          <p:style>
+            <a:lnRef idx="2">
+              <a:schemeClr val="accent1">
+                <a:shade val="50000"/>
+              </a:schemeClr>
+            </a:lnRef>
+            <a:fillRef idx="1">
+              <a:schemeClr val="accent1"/>
+            </a:fillRef>
+            <a:effectRef idx="0">
+              <a:schemeClr val="accent1"/>
+            </a:effectRef>
+            <a:fontRef idx="minor">
+              <a:schemeClr val="lt1"/>
+            </a:fontRef>
+          </p:style>
+          <p:txBody>
+            <a:bodyPr rtlCol="0" anchor="ctr"/>
+            <a:lstStyle/>
+            <a:p>
+              <a:pPr algn="ctr"/>
+              <a:endParaRPr lang="en-US" dirty="0">
+                <a:solidFill>
+                  <a:sysClr val="windowText" lastClr="000000"/>
+                </a:solidFill>
+              </a:endParaRPr>
+            </a:p>
+          </p:txBody>
+        </p:sp>
+        <p:sp>
+          <p:nvSpPr>
+            <p:cNvPr id="24" name="Right Arrow 23">
+              <a:extLst>
+                <a:ext uri="{FF2B5EF4-FFF2-40B4-BE49-F238E27FC236}">
+                  <a16:creationId xmlns:a16="http://schemas.microsoft.com/office/drawing/2014/main" id="{A9D811E6-4493-FE47-ABB1-BBB4018E240E}"/>
+                </a:ext>
+              </a:extLst>
+            </p:cNvPr>
+            <p:cNvSpPr/>
+            <p:nvPr/>
+          </p:nvSpPr>
+          <p:spPr>
+            <a:xfrm>
+              <a:off x="6869907" y="3537816"/>
+              <a:ext cx="466135" cy="331121"/>
+            </a:xfrm>
+            <a:prstGeom prst="rightArrow">
+              <a:avLst/>
+            </a:prstGeom>
             <a:solidFill>
               <a:schemeClr val="accent5">
                 <a:lumMod val="75000"/>
               </a:schemeClr>
             </a:solidFill>
-          </a:ln>
-        </p:spPr>
-        <p:style>
-          <a:lnRef idx="2">
-            <a:schemeClr val="accent1">
-              <a:shade val="50000"/>
-            </a:schemeClr>
-          </a:lnRef>
-          <a:fillRef idx="1">
-            <a:schemeClr val="accent1"/>
-          </a:fillRef>
-          <a:effectRef idx="0">
-            <a:schemeClr val="accent1"/>
-          </a:effectRef>
-          <a:fontRef idx="minor">
-            <a:schemeClr val="lt1"/>
-          </a:fontRef>
-        </p:style>
-        <p:txBody>
-          <a:bodyPr rtlCol="0" anchor="ctr"/>
-          <a:lstStyle/>
-          <a:p>
-            <a:pPr algn="ctr"/>
-            <a:endParaRPr lang="en-US" dirty="0">
+            <a:ln>
               <a:solidFill>
-                <a:sysClr val="windowText" lastClr="000000"/>
+                <a:schemeClr val="accent5">
+                  <a:lumMod val="75000"/>
+                </a:schemeClr>
               </a:solidFill>
-            </a:endParaRPr>
-          </a:p>
-        </p:txBody>
-      </p:sp>
+            </a:ln>
+          </p:spPr>
+          <p:style>
+            <a:lnRef idx="2">
+              <a:schemeClr val="accent1">
+                <a:shade val="50000"/>
+              </a:schemeClr>
+            </a:lnRef>
+            <a:fillRef idx="1">
+              <a:schemeClr val="accent1"/>
+            </a:fillRef>
+            <a:effectRef idx="0">
+              <a:schemeClr val="accent1"/>
+            </a:effectRef>
+            <a:fontRef idx="minor">
+              <a:schemeClr val="lt1"/>
+            </a:fontRef>
+          </p:style>
+          <p:txBody>
+            <a:bodyPr rtlCol="0" anchor="ctr"/>
+            <a:lstStyle/>
+            <a:p>
+              <a:pPr algn="ctr"/>
+              <a:endParaRPr lang="en-US" dirty="0">
+                <a:solidFill>
+                  <a:sysClr val="windowText" lastClr="000000"/>
+                </a:solidFill>
+              </a:endParaRPr>
+            </a:p>
+          </p:txBody>
+        </p:sp>
+      </p:grpSp>
     </p:spTree>
     <p:extLst>
       <p:ext uri="{BB962C8B-B14F-4D97-AF65-F5344CB8AC3E}">
@@ -21661,7 +21155,7 @@
                             </p:stCondLst>
                             <p:childTnLst>
                               <p:par>
-                                <p:cTn id="5" presetID="1" presetClass="entr" presetSubtype="0" fill="hold" grpId="0" nodeType="clickEffect">
+                                <p:cTn id="5" presetID="1" presetClass="entr" presetSubtype="0" fill="hold" nodeType="clickEffect">
                                   <p:stCondLst>
                                     <p:cond delay="0"/>
                                   </p:stCondLst>
@@ -21669,51 +21163,6 @@
                                     <p:set>
                                       <p:cBhvr>
                                         <p:cTn id="6" dur="1" fill="hold">
-                                          <p:stCondLst>
-                                            <p:cond delay="0"/>
-                                          </p:stCondLst>
-                                        </p:cTn>
-                                        <p:tgtEl>
-                                          <p:spTgt spid="32"/>
-                                        </p:tgtEl>
-                                        <p:attrNameLst>
-                                          <p:attrName>style.visibility</p:attrName>
-                                        </p:attrNameLst>
-                                      </p:cBhvr>
-                                      <p:to>
-                                        <p:strVal val="visible"/>
-                                      </p:to>
-                                    </p:set>
-                                  </p:childTnLst>
-                                </p:cTn>
-                              </p:par>
-                            </p:childTnLst>
-                          </p:cTn>
-                        </p:par>
-                      </p:childTnLst>
-                    </p:cTn>
-                  </p:par>
-                  <p:par>
-                    <p:cTn id="7" fill="hold">
-                      <p:stCondLst>
-                        <p:cond delay="indefinite"/>
-                      </p:stCondLst>
-                      <p:childTnLst>
-                        <p:par>
-                          <p:cTn id="8" fill="hold">
-                            <p:stCondLst>
-                              <p:cond delay="0"/>
-                            </p:stCondLst>
-                            <p:childTnLst>
-                              <p:par>
-                                <p:cTn id="9" presetID="1" presetClass="entr" presetSubtype="0" fill="hold" nodeType="clickEffect">
-                                  <p:stCondLst>
-                                    <p:cond delay="0"/>
-                                  </p:stCondLst>
-                                  <p:childTnLst>
-                                    <p:set>
-                                      <p:cBhvr>
-                                        <p:cTn id="10" dur="1" fill="hold">
                                           <p:stCondLst>
                                             <p:cond delay="0"/>
                                           </p:stCondLst>
@@ -21749,14 +21198,14 @@
                                 </p:cTn>
                               </p:par>
                               <p:par>
-                                <p:cTn id="11" presetID="1" presetClass="entr" presetSubtype="0" fill="hold" grpId="0" nodeType="withEffect">
+                                <p:cTn id="7" presetID="1" presetClass="entr" presetSubtype="0" fill="hold" grpId="0" nodeType="withEffect">
                                   <p:stCondLst>
                                     <p:cond delay="0"/>
                                   </p:stCondLst>
                                   <p:childTnLst>
                                     <p:set>
                                       <p:cBhvr>
-                                        <p:cTn id="12" dur="1" fill="hold">
+                                        <p:cTn id="8" dur="1" fill="hold">
                                           <p:stCondLst>
                                             <p:cond delay="0"/>
                                           </p:stCondLst>
@@ -21798,26 +21247,26 @@
                     </p:cTn>
                   </p:par>
                   <p:par>
-                    <p:cTn id="13" fill="hold">
+                    <p:cTn id="9" fill="hold">
                       <p:stCondLst>
                         <p:cond delay="indefinite"/>
                       </p:stCondLst>
                       <p:childTnLst>
                         <p:par>
-                          <p:cTn id="14" fill="hold">
+                          <p:cTn id="10" fill="hold">
                             <p:stCondLst>
                               <p:cond delay="0"/>
                             </p:stCondLst>
                             <p:childTnLst>
                               <p:par>
-                                <p:cTn id="15" presetID="9" presetClass="exit" presetSubtype="0" fill="hold" grpId="1" nodeType="clickEffect">
+                                <p:cTn id="11" presetID="9" presetClass="exit" presetSubtype="0" fill="hold" grpId="1" nodeType="clickEffect">
                                   <p:stCondLst>
                                     <p:cond delay="0"/>
                                   </p:stCondLst>
                                   <p:childTnLst>
                                     <p:animEffect transition="out" filter="dissolve">
                                       <p:cBhvr>
-                                        <p:cTn id="16" dur="500"/>
+                                        <p:cTn id="12" dur="500"/>
                                         <p:tgtEl>
                                           <p:spTgt spid="32"/>
                                         </p:tgtEl>
@@ -21825,7 +21274,7 @@
                                     </p:animEffect>
                                     <p:set>
                                       <p:cBhvr>
-                                        <p:cTn id="17" dur="1" fill="hold">
+                                        <p:cTn id="13" dur="1" fill="hold">
                                           <p:stCondLst>
                                             <p:cond delay="499"/>
                                           </p:stCondLst>
@@ -21851,32 +21300,32 @@
                     </p:cTn>
                   </p:par>
                   <p:par>
-                    <p:cTn id="18" fill="hold">
+                    <p:cTn id="14" fill="hold">
                       <p:stCondLst>
                         <p:cond delay="indefinite"/>
                       </p:stCondLst>
                       <p:childTnLst>
                         <p:par>
-                          <p:cTn id="19" fill="hold">
+                          <p:cTn id="15" fill="hold">
                             <p:stCondLst>
                               <p:cond delay="0"/>
                             </p:stCondLst>
                             <p:childTnLst>
                               <p:par>
-                                <p:cTn id="20" presetID="9" presetClass="entr" presetSubtype="0" fill="hold" grpId="1" nodeType="clickEffect">
+                                <p:cTn id="16" presetID="1" presetClass="entr" presetSubtype="0" fill="hold" nodeType="clickEffect">
                                   <p:stCondLst>
                                     <p:cond delay="0"/>
                                   </p:stCondLst>
                                   <p:childTnLst>
                                     <p:set>
                                       <p:cBhvr>
-                                        <p:cTn id="21" dur="1" fill="hold">
+                                        <p:cTn id="17" dur="1" fill="hold">
                                           <p:stCondLst>
                                             <p:cond delay="0"/>
                                           </p:stCondLst>
                                         </p:cTn>
                                         <p:tgtEl>
-                                          <p:spTgt spid="19"/>
+                                          <p:spTgt spid="6"/>
                                         </p:tgtEl>
                                         <p:attrNameLst>
                                           <p:attrName>style.visibility</p:attrName>
@@ -21886,587 +21335,6 @@
                                         <p:strVal val="visible"/>
                                       </p:to>
                                     </p:set>
-                                    <p:animEffect transition="in" filter="dissolve">
-                                      <p:cBhvr>
-                                        <p:cTn id="22" dur="500"/>
-                                        <p:tgtEl>
-                                          <p:spTgt spid="19"/>
-                                        </p:tgtEl>
-                                      </p:cBhvr>
-                                    </p:animEffect>
-                                  </p:childTnLst>
-                                </p:cTn>
-                              </p:par>
-                            </p:childTnLst>
-                          </p:cTn>
-                        </p:par>
-                      </p:childTnLst>
-                    </p:cTn>
-                  </p:par>
-                  <p:par>
-                    <p:cTn id="23" fill="hold">
-                      <p:stCondLst>
-                        <p:cond delay="indefinite"/>
-                      </p:stCondLst>
-                      <p:childTnLst>
-                        <p:par>
-                          <p:cTn id="24" fill="hold">
-                            <p:stCondLst>
-                              <p:cond delay="0"/>
-                            </p:stCondLst>
-                            <p:childTnLst>
-                              <p:par>
-                                <p:cTn id="25" presetID="10" presetClass="entr" presetSubtype="0" fill="hold" nodeType="clickEffect">
-                                  <p:stCondLst>
-                                    <p:cond delay="0"/>
-                                  </p:stCondLst>
-                                  <p:childTnLst>
-                                    <p:set>
-                                      <p:cBhvr>
-                                        <p:cTn id="26" dur="1" fill="hold">
-                                          <p:stCondLst>
-                                            <p:cond delay="0"/>
-                                          </p:stCondLst>
-                                        </p:cTn>
-                                        <p:tgtEl>
-                                          <p:spTgt spid="8"/>
-                                        </p:tgtEl>
-                                        <p:attrNameLst>
-                                          <p:attrName>style.visibility</p:attrName>
-                                        </p:attrNameLst>
-                                      </p:cBhvr>
-                                      <p:to>
-                                        <p:strVal val="visible"/>
-                                      </p:to>
-                                    </p:set>
-                                    <p:animEffect transition="in" filter="fade">
-                                      <p:cBhvr>
-                                        <p:cTn id="27" dur="500"/>
-                                        <p:tgtEl>
-                                          <p:spTgt spid="8"/>
-                                        </p:tgtEl>
-                                      </p:cBhvr>
-                                    </p:animEffect>
-                                  </p:childTnLst>
-                                </p:cTn>
-                              </p:par>
-                              <p:par>
-                                <p:cTn id="28" presetID="10" presetClass="entr" presetSubtype="0" fill="hold" grpId="0" nodeType="withEffect">
-                                  <p:stCondLst>
-                                    <p:cond delay="0"/>
-                                  </p:stCondLst>
-                                  <p:childTnLst>
-                                    <p:set>
-                                      <p:cBhvr>
-                                        <p:cTn id="29" dur="1" fill="hold">
-                                          <p:stCondLst>
-                                            <p:cond delay="0"/>
-                                          </p:stCondLst>
-                                        </p:cTn>
-                                        <p:tgtEl>
-                                          <p:spTgt spid="30"/>
-                                        </p:tgtEl>
-                                        <p:attrNameLst>
-                                          <p:attrName>style.visibility</p:attrName>
-                                        </p:attrNameLst>
-                                      </p:cBhvr>
-                                      <p:to>
-                                        <p:strVal val="visible"/>
-                                      </p:to>
-                                    </p:set>
-                                    <p:animEffect transition="in" filter="fade">
-                                      <p:cBhvr>
-                                        <p:cTn id="30" dur="500"/>
-                                        <p:tgtEl>
-                                          <p:spTgt spid="30"/>
-                                        </p:tgtEl>
-                                      </p:cBhvr>
-                                    </p:animEffect>
-                                  </p:childTnLst>
-                                </p:cTn>
-                              </p:par>
-                              <p:par>
-                                <p:cTn id="31" presetID="10" presetClass="entr" presetSubtype="0" fill="hold" grpId="0" nodeType="withEffect">
-                                  <p:stCondLst>
-                                    <p:cond delay="0"/>
-                                  </p:stCondLst>
-                                  <p:childTnLst>
-                                    <p:set>
-                                      <p:cBhvr>
-                                        <p:cTn id="32" dur="1" fill="hold">
-                                          <p:stCondLst>
-                                            <p:cond delay="0"/>
-                                          </p:stCondLst>
-                                        </p:cTn>
-                                        <p:tgtEl>
-                                          <p:spTgt spid="35"/>
-                                        </p:tgtEl>
-                                        <p:attrNameLst>
-                                          <p:attrName>style.visibility</p:attrName>
-                                        </p:attrNameLst>
-                                      </p:cBhvr>
-                                      <p:to>
-                                        <p:strVal val="visible"/>
-                                      </p:to>
-                                    </p:set>
-                                    <p:animEffect transition="in" filter="fade">
-                                      <p:cBhvr>
-                                        <p:cTn id="33" dur="500"/>
-                                        <p:tgtEl>
-                                          <p:spTgt spid="35"/>
-                                        </p:tgtEl>
-                                      </p:cBhvr>
-                                    </p:animEffect>
-                                  </p:childTnLst>
-                                </p:cTn>
-                              </p:par>
-                              <p:par>
-                                <p:cTn id="34" presetID="10" presetClass="entr" presetSubtype="0" fill="hold" grpId="0" nodeType="withEffect">
-                                  <p:stCondLst>
-                                    <p:cond delay="0"/>
-                                  </p:stCondLst>
-                                  <p:childTnLst>
-                                    <p:set>
-                                      <p:cBhvr>
-                                        <p:cTn id="35" dur="1" fill="hold">
-                                          <p:stCondLst>
-                                            <p:cond delay="0"/>
-                                          </p:stCondLst>
-                                        </p:cTn>
-                                        <p:tgtEl>
-                                          <p:spTgt spid="3"/>
-                                        </p:tgtEl>
-                                        <p:attrNameLst>
-                                          <p:attrName>style.visibility</p:attrName>
-                                        </p:attrNameLst>
-                                      </p:cBhvr>
-                                      <p:to>
-                                        <p:strVal val="visible"/>
-                                      </p:to>
-                                    </p:set>
-                                    <p:animEffect transition="in" filter="fade">
-                                      <p:cBhvr>
-                                        <p:cTn id="36" dur="500"/>
-                                        <p:tgtEl>
-                                          <p:spTgt spid="3"/>
-                                        </p:tgtEl>
-                                      </p:cBhvr>
-                                    </p:animEffect>
-                                  </p:childTnLst>
-                                </p:cTn>
-                              </p:par>
-                            </p:childTnLst>
-                          </p:cTn>
-                        </p:par>
-                      </p:childTnLst>
-                    </p:cTn>
-                  </p:par>
-                  <p:par>
-                    <p:cTn id="37" fill="hold">
-                      <p:stCondLst>
-                        <p:cond delay="indefinite"/>
-                      </p:stCondLst>
-                      <p:childTnLst>
-                        <p:par>
-                          <p:cTn id="38" fill="hold">
-                            <p:stCondLst>
-                              <p:cond delay="0"/>
-                            </p:stCondLst>
-                            <p:childTnLst>
-                              <p:par>
-                                <p:cTn id="39" presetID="10" presetClass="entr" presetSubtype="0" fill="hold" grpId="0" nodeType="clickEffect">
-                                  <p:stCondLst>
-                                    <p:cond delay="0"/>
-                                  </p:stCondLst>
-                                  <p:childTnLst>
-                                    <p:set>
-                                      <p:cBhvr>
-                                        <p:cTn id="40" dur="1" fill="hold">
-                                          <p:stCondLst>
-                                            <p:cond delay="0"/>
-                                          </p:stCondLst>
-                                        </p:cTn>
-                                        <p:tgtEl>
-                                          <p:spTgt spid="24"/>
-                                        </p:tgtEl>
-                                        <p:attrNameLst>
-                                          <p:attrName>style.visibility</p:attrName>
-                                        </p:attrNameLst>
-                                      </p:cBhvr>
-                                      <p:to>
-                                        <p:strVal val="visible"/>
-                                      </p:to>
-                                    </p:set>
-                                    <p:animEffect transition="in" filter="fade">
-                                      <p:cBhvr>
-                                        <p:cTn id="41" dur="500"/>
-                                        <p:tgtEl>
-                                          <p:spTgt spid="24"/>
-                                        </p:tgtEl>
-                                      </p:cBhvr>
-                                    </p:animEffect>
-                                  </p:childTnLst>
-                                </p:cTn>
-                              </p:par>
-                              <p:par>
-                                <p:cTn id="42" presetID="10" presetClass="entr" presetSubtype="0" fill="hold" nodeType="withEffect">
-                                  <p:stCondLst>
-                                    <p:cond delay="0"/>
-                                  </p:stCondLst>
-                                  <p:childTnLst>
-                                    <p:set>
-                                      <p:cBhvr>
-                                        <p:cTn id="43" dur="1" fill="hold">
-                                          <p:stCondLst>
-                                            <p:cond delay="0"/>
-                                          </p:stCondLst>
-                                        </p:cTn>
-                                        <p:tgtEl>
-                                          <p:spTgt spid="5"/>
-                                        </p:tgtEl>
-                                        <p:attrNameLst>
-                                          <p:attrName>style.visibility</p:attrName>
-                                        </p:attrNameLst>
-                                      </p:cBhvr>
-                                      <p:to>
-                                        <p:strVal val="visible"/>
-                                      </p:to>
-                                    </p:set>
-                                    <p:animEffect transition="in" filter="fade">
-                                      <p:cBhvr>
-                                        <p:cTn id="44" dur="500"/>
-                                        <p:tgtEl>
-                                          <p:spTgt spid="5"/>
-                                        </p:tgtEl>
-                                      </p:cBhvr>
-                                    </p:animEffect>
-                                  </p:childTnLst>
-                                </p:cTn>
-                              </p:par>
-                              <p:par>
-                                <p:cTn id="45" presetID="10" presetClass="entr" presetSubtype="0" fill="hold" grpId="0" nodeType="withEffect">
-                                  <p:stCondLst>
-                                    <p:cond delay="0"/>
-                                  </p:stCondLst>
-                                  <p:childTnLst>
-                                    <p:set>
-                                      <p:cBhvr>
-                                        <p:cTn id="46" dur="1" fill="hold">
-                                          <p:stCondLst>
-                                            <p:cond delay="0"/>
-                                          </p:stCondLst>
-                                        </p:cTn>
-                                        <p:tgtEl>
-                                          <p:spTgt spid="36"/>
-                                        </p:tgtEl>
-                                        <p:attrNameLst>
-                                          <p:attrName>style.visibility</p:attrName>
-                                        </p:attrNameLst>
-                                      </p:cBhvr>
-                                      <p:to>
-                                        <p:strVal val="visible"/>
-                                      </p:to>
-                                    </p:set>
-                                    <p:animEffect transition="in" filter="fade">
-                                      <p:cBhvr>
-                                        <p:cTn id="47" dur="500"/>
-                                        <p:tgtEl>
-                                          <p:spTgt spid="36"/>
-                                        </p:tgtEl>
-                                      </p:cBhvr>
-                                    </p:animEffect>
-                                  </p:childTnLst>
-                                </p:cTn>
-                              </p:par>
-                            </p:childTnLst>
-                          </p:cTn>
-                        </p:par>
-                      </p:childTnLst>
-                    </p:cTn>
-                  </p:par>
-                  <p:par>
-                    <p:cTn id="48" fill="hold">
-                      <p:stCondLst>
-                        <p:cond delay="indefinite"/>
-                      </p:stCondLst>
-                      <p:childTnLst>
-                        <p:par>
-                          <p:cTn id="49" fill="hold">
-                            <p:stCondLst>
-                              <p:cond delay="0"/>
-                            </p:stCondLst>
-                            <p:childTnLst>
-                              <p:par>
-                                <p:cTn id="50" presetID="10" presetClass="entr" presetSubtype="0" fill="hold" grpId="0" nodeType="clickEffect">
-                                  <p:stCondLst>
-                                    <p:cond delay="0"/>
-                                  </p:stCondLst>
-                                  <p:childTnLst>
-                                    <p:set>
-                                      <p:cBhvr>
-                                        <p:cTn id="51" dur="1" fill="hold">
-                                          <p:stCondLst>
-                                            <p:cond delay="0"/>
-                                          </p:stCondLst>
-                                        </p:cTn>
-                                        <p:tgtEl>
-                                          <p:spTgt spid="23"/>
-                                        </p:tgtEl>
-                                        <p:attrNameLst>
-                                          <p:attrName>style.visibility</p:attrName>
-                                        </p:attrNameLst>
-                                      </p:cBhvr>
-                                      <p:to>
-                                        <p:strVal val="visible"/>
-                                      </p:to>
-                                    </p:set>
-                                    <p:animEffect transition="in" filter="fade">
-                                      <p:cBhvr>
-                                        <p:cTn id="52" dur="500"/>
-                                        <p:tgtEl>
-                                          <p:spTgt spid="23"/>
-                                        </p:tgtEl>
-                                      </p:cBhvr>
-                                    </p:animEffect>
-                                  </p:childTnLst>
-                                </p:cTn>
-                              </p:par>
-                              <p:par>
-                                <p:cTn id="53" presetID="10" presetClass="entr" presetSubtype="0" fill="hold" nodeType="withEffect">
-                                  <p:stCondLst>
-                                    <p:cond delay="0"/>
-                                  </p:stCondLst>
-                                  <p:childTnLst>
-                                    <p:set>
-                                      <p:cBhvr>
-                                        <p:cTn id="54" dur="1" fill="hold">
-                                          <p:stCondLst>
-                                            <p:cond delay="0"/>
-                                          </p:stCondLst>
-                                        </p:cTn>
-                                        <p:tgtEl>
-                                          <p:spTgt spid="34"/>
-                                        </p:tgtEl>
-                                        <p:attrNameLst>
-                                          <p:attrName>style.visibility</p:attrName>
-                                        </p:attrNameLst>
-                                      </p:cBhvr>
-                                      <p:to>
-                                        <p:strVal val="visible"/>
-                                      </p:to>
-                                    </p:set>
-                                    <p:animEffect transition="in" filter="fade">
-                                      <p:cBhvr>
-                                        <p:cTn id="55" dur="500"/>
-                                        <p:tgtEl>
-                                          <p:spTgt spid="34"/>
-                                        </p:tgtEl>
-                                      </p:cBhvr>
-                                    </p:animEffect>
-                                  </p:childTnLst>
-                                </p:cTn>
-                              </p:par>
-                              <p:par>
-                                <p:cTn id="56" presetID="10" presetClass="entr" presetSubtype="0" fill="hold" grpId="0" nodeType="withEffect">
-                                  <p:stCondLst>
-                                    <p:cond delay="0"/>
-                                  </p:stCondLst>
-                                  <p:childTnLst>
-                                    <p:set>
-                                      <p:cBhvr>
-                                        <p:cTn id="57" dur="1" fill="hold">
-                                          <p:stCondLst>
-                                            <p:cond delay="0"/>
-                                          </p:stCondLst>
-                                        </p:cTn>
-                                        <p:tgtEl>
-                                          <p:spTgt spid="37"/>
-                                        </p:tgtEl>
-                                        <p:attrNameLst>
-                                          <p:attrName>style.visibility</p:attrName>
-                                        </p:attrNameLst>
-                                      </p:cBhvr>
-                                      <p:to>
-                                        <p:strVal val="visible"/>
-                                      </p:to>
-                                    </p:set>
-                                    <p:animEffect transition="in" filter="fade">
-                                      <p:cBhvr>
-                                        <p:cTn id="58" dur="500"/>
-                                        <p:tgtEl>
-                                          <p:spTgt spid="37"/>
-                                        </p:tgtEl>
-                                      </p:cBhvr>
-                                    </p:animEffect>
-                                  </p:childTnLst>
-                                </p:cTn>
-                              </p:par>
-                            </p:childTnLst>
-                          </p:cTn>
-                        </p:par>
-                      </p:childTnLst>
-                    </p:cTn>
-                  </p:par>
-                  <p:par>
-                    <p:cTn id="59" fill="hold">
-                      <p:stCondLst>
-                        <p:cond delay="indefinite"/>
-                      </p:stCondLst>
-                      <p:childTnLst>
-                        <p:par>
-                          <p:cTn id="60" fill="hold">
-                            <p:stCondLst>
-                              <p:cond delay="0"/>
-                            </p:stCondLst>
-                            <p:childTnLst>
-                              <p:par>
-                                <p:cTn id="61" presetID="14" presetClass="entr" presetSubtype="10" fill="hold" nodeType="clickEffect">
-                                  <p:stCondLst>
-                                    <p:cond delay="0"/>
-                                  </p:stCondLst>
-                                  <p:childTnLst>
-                                    <p:set>
-                                      <p:cBhvr>
-                                        <p:cTn id="62" dur="1" fill="hold">
-                                          <p:stCondLst>
-                                            <p:cond delay="0"/>
-                                          </p:stCondLst>
-                                        </p:cTn>
-                                        <p:tgtEl>
-                                          <p:spTgt spid="40"/>
-                                        </p:tgtEl>
-                                        <p:attrNameLst>
-                                          <p:attrName>style.visibility</p:attrName>
-                                        </p:attrNameLst>
-                                      </p:cBhvr>
-                                      <p:to>
-                                        <p:strVal val="visible"/>
-                                      </p:to>
-                                    </p:set>
-                                    <p:animEffect transition="in" filter="randombar(horizontal)">
-                                      <p:cBhvr>
-                                        <p:cTn id="63" dur="500"/>
-                                        <p:tgtEl>
-                                          <p:spTgt spid="40"/>
-                                        </p:tgtEl>
-                                      </p:cBhvr>
-                                    </p:animEffect>
-                                  </p:childTnLst>
-                                </p:cTn>
-                              </p:par>
-                              <p:par>
-                                <p:cTn id="64" presetID="12" presetClass="entr" presetSubtype="4" fill="hold" nodeType="withEffect">
-                                  <p:stCondLst>
-                                    <p:cond delay="0"/>
-                                  </p:stCondLst>
-                                  <p:childTnLst>
-                                    <p:set>
-                                      <p:cBhvr>
-                                        <p:cTn id="65" dur="1" fill="hold">
-                                          <p:stCondLst>
-                                            <p:cond delay="0"/>
-                                          </p:stCondLst>
-                                        </p:cTn>
-                                        <p:tgtEl>
-                                          <p:spTgt spid="39"/>
-                                        </p:tgtEl>
-                                        <p:attrNameLst>
-                                          <p:attrName>style.visibility</p:attrName>
-                                        </p:attrNameLst>
-                                      </p:cBhvr>
-                                      <p:to>
-                                        <p:strVal val="visible"/>
-                                      </p:to>
-                                    </p:set>
-                                    <p:anim calcmode="lin" valueType="num">
-                                      <p:cBhvr additive="base">
-                                        <p:cTn id="66" dur="500"/>
-                                        <p:tgtEl>
-                                          <p:spTgt spid="39"/>
-                                        </p:tgtEl>
-                                        <p:attrNameLst>
-                                          <p:attrName>ppt_y</p:attrName>
-                                        </p:attrNameLst>
-                                      </p:cBhvr>
-                                      <p:tavLst>
-                                        <p:tav tm="0">
-                                          <p:val>
-                                            <p:strVal val="#ppt_y+#ppt_h*1.125000"/>
-                                          </p:val>
-                                        </p:tav>
-                                        <p:tav tm="100000">
-                                          <p:val>
-                                            <p:strVal val="#ppt_y"/>
-                                          </p:val>
-                                        </p:tav>
-                                      </p:tavLst>
-                                    </p:anim>
-                                    <p:animEffect transition="in" filter="wipe(up)">
-                                      <p:cBhvr>
-                                        <p:cTn id="67" dur="500"/>
-                                        <p:tgtEl>
-                                          <p:spTgt spid="39"/>
-                                        </p:tgtEl>
-                                      </p:cBhvr>
-                                    </p:animEffect>
-                                  </p:childTnLst>
-                                </p:cTn>
-                              </p:par>
-                              <p:par>
-                                <p:cTn id="68" presetID="12" presetClass="entr" presetSubtype="4" fill="hold" nodeType="withEffect">
-                                  <p:stCondLst>
-                                    <p:cond delay="0"/>
-                                  </p:stCondLst>
-                                  <p:childTnLst>
-                                    <p:set>
-                                      <p:cBhvr>
-                                        <p:cTn id="69" dur="1" fill="hold">
-                                          <p:stCondLst>
-                                            <p:cond delay="0"/>
-                                          </p:stCondLst>
-                                        </p:cTn>
-                                        <p:tgtEl>
-                                          <p:spTgt spid="38"/>
-                                        </p:tgtEl>
-                                        <p:attrNameLst>
-                                          <p:attrName>style.visibility</p:attrName>
-                                        </p:attrNameLst>
-                                      </p:cBhvr>
-                                      <p:to>
-                                        <p:strVal val="visible"/>
-                                      </p:to>
-                                    </p:set>
-                                    <p:anim calcmode="lin" valueType="num">
-                                      <p:cBhvr additive="base">
-                                        <p:cTn id="70" dur="500"/>
-                                        <p:tgtEl>
-                                          <p:spTgt spid="38"/>
-                                        </p:tgtEl>
-                                        <p:attrNameLst>
-                                          <p:attrName>ppt_y</p:attrName>
-                                        </p:attrNameLst>
-                                      </p:cBhvr>
-                                      <p:tavLst>
-                                        <p:tav tm="0">
-                                          <p:val>
-                                            <p:strVal val="#ppt_y+#ppt_h*1.125000"/>
-                                          </p:val>
-                                        </p:tav>
-                                        <p:tav tm="100000">
-                                          <p:val>
-                                            <p:strVal val="#ppt_y"/>
-                                          </p:val>
-                                        </p:tav>
-                                      </p:tavLst>
-                                    </p:anim>
-                                    <p:animEffect transition="in" filter="wipe(up)">
-                                      <p:cBhvr>
-                                        <p:cTn id="71" dur="500"/>
-                                        <p:tgtEl>
-                                          <p:spTgt spid="38"/>
-                                        </p:tgtEl>
-                                      </p:cBhvr>
-                                    </p:animEffect>
                                   </p:childTnLst>
                                 </p:cTn>
                               </p:par>
@@ -22498,17 +21366,8 @@
       </p:par>
     </p:tnLst>
     <p:bldLst>
-      <p:bldP spid="30" grpId="0" animBg="1"/>
       <p:bldP spid="29" grpId="0"/>
-      <p:bldP spid="32" grpId="0"/>
       <p:bldP spid="32" grpId="1"/>
-      <p:bldP spid="35" grpId="0" animBg="1"/>
-      <p:bldP spid="36" grpId="0" animBg="1"/>
-      <p:bldP spid="37" grpId="0" animBg="1"/>
-      <p:bldP spid="19" grpId="1"/>
-      <p:bldP spid="3" grpId="0" animBg="1"/>
-      <p:bldP spid="23" grpId="0" animBg="1"/>
-      <p:bldP spid="24" grpId="0" animBg="1"/>
     </p:bldLst>
   </p:timing>
 </p:sld>
@@ -23887,7 +22746,7 @@
                             </p:stCondLst>
                             <p:childTnLst>
                               <p:par>
-                                <p:cTn id="5" presetID="12" presetClass="entr" presetSubtype="4" fill="hold" nodeType="clickEffect">
+                                <p:cTn id="5" presetID="1" presetClass="entr" presetSubtype="0" fill="hold" nodeType="clickEffect">
                                   <p:stCondLst>
                                     <p:cond delay="0"/>
                                   </p:stCondLst>
@@ -23910,37 +22769,6 @@
                                         <p:strVal val="visible"/>
                                       </p:to>
                                     </p:set>
-                                    <p:anim calcmode="lin" valueType="num">
-                                      <p:cBhvr additive="base">
-                                        <p:cTn id="7" dur="500"/>
-                                        <p:tgtEl>
-                                          <p:spTgt spid="23"/>
-                                        </p:tgtEl>
-                                        <p:attrNameLst>
-                                          <p:attrName>ppt_y</p:attrName>
-                                        </p:attrNameLst>
-                                      </p:cBhvr>
-                                      <p:tavLst>
-                                        <p:tav tm="0">
-                                          <p:val>
-                                            <p:strVal val="#ppt_y+#ppt_h*1.125000"/>
-                                          </p:val>
-                                        </p:tav>
-                                        <p:tav tm="100000">
-                                          <p:val>
-                                            <p:strVal val="#ppt_y"/>
-                                          </p:val>
-                                        </p:tav>
-                                      </p:tavLst>
-                                    </p:anim>
-                                    <p:animEffect transition="in" filter="wipe(up)">
-                                      <p:cBhvr>
-                                        <p:cTn id="8" dur="500"/>
-                                        <p:tgtEl>
-                                          <p:spTgt spid="23"/>
-                                        </p:tgtEl>
-                                      </p:cBhvr>
-                                    </p:animEffect>
                                   </p:childTnLst>
                                 </p:cTn>
                               </p:par>
@@ -23951,26 +22779,26 @@
                     </p:cTn>
                   </p:par>
                   <p:par>
-                    <p:cTn id="9" fill="hold">
+                    <p:cTn id="7" fill="hold">
                       <p:stCondLst>
                         <p:cond delay="indefinite"/>
                       </p:stCondLst>
                       <p:childTnLst>
                         <p:par>
-                          <p:cTn id="10" fill="hold">
+                          <p:cTn id="8" fill="hold">
                             <p:stCondLst>
                               <p:cond delay="0"/>
                             </p:stCondLst>
                             <p:childTnLst>
                               <p:par>
-                                <p:cTn id="11" presetID="12" presetClass="entr" presetSubtype="4" fill="hold" nodeType="clickEffect">
+                                <p:cTn id="9" presetID="1" presetClass="entr" presetSubtype="0" fill="hold" nodeType="clickEffect">
                                   <p:stCondLst>
                                     <p:cond delay="0"/>
                                   </p:stCondLst>
                                   <p:childTnLst>
                                     <p:set>
                                       <p:cBhvr>
-                                        <p:cTn id="12" dur="1" fill="hold">
+                                        <p:cTn id="10" dur="1" fill="hold">
                                           <p:stCondLst>
                                             <p:cond delay="0"/>
                                           </p:stCondLst>
@@ -23986,37 +22814,6 @@
                                         <p:strVal val="visible"/>
                                       </p:to>
                                     </p:set>
-                                    <p:anim calcmode="lin" valueType="num">
-                                      <p:cBhvr additive="base">
-                                        <p:cTn id="13" dur="500"/>
-                                        <p:tgtEl>
-                                          <p:spTgt spid="48"/>
-                                        </p:tgtEl>
-                                        <p:attrNameLst>
-                                          <p:attrName>ppt_y</p:attrName>
-                                        </p:attrNameLst>
-                                      </p:cBhvr>
-                                      <p:tavLst>
-                                        <p:tav tm="0">
-                                          <p:val>
-                                            <p:strVal val="#ppt_y+#ppt_h*1.125000"/>
-                                          </p:val>
-                                        </p:tav>
-                                        <p:tav tm="100000">
-                                          <p:val>
-                                            <p:strVal val="#ppt_y"/>
-                                          </p:val>
-                                        </p:tav>
-                                      </p:tavLst>
-                                    </p:anim>
-                                    <p:animEffect transition="in" filter="wipe(up)">
-                                      <p:cBhvr>
-                                        <p:cTn id="14" dur="500"/>
-                                        <p:tgtEl>
-                                          <p:spTgt spid="48"/>
-                                        </p:tgtEl>
-                                      </p:cBhvr>
-                                    </p:animEffect>
                                   </p:childTnLst>
                                 </p:cTn>
                               </p:par>
@@ -24278,7 +23075,7 @@
                 <a:latin typeface="Arial" panose="020B0604020202020204" pitchFamily="34" charset="0"/>
                 <a:cs typeface="Arial" panose="020B0604020202020204" pitchFamily="34" charset="0"/>
               </a:rPr>
-              <a:t>By using customer demographic and history purchase data, can we predict target customers who will take offers from direct marketing campaigns?</a:t>
+              <a:t>By using demographic and history purchase data, can we predict target customers who will redeem coupons offered by direct marketing campaigns?</a:t>
             </a:r>
           </a:p>
         </p:txBody>
@@ -24298,7 +23095,7 @@
         <p:spPr>
           <a:xfrm>
             <a:off x="5276618" y="1512774"/>
-            <a:ext cx="6432862" cy="1015663"/>
+            <a:ext cx="6432862" cy="1323439"/>
           </a:xfrm>
           <a:prstGeom prst="rect">
             <a:avLst/>
@@ -24315,7 +23112,7 @@
                 <a:latin typeface="Arial" panose="020B0604020202020204" pitchFamily="34" charset="0"/>
                 <a:cs typeface="Arial" panose="020B0604020202020204" pitchFamily="34" charset="0"/>
               </a:rPr>
-              <a:t>Can we identify target customers who will take offers from direct marketing</a:t>
+              <a:t>Can we identify target customers who will redeem coupons offered by direct marketing</a:t>
             </a:r>
             <a:r>
               <a:rPr lang="en-US" sz="2000" dirty="0">
@@ -24654,9 +23451,6 @@
                     <p:cTn id="3" fill="hold">
                       <p:stCondLst>
                         <p:cond delay="indefinite"/>
-                        <p:cond evt="onBegin" delay="0">
-                          <p:tn val="2"/>
-                        </p:cond>
                       </p:stCondLst>
                       <p:childTnLst>
                         <p:par>
@@ -24666,7 +23460,7 @@
                             </p:stCondLst>
                             <p:childTnLst>
                               <p:par>
-                                <p:cTn id="5" presetID="1" presetClass="entr" presetSubtype="0" fill="hold" grpId="0" nodeType="withEffect">
+                                <p:cTn id="5" presetID="1" presetClass="entr" presetSubtype="0" fill="hold" grpId="0" nodeType="clickEffect">
                                   <p:stCondLst>
                                     <p:cond delay="0"/>
                                   </p:stCondLst>
@@ -24674,139 +23468,6 @@
                                     <p:set>
                                       <p:cBhvr>
                                         <p:cTn id="6" dur="1" fill="hold">
-                                          <p:stCondLst>
-                                            <p:cond delay="0"/>
-                                          </p:stCondLst>
-                                        </p:cTn>
-                                        <p:tgtEl>
-                                          <p:spTgt spid="14"/>
-                                        </p:tgtEl>
-                                        <p:attrNameLst>
-                                          <p:attrName>style.visibility</p:attrName>
-                                        </p:attrNameLst>
-                                      </p:cBhvr>
-                                      <p:to>
-                                        <p:strVal val="visible"/>
-                                      </p:to>
-                                    </p:set>
-                                  </p:childTnLst>
-                                </p:cTn>
-                              </p:par>
-                            </p:childTnLst>
-                          </p:cTn>
-                        </p:par>
-                      </p:childTnLst>
-                    </p:cTn>
-                  </p:par>
-                  <p:par>
-                    <p:cTn id="7" fill="hold">
-                      <p:stCondLst>
-                        <p:cond delay="indefinite"/>
-                      </p:stCondLst>
-                      <p:childTnLst>
-                        <p:par>
-                          <p:cTn id="8" fill="hold">
-                            <p:stCondLst>
-                              <p:cond delay="0"/>
-                            </p:stCondLst>
-                            <p:childTnLst>
-                              <p:par>
-                                <p:cTn id="9" presetID="9" presetClass="entr" presetSubtype="0" fill="hold" nodeType="clickEffect">
-                                  <p:stCondLst>
-                                    <p:cond delay="0"/>
-                                  </p:stCondLst>
-                                  <p:childTnLst>
-                                    <p:set>
-                                      <p:cBhvr>
-                                        <p:cTn id="10" dur="1" fill="hold">
-                                          <p:stCondLst>
-                                            <p:cond delay="0"/>
-                                          </p:stCondLst>
-                                        </p:cTn>
-                                        <p:tgtEl>
-                                          <p:spTgt spid="5"/>
-                                        </p:tgtEl>
-                                        <p:attrNameLst>
-                                          <p:attrName>style.visibility</p:attrName>
-                                        </p:attrNameLst>
-                                      </p:cBhvr>
-                                      <p:to>
-                                        <p:strVal val="visible"/>
-                                      </p:to>
-                                    </p:set>
-                                    <p:animEffect transition="in" filter="dissolve">
-                                      <p:cBhvr>
-                                        <p:cTn id="11" dur="500"/>
-                                        <p:tgtEl>
-                                          <p:spTgt spid="5"/>
-                                        </p:tgtEl>
-                                      </p:cBhvr>
-                                    </p:animEffect>
-                                  </p:childTnLst>
-                                </p:cTn>
-                              </p:par>
-                              <p:par>
-                                <p:cTn id="12" presetID="9" presetClass="entr" presetSubtype="0" fill="hold" grpId="0" nodeType="withEffect">
-                                  <p:stCondLst>
-                                    <p:cond delay="0"/>
-                                  </p:stCondLst>
-                                  <p:childTnLst>
-                                    <p:set>
-                                      <p:cBhvr>
-                                        <p:cTn id="13" dur="1" fill="hold">
-                                          <p:stCondLst>
-                                            <p:cond delay="0"/>
-                                          </p:stCondLst>
-                                        </p:cTn>
-                                        <p:tgtEl>
-                                          <p:spTgt spid="2"/>
-                                        </p:tgtEl>
-                                        <p:attrNameLst>
-                                          <p:attrName>style.visibility</p:attrName>
-                                        </p:attrNameLst>
-                                      </p:cBhvr>
-                                      <p:to>
-                                        <p:strVal val="visible"/>
-                                      </p:to>
-                                    </p:set>
-                                    <p:animEffect transition="in" filter="dissolve">
-                                      <p:cBhvr>
-                                        <p:cTn id="14" dur="500"/>
-                                        <p:tgtEl>
-                                          <p:spTgt spid="2"/>
-                                        </p:tgtEl>
-                                      </p:cBhvr>
-                                    </p:animEffect>
-                                  </p:childTnLst>
-                                </p:cTn>
-                              </p:par>
-                            </p:childTnLst>
-                          </p:cTn>
-                        </p:par>
-                      </p:childTnLst>
-                    </p:cTn>
-                  </p:par>
-                  <p:par>
-                    <p:cTn id="15" fill="hold">
-                      <p:stCondLst>
-                        <p:cond delay="indefinite"/>
-                      </p:stCondLst>
-                      <p:childTnLst>
-                        <p:par>
-                          <p:cTn id="16" fill="hold">
-                            <p:stCondLst>
-                              <p:cond delay="0"/>
-                            </p:stCondLst>
-                            <p:childTnLst>
-                              <p:par>
-                                <p:cTn id="17" presetID="1" presetClass="entr" presetSubtype="0" fill="hold" grpId="0" nodeType="clickEffect">
-                                  <p:stCondLst>
-                                    <p:cond delay="0"/>
-                                  </p:stCondLst>
-                                  <p:childTnLst>
-                                    <p:set>
-                                      <p:cBhvr>
-                                        <p:cTn id="18" dur="1" fill="hold">
                                           <p:stCondLst>
                                             <p:cond delay="0"/>
                                           </p:stCondLst>
@@ -24826,14 +23487,14 @@
                                 </p:cTn>
                               </p:par>
                               <p:par>
-                                <p:cTn id="19" presetID="1" presetClass="entr" presetSubtype="0" fill="hold" nodeType="withEffect">
+                                <p:cTn id="7" presetID="1" presetClass="entr" presetSubtype="0" fill="hold" nodeType="withEffect">
                                   <p:stCondLst>
                                     <p:cond delay="0"/>
                                   </p:stCondLst>
                                   <p:childTnLst>
                                     <p:set>
                                       <p:cBhvr>
-                                        <p:cTn id="20" dur="1" fill="hold">
+                                        <p:cTn id="8" dur="1" fill="hold">
                                           <p:stCondLst>
                                             <p:cond delay="0"/>
                                           </p:stCondLst>
@@ -24853,14 +23514,14 @@
                                 </p:cTn>
                               </p:par>
                               <p:par>
-                                <p:cTn id="21" presetID="1" presetClass="entr" presetSubtype="0" fill="hold" grpId="0" nodeType="withEffect">
+                                <p:cTn id="9" presetID="1" presetClass="entr" presetSubtype="0" fill="hold" grpId="0" nodeType="withEffect">
                                   <p:stCondLst>
                                     <p:cond delay="0"/>
                                   </p:stCondLst>
                                   <p:childTnLst>
                                     <p:set>
                                       <p:cBhvr>
-                                        <p:cTn id="22" dur="1" fill="hold">
+                                        <p:cTn id="10" dur="1" fill="hold">
                                           <p:stCondLst>
                                             <p:cond delay="0"/>
                                           </p:stCondLst>
@@ -24886,26 +23547,26 @@
                     </p:cTn>
                   </p:par>
                   <p:par>
-                    <p:cTn id="23" fill="hold">
+                    <p:cTn id="11" fill="hold">
                       <p:stCondLst>
                         <p:cond delay="indefinite"/>
                       </p:stCondLst>
                       <p:childTnLst>
                         <p:par>
-                          <p:cTn id="24" fill="hold">
+                          <p:cTn id="12" fill="hold">
                             <p:stCondLst>
                               <p:cond delay="0"/>
                             </p:stCondLst>
                             <p:childTnLst>
                               <p:par>
-                                <p:cTn id="25" presetID="1" presetClass="entr" presetSubtype="0" fill="hold" grpId="0" nodeType="clickEffect">
+                                <p:cTn id="13" presetID="1" presetClass="entr" presetSubtype="0" fill="hold" grpId="0" nodeType="clickEffect">
                                   <p:stCondLst>
                                     <p:cond delay="0"/>
                                   </p:stCondLst>
                                   <p:childTnLst>
                                     <p:set>
                                       <p:cBhvr>
-                                        <p:cTn id="26" dur="1" fill="hold">
+                                        <p:cTn id="14" dur="1" fill="hold">
                                           <p:stCondLst>
                                             <p:cond delay="0"/>
                                           </p:stCondLst>
@@ -24925,14 +23586,14 @@
                                 </p:cTn>
                               </p:par>
                               <p:par>
-                                <p:cTn id="27" presetID="1" presetClass="entr" presetSubtype="0" fill="hold" nodeType="withEffect">
+                                <p:cTn id="15" presetID="1" presetClass="entr" presetSubtype="0" fill="hold" nodeType="withEffect">
                                   <p:stCondLst>
                                     <p:cond delay="0"/>
                                   </p:stCondLst>
                                   <p:childTnLst>
                                     <p:set>
                                       <p:cBhvr>
-                                        <p:cTn id="28" dur="1" fill="hold">
+                                        <p:cTn id="16" dur="1" fill="hold">
                                           <p:stCondLst>
                                             <p:cond delay="0"/>
                                           </p:stCondLst>
@@ -24952,14 +23613,14 @@
                                 </p:cTn>
                               </p:par>
                               <p:par>
-                                <p:cTn id="29" presetID="1" presetClass="entr" presetSubtype="0" fill="hold" grpId="0" nodeType="withEffect">
+                                <p:cTn id="17" presetID="1" presetClass="entr" presetSubtype="0" fill="hold" grpId="0" nodeType="withEffect">
                                   <p:stCondLst>
                                     <p:cond delay="0"/>
                                   </p:stCondLst>
                                   <p:childTnLst>
                                     <p:set>
                                       <p:cBhvr>
-                                        <p:cTn id="30" dur="1" fill="hold">
+                                        <p:cTn id="18" dur="1" fill="hold">
                                           <p:stCondLst>
                                             <p:cond delay="0"/>
                                           </p:stCondLst>
@@ -25010,8 +23671,6 @@
       <p:bldP spid="16" grpId="0"/>
       <p:bldP spid="30" grpId="0"/>
       <p:bldP spid="50" grpId="0"/>
-      <p:bldP spid="2" grpId="0"/>
-      <p:bldP spid="14" grpId="0"/>
     </p:bldLst>
   </p:timing>
 </p:sld>
@@ -25710,6 +24369,20 @@
                   <a:schemeClr val="bg1"/>
                 </a:solidFill>
               </a:rPr>
+              <a:t>Married</a:t>
+            </a:r>
+          </a:p>
+          <a:p>
+            <a:pPr marL="742950" lvl="1" indent="-285750">
+              <a:buFont typeface="Arial" panose="020B0604020202020204" pitchFamily="34" charset="0"/>
+              <a:buChar char="•"/>
+            </a:pPr>
+            <a:r>
+              <a:rPr lang="en-US" sz="1400" dirty="0">
+                <a:solidFill>
+                  <a:schemeClr val="bg1"/>
+                </a:solidFill>
+              </a:rPr>
               <a:t>Home ownership </a:t>
             </a:r>
           </a:p>
@@ -25732,7 +24405,7 @@
                   <a:schemeClr val="bg1"/>
                 </a:solidFill>
               </a:rPr>
-              <a:t>35 - 99k </a:t>
+              <a:t>35 - 74k </a:t>
             </a:r>
             <a:endParaRPr lang="en-US" sz="1400" dirty="0">
               <a:solidFill>
@@ -25759,7 +24432,7 @@
                   <a:schemeClr val="bg1"/>
                 </a:solidFill>
               </a:rPr>
-              <a:t>25-44 or 55-64 </a:t>
+              <a:t>25-44 or 45-54 </a:t>
             </a:r>
             <a:endParaRPr lang="en-US" sz="1400" dirty="0">
               <a:solidFill>
@@ -25786,27 +24459,13 @@
                   <a:schemeClr val="bg1"/>
                 </a:solidFill>
               </a:rPr>
-              <a:t>single female </a:t>
+              <a:t>2 adults with kids</a:t>
             </a:r>
             <a:endParaRPr lang="en-US" sz="1400" dirty="0">
               <a:solidFill>
                 <a:schemeClr val="bg1"/>
               </a:solidFill>
             </a:endParaRPr>
-          </a:p>
-          <a:p>
-            <a:pPr marL="742950" lvl="1" indent="-285750">
-              <a:buFont typeface="Arial" panose="020B0604020202020204" pitchFamily="34" charset="0"/>
-              <a:buChar char="•"/>
-            </a:pPr>
-            <a:r>
-              <a:rPr lang="en-US" sz="1400" dirty="0">
-                <a:solidFill>
-                  <a:schemeClr val="bg1"/>
-                </a:solidFill>
-              </a:rPr>
-              <a:t>Marital status</a:t>
-            </a:r>
           </a:p>
           <a:p>
             <a:pPr lvl="1"/>
@@ -26379,413 +25038,6 @@
   <p:clrMapOvr>
     <a:masterClrMapping/>
   </p:clrMapOvr>
-  <p:timing>
-    <p:tnLst>
-      <p:par>
-        <p:cTn id="1" dur="indefinite" restart="never" nodeType="tmRoot">
-          <p:childTnLst>
-            <p:seq concurrent="1" nextAc="seek">
-              <p:cTn id="2" dur="indefinite" nodeType="mainSeq">
-                <p:childTnLst>
-                  <p:par>
-                    <p:cTn id="3" fill="hold">
-                      <p:stCondLst>
-                        <p:cond delay="indefinite"/>
-                      </p:stCondLst>
-                      <p:childTnLst>
-                        <p:par>
-                          <p:cTn id="4" fill="hold">
-                            <p:stCondLst>
-                              <p:cond delay="0"/>
-                            </p:stCondLst>
-                            <p:childTnLst>
-                              <p:par>
-                                <p:cTn id="5" presetID="9" presetClass="entr" presetSubtype="0" fill="hold" grpId="0" nodeType="clickEffect">
-                                  <p:stCondLst>
-                                    <p:cond delay="0"/>
-                                  </p:stCondLst>
-                                  <p:childTnLst>
-                                    <p:set>
-                                      <p:cBhvr>
-                                        <p:cTn id="6" dur="1" fill="hold">
-                                          <p:stCondLst>
-                                            <p:cond delay="0"/>
-                                          </p:stCondLst>
-                                        </p:cTn>
-                                        <p:tgtEl>
-                                          <p:spTgt spid="4"/>
-                                        </p:tgtEl>
-                                        <p:attrNameLst>
-                                          <p:attrName>style.visibility</p:attrName>
-                                        </p:attrNameLst>
-                                      </p:cBhvr>
-                                      <p:to>
-                                        <p:strVal val="visible"/>
-                                      </p:to>
-                                    </p:set>
-                                    <p:animEffect transition="in" filter="dissolve">
-                                      <p:cBhvr>
-                                        <p:cTn id="7" dur="500"/>
-                                        <p:tgtEl>
-                                          <p:spTgt spid="4"/>
-                                        </p:tgtEl>
-                                      </p:cBhvr>
-                                    </p:animEffect>
-                                  </p:childTnLst>
-                                </p:cTn>
-                              </p:par>
-                              <p:par>
-                                <p:cTn id="8" presetID="9" presetClass="entr" presetSubtype="0" fill="hold" nodeType="withEffect">
-                                  <p:stCondLst>
-                                    <p:cond delay="0"/>
-                                  </p:stCondLst>
-                                  <p:childTnLst>
-                                    <p:set>
-                                      <p:cBhvr>
-                                        <p:cTn id="9" dur="1" fill="hold">
-                                          <p:stCondLst>
-                                            <p:cond delay="0"/>
-                                          </p:stCondLst>
-                                        </p:cTn>
-                                        <p:tgtEl>
-                                          <p:spTgt spid="23"/>
-                                        </p:tgtEl>
-                                        <p:attrNameLst>
-                                          <p:attrName>style.visibility</p:attrName>
-                                        </p:attrNameLst>
-                                      </p:cBhvr>
-                                      <p:to>
-                                        <p:strVal val="visible"/>
-                                      </p:to>
-                                    </p:set>
-                                    <p:animEffect transition="in" filter="dissolve">
-                                      <p:cBhvr>
-                                        <p:cTn id="10" dur="500"/>
-                                        <p:tgtEl>
-                                          <p:spTgt spid="23"/>
-                                        </p:tgtEl>
-                                      </p:cBhvr>
-                                    </p:animEffect>
-                                  </p:childTnLst>
-                                </p:cTn>
-                              </p:par>
-                              <p:par>
-                                <p:cTn id="11" presetID="9" presetClass="entr" presetSubtype="0" fill="hold" grpId="0" nodeType="withEffect">
-                                  <p:stCondLst>
-                                    <p:cond delay="0"/>
-                                  </p:stCondLst>
-                                  <p:childTnLst>
-                                    <p:set>
-                                      <p:cBhvr>
-                                        <p:cTn id="12" dur="1" fill="hold">
-                                          <p:stCondLst>
-                                            <p:cond delay="0"/>
-                                          </p:stCondLst>
-                                        </p:cTn>
-                                        <p:tgtEl>
-                                          <p:spTgt spid="14"/>
-                                        </p:tgtEl>
-                                        <p:attrNameLst>
-                                          <p:attrName>style.visibility</p:attrName>
-                                        </p:attrNameLst>
-                                      </p:cBhvr>
-                                      <p:to>
-                                        <p:strVal val="visible"/>
-                                      </p:to>
-                                    </p:set>
-                                    <p:animEffect transition="in" filter="dissolve">
-                                      <p:cBhvr>
-                                        <p:cTn id="13" dur="500"/>
-                                        <p:tgtEl>
-                                          <p:spTgt spid="14"/>
-                                        </p:tgtEl>
-                                      </p:cBhvr>
-                                    </p:animEffect>
-                                  </p:childTnLst>
-                                </p:cTn>
-                              </p:par>
-                            </p:childTnLst>
-                          </p:cTn>
-                        </p:par>
-                      </p:childTnLst>
-                    </p:cTn>
-                  </p:par>
-                  <p:par>
-                    <p:cTn id="14" fill="hold">
-                      <p:stCondLst>
-                        <p:cond delay="indefinite"/>
-                      </p:stCondLst>
-                      <p:childTnLst>
-                        <p:par>
-                          <p:cTn id="15" fill="hold">
-                            <p:stCondLst>
-                              <p:cond delay="0"/>
-                            </p:stCondLst>
-                            <p:childTnLst>
-                              <p:par>
-                                <p:cTn id="16" presetID="9" presetClass="entr" presetSubtype="0" fill="hold" grpId="0" nodeType="clickEffect">
-                                  <p:stCondLst>
-                                    <p:cond delay="0"/>
-                                  </p:stCondLst>
-                                  <p:childTnLst>
-                                    <p:set>
-                                      <p:cBhvr>
-                                        <p:cTn id="17" dur="1" fill="hold">
-                                          <p:stCondLst>
-                                            <p:cond delay="0"/>
-                                          </p:stCondLst>
-                                        </p:cTn>
-                                        <p:tgtEl>
-                                          <p:spTgt spid="6"/>
-                                        </p:tgtEl>
-                                        <p:attrNameLst>
-                                          <p:attrName>style.visibility</p:attrName>
-                                        </p:attrNameLst>
-                                      </p:cBhvr>
-                                      <p:to>
-                                        <p:strVal val="visible"/>
-                                      </p:to>
-                                    </p:set>
-                                    <p:animEffect transition="in" filter="dissolve">
-                                      <p:cBhvr>
-                                        <p:cTn id="18" dur="500"/>
-                                        <p:tgtEl>
-                                          <p:spTgt spid="6"/>
-                                        </p:tgtEl>
-                                      </p:cBhvr>
-                                    </p:animEffect>
-                                  </p:childTnLst>
-                                </p:cTn>
-                              </p:par>
-                              <p:par>
-                                <p:cTn id="19" presetID="9" presetClass="entr" presetSubtype="0" fill="hold" nodeType="withEffect">
-                                  <p:stCondLst>
-                                    <p:cond delay="0"/>
-                                  </p:stCondLst>
-                                  <p:childTnLst>
-                                    <p:set>
-                                      <p:cBhvr>
-                                        <p:cTn id="20" dur="1" fill="hold">
-                                          <p:stCondLst>
-                                            <p:cond delay="0"/>
-                                          </p:stCondLst>
-                                        </p:cTn>
-                                        <p:tgtEl>
-                                          <p:spTgt spid="21"/>
-                                        </p:tgtEl>
-                                        <p:attrNameLst>
-                                          <p:attrName>style.visibility</p:attrName>
-                                        </p:attrNameLst>
-                                      </p:cBhvr>
-                                      <p:to>
-                                        <p:strVal val="visible"/>
-                                      </p:to>
-                                    </p:set>
-                                    <p:animEffect transition="in" filter="dissolve">
-                                      <p:cBhvr>
-                                        <p:cTn id="21" dur="500"/>
-                                        <p:tgtEl>
-                                          <p:spTgt spid="21"/>
-                                        </p:tgtEl>
-                                      </p:cBhvr>
-                                    </p:animEffect>
-                                  </p:childTnLst>
-                                </p:cTn>
-                              </p:par>
-                              <p:par>
-                                <p:cTn id="22" presetID="9" presetClass="entr" presetSubtype="0" fill="hold" grpId="0" nodeType="withEffect">
-                                  <p:stCondLst>
-                                    <p:cond delay="0"/>
-                                  </p:stCondLst>
-                                  <p:childTnLst>
-                                    <p:set>
-                                      <p:cBhvr>
-                                        <p:cTn id="23" dur="1" fill="hold">
-                                          <p:stCondLst>
-                                            <p:cond delay="0"/>
-                                          </p:stCondLst>
-                                        </p:cTn>
-                                        <p:tgtEl>
-                                          <p:spTgt spid="11"/>
-                                        </p:tgtEl>
-                                        <p:attrNameLst>
-                                          <p:attrName>style.visibility</p:attrName>
-                                        </p:attrNameLst>
-                                      </p:cBhvr>
-                                      <p:to>
-                                        <p:strVal val="visible"/>
-                                      </p:to>
-                                    </p:set>
-                                    <p:animEffect transition="in" filter="dissolve">
-                                      <p:cBhvr>
-                                        <p:cTn id="24" dur="500"/>
-                                        <p:tgtEl>
-                                          <p:spTgt spid="11"/>
-                                        </p:tgtEl>
-                                      </p:cBhvr>
-                                    </p:animEffect>
-                                  </p:childTnLst>
-                                </p:cTn>
-                              </p:par>
-                            </p:childTnLst>
-                          </p:cTn>
-                        </p:par>
-                      </p:childTnLst>
-                    </p:cTn>
-                  </p:par>
-                  <p:par>
-                    <p:cTn id="25" fill="hold">
-                      <p:stCondLst>
-                        <p:cond delay="indefinite"/>
-                      </p:stCondLst>
-                      <p:childTnLst>
-                        <p:par>
-                          <p:cTn id="26" fill="hold">
-                            <p:stCondLst>
-                              <p:cond delay="0"/>
-                            </p:stCondLst>
-                            <p:childTnLst>
-                              <p:par>
-                                <p:cTn id="27" presetID="9" presetClass="entr" presetSubtype="0" fill="hold" nodeType="clickEffect">
-                                  <p:stCondLst>
-                                    <p:cond delay="0"/>
-                                  </p:stCondLst>
-                                  <p:childTnLst>
-                                    <p:set>
-                                      <p:cBhvr>
-                                        <p:cTn id="28" dur="1" fill="hold">
-                                          <p:stCondLst>
-                                            <p:cond delay="0"/>
-                                          </p:stCondLst>
-                                        </p:cTn>
-                                        <p:tgtEl>
-                                          <p:spTgt spid="19"/>
-                                        </p:tgtEl>
-                                        <p:attrNameLst>
-                                          <p:attrName>style.visibility</p:attrName>
-                                        </p:attrNameLst>
-                                      </p:cBhvr>
-                                      <p:to>
-                                        <p:strVal val="visible"/>
-                                      </p:to>
-                                    </p:set>
-                                    <p:animEffect transition="in" filter="dissolve">
-                                      <p:cBhvr>
-                                        <p:cTn id="29" dur="500"/>
-                                        <p:tgtEl>
-                                          <p:spTgt spid="19"/>
-                                        </p:tgtEl>
-                                      </p:cBhvr>
-                                    </p:animEffect>
-                                  </p:childTnLst>
-                                </p:cTn>
-                              </p:par>
-                              <p:par>
-                                <p:cTn id="30" presetID="9" presetClass="entr" presetSubtype="0" fill="hold" grpId="0" nodeType="withEffect">
-                                  <p:stCondLst>
-                                    <p:cond delay="0"/>
-                                  </p:stCondLst>
-                                  <p:childTnLst>
-                                    <p:set>
-                                      <p:cBhvr>
-                                        <p:cTn id="31" dur="1" fill="hold">
-                                          <p:stCondLst>
-                                            <p:cond delay="0"/>
-                                          </p:stCondLst>
-                                        </p:cTn>
-                                        <p:tgtEl>
-                                          <p:spTgt spid="15"/>
-                                        </p:tgtEl>
-                                        <p:attrNameLst>
-                                          <p:attrName>style.visibility</p:attrName>
-                                        </p:attrNameLst>
-                                      </p:cBhvr>
-                                      <p:to>
-                                        <p:strVal val="visible"/>
-                                      </p:to>
-                                    </p:set>
-                                    <p:animEffect transition="in" filter="dissolve">
-                                      <p:cBhvr>
-                                        <p:cTn id="32" dur="500"/>
-                                        <p:tgtEl>
-                                          <p:spTgt spid="15"/>
-                                        </p:tgtEl>
-                                      </p:cBhvr>
-                                    </p:animEffect>
-                                  </p:childTnLst>
-                                </p:cTn>
-                              </p:par>
-                              <p:par>
-                                <p:cTn id="33" presetID="9" presetClass="entr" presetSubtype="0" fill="hold" grpId="0" nodeType="withEffect">
-                                  <p:stCondLst>
-                                    <p:cond delay="0"/>
-                                  </p:stCondLst>
-                                  <p:childTnLst>
-                                    <p:set>
-                                      <p:cBhvr>
-                                        <p:cTn id="34" dur="1" fill="hold">
-                                          <p:stCondLst>
-                                            <p:cond delay="0"/>
-                                          </p:stCondLst>
-                                        </p:cTn>
-                                        <p:tgtEl>
-                                          <p:spTgt spid="13"/>
-                                        </p:tgtEl>
-                                        <p:attrNameLst>
-                                          <p:attrName>style.visibility</p:attrName>
-                                        </p:attrNameLst>
-                                      </p:cBhvr>
-                                      <p:to>
-                                        <p:strVal val="visible"/>
-                                      </p:to>
-                                    </p:set>
-                                    <p:animEffect transition="in" filter="dissolve">
-                                      <p:cBhvr>
-                                        <p:cTn id="35" dur="500"/>
-                                        <p:tgtEl>
-                                          <p:spTgt spid="13"/>
-                                        </p:tgtEl>
-                                      </p:cBhvr>
-                                    </p:animEffect>
-                                  </p:childTnLst>
-                                </p:cTn>
-                              </p:par>
-                            </p:childTnLst>
-                          </p:cTn>
-                        </p:par>
-                      </p:childTnLst>
-                    </p:cTn>
-                  </p:par>
-                </p:childTnLst>
-              </p:cTn>
-              <p:prevCondLst>
-                <p:cond evt="onPrev" delay="0">
-                  <p:tgtEl>
-                    <p:sldTgt/>
-                  </p:tgtEl>
-                </p:cond>
-              </p:prevCondLst>
-              <p:nextCondLst>
-                <p:cond evt="onNext" delay="0">
-                  <p:tgtEl>
-                    <p:sldTgt/>
-                  </p:tgtEl>
-                </p:cond>
-              </p:nextCondLst>
-            </p:seq>
-          </p:childTnLst>
-        </p:cTn>
-      </p:par>
-    </p:tnLst>
-    <p:bldLst>
-      <p:bldP spid="4" grpId="0"/>
-      <p:bldP spid="6" grpId="0"/>
-      <p:bldP spid="11" grpId="0" animBg="1"/>
-      <p:bldP spid="15" grpId="0"/>
-      <p:bldP spid="13" grpId="0" animBg="1"/>
-      <p:bldP spid="14" grpId="0" animBg="1"/>
-    </p:bldLst>
-  </p:timing>
 </p:sld>
 </file>
 
@@ -28292,407 +26544,6 @@
   <p:clrMapOvr>
     <a:masterClrMapping/>
   </p:clrMapOvr>
-  <p:timing>
-    <p:tnLst>
-      <p:par>
-        <p:cTn id="1" dur="indefinite" restart="never" nodeType="tmRoot">
-          <p:childTnLst>
-            <p:seq concurrent="1" nextAc="seek">
-              <p:cTn id="2" dur="indefinite" nodeType="mainSeq">
-                <p:childTnLst>
-                  <p:par>
-                    <p:cTn id="3" fill="hold">
-                      <p:stCondLst>
-                        <p:cond delay="indefinite"/>
-                      </p:stCondLst>
-                      <p:childTnLst>
-                        <p:par>
-                          <p:cTn id="4" fill="hold">
-                            <p:stCondLst>
-                              <p:cond delay="0"/>
-                            </p:stCondLst>
-                            <p:childTnLst>
-                              <p:par>
-                                <p:cTn id="5" presetID="16" presetClass="entr" presetSubtype="21" fill="hold" nodeType="clickEffect">
-                                  <p:stCondLst>
-                                    <p:cond delay="0"/>
-                                  </p:stCondLst>
-                                  <p:childTnLst>
-                                    <p:set>
-                                      <p:cBhvr>
-                                        <p:cTn id="6" dur="1" fill="hold">
-                                          <p:stCondLst>
-                                            <p:cond delay="0"/>
-                                          </p:stCondLst>
-                                        </p:cTn>
-                                        <p:tgtEl>
-                                          <p:spTgt spid="3"/>
-                                        </p:tgtEl>
-                                        <p:attrNameLst>
-                                          <p:attrName>style.visibility</p:attrName>
-                                        </p:attrNameLst>
-                                      </p:cBhvr>
-                                      <p:to>
-                                        <p:strVal val="visible"/>
-                                      </p:to>
-                                    </p:set>
-                                    <p:animEffect transition="in" filter="barn(inVertical)">
-                                      <p:cBhvr>
-                                        <p:cTn id="7" dur="500"/>
-                                        <p:tgtEl>
-                                          <p:spTgt spid="3"/>
-                                        </p:tgtEl>
-                                      </p:cBhvr>
-                                    </p:animEffect>
-                                  </p:childTnLst>
-                                </p:cTn>
-                              </p:par>
-                            </p:childTnLst>
-                          </p:cTn>
-                        </p:par>
-                      </p:childTnLst>
-                    </p:cTn>
-                  </p:par>
-                  <p:par>
-                    <p:cTn id="8" fill="hold">
-                      <p:stCondLst>
-                        <p:cond delay="indefinite"/>
-                      </p:stCondLst>
-                      <p:childTnLst>
-                        <p:par>
-                          <p:cTn id="9" fill="hold">
-                            <p:stCondLst>
-                              <p:cond delay="0"/>
-                            </p:stCondLst>
-                            <p:childTnLst>
-                              <p:par>
-                                <p:cTn id="10" presetID="16" presetClass="entr" presetSubtype="21" fill="hold" nodeType="clickEffect">
-                                  <p:stCondLst>
-                                    <p:cond delay="0"/>
-                                  </p:stCondLst>
-                                  <p:childTnLst>
-                                    <p:set>
-                                      <p:cBhvr>
-                                        <p:cTn id="11" dur="1" fill="hold">
-                                          <p:stCondLst>
-                                            <p:cond delay="0"/>
-                                          </p:stCondLst>
-                                        </p:cTn>
-                                        <p:tgtEl>
-                                          <p:spTgt spid="11"/>
-                                        </p:tgtEl>
-                                        <p:attrNameLst>
-                                          <p:attrName>style.visibility</p:attrName>
-                                        </p:attrNameLst>
-                                      </p:cBhvr>
-                                      <p:to>
-                                        <p:strVal val="visible"/>
-                                      </p:to>
-                                    </p:set>
-                                    <p:animEffect transition="in" filter="barn(inVertical)">
-                                      <p:cBhvr>
-                                        <p:cTn id="12" dur="500"/>
-                                        <p:tgtEl>
-                                          <p:spTgt spid="11"/>
-                                        </p:tgtEl>
-                                      </p:cBhvr>
-                                    </p:animEffect>
-                                  </p:childTnLst>
-                                </p:cTn>
-                              </p:par>
-                            </p:childTnLst>
-                          </p:cTn>
-                        </p:par>
-                      </p:childTnLst>
-                    </p:cTn>
-                  </p:par>
-                  <p:par>
-                    <p:cTn id="13" fill="hold">
-                      <p:stCondLst>
-                        <p:cond delay="indefinite"/>
-                      </p:stCondLst>
-                      <p:childTnLst>
-                        <p:par>
-                          <p:cTn id="14" fill="hold">
-                            <p:stCondLst>
-                              <p:cond delay="0"/>
-                            </p:stCondLst>
-                            <p:childTnLst>
-                              <p:par>
-                                <p:cTn id="15" presetID="16" presetClass="entr" presetSubtype="21" fill="hold" nodeType="clickEffect">
-                                  <p:stCondLst>
-                                    <p:cond delay="0"/>
-                                  </p:stCondLst>
-                                  <p:childTnLst>
-                                    <p:set>
-                                      <p:cBhvr>
-                                        <p:cTn id="16" dur="1" fill="hold">
-                                          <p:stCondLst>
-                                            <p:cond delay="0"/>
-                                          </p:stCondLst>
-                                        </p:cTn>
-                                        <p:tgtEl>
-                                          <p:spTgt spid="12"/>
-                                        </p:tgtEl>
-                                        <p:attrNameLst>
-                                          <p:attrName>style.visibility</p:attrName>
-                                        </p:attrNameLst>
-                                      </p:cBhvr>
-                                      <p:to>
-                                        <p:strVal val="visible"/>
-                                      </p:to>
-                                    </p:set>
-                                    <p:animEffect transition="in" filter="barn(inVertical)">
-                                      <p:cBhvr>
-                                        <p:cTn id="17" dur="500"/>
-                                        <p:tgtEl>
-                                          <p:spTgt spid="12"/>
-                                        </p:tgtEl>
-                                      </p:cBhvr>
-                                    </p:animEffect>
-                                  </p:childTnLst>
-                                </p:cTn>
-                              </p:par>
-                            </p:childTnLst>
-                          </p:cTn>
-                        </p:par>
-                      </p:childTnLst>
-                    </p:cTn>
-                  </p:par>
-                  <p:par>
-                    <p:cTn id="18" fill="hold">
-                      <p:stCondLst>
-                        <p:cond delay="indefinite"/>
-                      </p:stCondLst>
-                      <p:childTnLst>
-                        <p:par>
-                          <p:cTn id="19" fill="hold">
-                            <p:stCondLst>
-                              <p:cond delay="0"/>
-                            </p:stCondLst>
-                            <p:childTnLst>
-                              <p:par>
-                                <p:cTn id="20" presetID="16" presetClass="entr" presetSubtype="21" fill="hold" nodeType="clickEffect">
-                                  <p:stCondLst>
-                                    <p:cond delay="0"/>
-                                  </p:stCondLst>
-                                  <p:childTnLst>
-                                    <p:set>
-                                      <p:cBhvr>
-                                        <p:cTn id="21" dur="1" fill="hold">
-                                          <p:stCondLst>
-                                            <p:cond delay="0"/>
-                                          </p:stCondLst>
-                                        </p:cTn>
-                                        <p:tgtEl>
-                                          <p:spTgt spid="13"/>
-                                        </p:tgtEl>
-                                        <p:attrNameLst>
-                                          <p:attrName>style.visibility</p:attrName>
-                                        </p:attrNameLst>
-                                      </p:cBhvr>
-                                      <p:to>
-                                        <p:strVal val="visible"/>
-                                      </p:to>
-                                    </p:set>
-                                    <p:animEffect transition="in" filter="barn(inVertical)">
-                                      <p:cBhvr>
-                                        <p:cTn id="22" dur="500"/>
-                                        <p:tgtEl>
-                                          <p:spTgt spid="13"/>
-                                        </p:tgtEl>
-                                      </p:cBhvr>
-                                    </p:animEffect>
-                                  </p:childTnLst>
-                                </p:cTn>
-                              </p:par>
-                            </p:childTnLst>
-                          </p:cTn>
-                        </p:par>
-                      </p:childTnLst>
-                    </p:cTn>
-                  </p:par>
-                  <p:par>
-                    <p:cTn id="23" fill="hold">
-                      <p:stCondLst>
-                        <p:cond delay="indefinite"/>
-                      </p:stCondLst>
-                      <p:childTnLst>
-                        <p:par>
-                          <p:cTn id="24" fill="hold">
-                            <p:stCondLst>
-                              <p:cond delay="0"/>
-                            </p:stCondLst>
-                            <p:childTnLst>
-                              <p:par>
-                                <p:cTn id="25" presetID="16" presetClass="entr" presetSubtype="21" fill="hold" nodeType="clickEffect">
-                                  <p:stCondLst>
-                                    <p:cond delay="0"/>
-                                  </p:stCondLst>
-                                  <p:childTnLst>
-                                    <p:set>
-                                      <p:cBhvr>
-                                        <p:cTn id="26" dur="1" fill="hold">
-                                          <p:stCondLst>
-                                            <p:cond delay="0"/>
-                                          </p:stCondLst>
-                                        </p:cTn>
-                                        <p:tgtEl>
-                                          <p:spTgt spid="14"/>
-                                        </p:tgtEl>
-                                        <p:attrNameLst>
-                                          <p:attrName>style.visibility</p:attrName>
-                                        </p:attrNameLst>
-                                      </p:cBhvr>
-                                      <p:to>
-                                        <p:strVal val="visible"/>
-                                      </p:to>
-                                    </p:set>
-                                    <p:animEffect transition="in" filter="barn(inVertical)">
-                                      <p:cBhvr>
-                                        <p:cTn id="27" dur="500"/>
-                                        <p:tgtEl>
-                                          <p:spTgt spid="14"/>
-                                        </p:tgtEl>
-                                      </p:cBhvr>
-                                    </p:animEffect>
-                                  </p:childTnLst>
-                                </p:cTn>
-                              </p:par>
-                            </p:childTnLst>
-                          </p:cTn>
-                        </p:par>
-                      </p:childTnLst>
-                    </p:cTn>
-                  </p:par>
-                  <p:par>
-                    <p:cTn id="28" fill="hold">
-                      <p:stCondLst>
-                        <p:cond delay="indefinite"/>
-                      </p:stCondLst>
-                      <p:childTnLst>
-                        <p:par>
-                          <p:cTn id="29" fill="hold">
-                            <p:stCondLst>
-                              <p:cond delay="0"/>
-                            </p:stCondLst>
-                            <p:childTnLst>
-                              <p:par>
-                                <p:cTn id="30" presetID="16" presetClass="entr" presetSubtype="21" fill="hold" nodeType="clickEffect">
-                                  <p:stCondLst>
-                                    <p:cond delay="0"/>
-                                  </p:stCondLst>
-                                  <p:childTnLst>
-                                    <p:set>
-                                      <p:cBhvr>
-                                        <p:cTn id="31" dur="1" fill="hold">
-                                          <p:stCondLst>
-                                            <p:cond delay="0"/>
-                                          </p:stCondLst>
-                                        </p:cTn>
-                                        <p:tgtEl>
-                                          <p:spTgt spid="57"/>
-                                        </p:tgtEl>
-                                        <p:attrNameLst>
-                                          <p:attrName>style.visibility</p:attrName>
-                                        </p:attrNameLst>
-                                      </p:cBhvr>
-                                      <p:to>
-                                        <p:strVal val="visible"/>
-                                      </p:to>
-                                    </p:set>
-                                    <p:animEffect transition="in" filter="barn(inVertical)">
-                                      <p:cBhvr>
-                                        <p:cTn id="32" dur="500"/>
-                                        <p:tgtEl>
-                                          <p:spTgt spid="57"/>
-                                        </p:tgtEl>
-                                      </p:cBhvr>
-                                    </p:animEffect>
-                                  </p:childTnLst>
-                                </p:cTn>
-                              </p:par>
-                            </p:childTnLst>
-                          </p:cTn>
-                        </p:par>
-                      </p:childTnLst>
-                    </p:cTn>
-                  </p:par>
-                  <p:par>
-                    <p:cTn id="33" fill="hold">
-                      <p:stCondLst>
-                        <p:cond delay="indefinite"/>
-                      </p:stCondLst>
-                      <p:childTnLst>
-                        <p:par>
-                          <p:cTn id="34" fill="hold">
-                            <p:stCondLst>
-                              <p:cond delay="0"/>
-                            </p:stCondLst>
-                            <p:childTnLst>
-                              <p:par>
-                                <p:cTn id="35" presetID="16" presetClass="entr" presetSubtype="21" fill="hold" nodeType="clickEffect">
-                                  <p:stCondLst>
-                                    <p:cond delay="0"/>
-                                  </p:stCondLst>
-                                  <p:childTnLst>
-                                    <p:set>
-                                      <p:cBhvr>
-                                        <p:cTn id="36" dur="1" fill="hold">
-                                          <p:stCondLst>
-                                            <p:cond delay="0"/>
-                                          </p:stCondLst>
-                                        </p:cTn>
-                                        <p:tgtEl>
-                                          <p:spTgt spid="15"/>
-                                        </p:tgtEl>
-                                        <p:attrNameLst>
-                                          <p:attrName>style.visibility</p:attrName>
-                                        </p:attrNameLst>
-                                      </p:cBhvr>
-                                      <p:to>
-                                        <p:strVal val="visible"/>
-                                      </p:to>
-                                    </p:set>
-                                    <p:animEffect transition="in" filter="barn(inVertical)">
-                                      <p:cBhvr>
-                                        <p:cTn id="37" dur="500"/>
-                                        <p:tgtEl>
-                                          <p:spTgt spid="15"/>
-                                        </p:tgtEl>
-                                      </p:cBhvr>
-                                    </p:animEffect>
-                                  </p:childTnLst>
-                                </p:cTn>
-                              </p:par>
-                            </p:childTnLst>
-                          </p:cTn>
-                        </p:par>
-                      </p:childTnLst>
-                    </p:cTn>
-                  </p:par>
-                </p:childTnLst>
-              </p:cTn>
-              <p:prevCondLst>
-                <p:cond evt="onPrev" delay="0">
-                  <p:tgtEl>
-                    <p:sldTgt/>
-                  </p:tgtEl>
-                </p:cond>
-              </p:prevCondLst>
-              <p:nextCondLst>
-                <p:cond evt="onNext" delay="0">
-                  <p:tgtEl>
-                    <p:sldTgt/>
-                  </p:tgtEl>
-                </p:cond>
-              </p:nextCondLst>
-            </p:seq>
-          </p:childTnLst>
-        </p:cTn>
-      </p:par>
-    </p:tnLst>
-  </p:timing>
 </p:sld>
 </file>
 
